--- a/CC.pptx
+++ b/CC.pptx
@@ -10,8 +10,8 @@
   <p:sldIdLst>
     <p:sldId id="268" r:id="rId2"/>
     <p:sldId id="269" r:id="rId3"/>
-    <p:sldId id="257" r:id="rId4"/>
-    <p:sldId id="258" r:id="rId5"/>
+    <p:sldId id="270" r:id="rId4"/>
+    <p:sldId id="257" r:id="rId5"/>
     <p:sldId id="259" r:id="rId6"/>
     <p:sldId id="260" r:id="rId7"/>
     <p:sldId id="261" r:id="rId8"/>
@@ -2617,6 +2617,13 @@
         </dgm:presLayoutVars>
       </dgm:prSet>
       <dgm:spPr/>
+      <dgm:t>
+        <a:bodyPr/>
+        <a:lstStyle/>
+        <a:p>
+          <a:endParaRPr lang="en-US"/>
+        </a:p>
+      </dgm:t>
     </dgm:pt>
     <dgm:pt modelId="{CB709A83-D005-497C-B01D-2909A77E0E3A}" type="pres">
       <dgm:prSet presAssocID="{32D40747-F688-4E5A-B839-08527787CBB2}" presName="parentLin" presStyleCnt="0"/>
@@ -2625,6 +2632,13 @@
     <dgm:pt modelId="{4A3DF150-CAC8-406A-A874-BBD218C3F887}" type="pres">
       <dgm:prSet presAssocID="{32D40747-F688-4E5A-B839-08527787CBB2}" presName="parentLeftMargin" presStyleLbl="node1" presStyleIdx="0" presStyleCnt="2"/>
       <dgm:spPr/>
+      <dgm:t>
+        <a:bodyPr/>
+        <a:lstStyle/>
+        <a:p>
+          <a:endParaRPr lang="en-US"/>
+        </a:p>
+      </dgm:t>
     </dgm:pt>
     <dgm:pt modelId="{186FC912-8FD6-45F1-9B46-E818AAAF259D}" type="pres">
       <dgm:prSet presAssocID="{32D40747-F688-4E5A-B839-08527787CBB2}" presName="parentText" presStyleLbl="node1" presStyleIdx="0" presStyleCnt="2">
@@ -2634,6 +2648,13 @@
         </dgm:presLayoutVars>
       </dgm:prSet>
       <dgm:spPr/>
+      <dgm:t>
+        <a:bodyPr/>
+        <a:lstStyle/>
+        <a:p>
+          <a:endParaRPr lang="en-US"/>
+        </a:p>
+      </dgm:t>
     </dgm:pt>
     <dgm:pt modelId="{B37EDFF7-21D5-452D-B4AA-457EAB68970B}" type="pres">
       <dgm:prSet presAssocID="{32D40747-F688-4E5A-B839-08527787CBB2}" presName="negativeSpace" presStyleCnt="0"/>
@@ -2665,6 +2686,13 @@
     <dgm:pt modelId="{0DD03D7D-FAC1-481A-978E-0FC316677580}" type="pres">
       <dgm:prSet presAssocID="{FA5DAFA6-457E-49F6-B736-32DEAEEF0772}" presName="parentLeftMargin" presStyleLbl="node1" presStyleIdx="0" presStyleCnt="2"/>
       <dgm:spPr/>
+      <dgm:t>
+        <a:bodyPr/>
+        <a:lstStyle/>
+        <a:p>
+          <a:endParaRPr lang="en-US"/>
+        </a:p>
+      </dgm:t>
     </dgm:pt>
     <dgm:pt modelId="{E628782C-B0E1-45ED-B07B-2160F6D196E3}" type="pres">
       <dgm:prSet presAssocID="{FA5DAFA6-457E-49F6-B736-32DEAEEF0772}" presName="parentText" presStyleLbl="node1" presStyleIdx="1" presStyleCnt="2">
@@ -2674,6 +2702,13 @@
         </dgm:presLayoutVars>
       </dgm:prSet>
       <dgm:spPr/>
+      <dgm:t>
+        <a:bodyPr/>
+        <a:lstStyle/>
+        <a:p>
+          <a:endParaRPr lang="en-US"/>
+        </a:p>
+      </dgm:t>
     </dgm:pt>
     <dgm:pt modelId="{4ABCE0E6-B504-437D-B5FA-302A947C6741}" type="pres">
       <dgm:prSet presAssocID="{FA5DAFA6-457E-49F6-B736-32DEAEEF0772}" presName="negativeSpace" presStyleCnt="0"/>
@@ -2702,8 +2737,8 @@
     <dgm:cxn modelId="{EB2DE28E-542E-4E69-8EB8-F1554A3797A3}" srcId="{E9577FEC-D5BF-479D-ACCF-F0F7BFF96E17}" destId="{FA5DAFA6-457E-49F6-B736-32DEAEEF0772}" srcOrd="1" destOrd="0" parTransId="{4A93C994-8FB3-4DBA-9FCF-2883E33CFF16}" sibTransId="{6CED30A7-6439-4E9B-9F41-FAC4EFDCD626}"/>
     <dgm:cxn modelId="{64ED0061-6058-4F8B-BF68-838468947E1C}" type="presOf" srcId="{D092C2F3-73F9-462E-A11B-2A8BE11D819E}" destId="{AF0087CF-9BEC-4741-875B-B425D667BB5A}" srcOrd="0" destOrd="0" presId="urn:microsoft.com/office/officeart/2005/8/layout/list1"/>
     <dgm:cxn modelId="{944B364B-37A5-47B3-B3B3-975784C78F70}" srcId="{FA5DAFA6-457E-49F6-B736-32DEAEEF0772}" destId="{D092C2F3-73F9-462E-A11B-2A8BE11D819E}" srcOrd="0" destOrd="0" parTransId="{96CFD798-9F60-43D4-99C8-6C3A50175BC3}" sibTransId="{C1616556-10D0-4C7F-B90E-43C44EE23C91}"/>
+    <dgm:cxn modelId="{95901ED6-584E-4384-958D-915EEC0DF5D8}" srcId="{32D40747-F688-4E5A-B839-08527787CBB2}" destId="{D2E69E3C-D041-497E-A784-68375FC2BA00}" srcOrd="0" destOrd="0" parTransId="{66228243-5D49-4131-B2E6-74688C1B7341}" sibTransId="{4F7D187D-5A37-4998-947A-2642727E7293}"/>
     <dgm:cxn modelId="{59F53E74-2B2A-4B59-9622-F9D24C26E238}" type="presOf" srcId="{32D40747-F688-4E5A-B839-08527787CBB2}" destId="{186FC912-8FD6-45F1-9B46-E818AAAF259D}" srcOrd="1" destOrd="0" presId="urn:microsoft.com/office/officeart/2005/8/layout/list1"/>
-    <dgm:cxn modelId="{95901ED6-584E-4384-958D-915EEC0DF5D8}" srcId="{32D40747-F688-4E5A-B839-08527787CBB2}" destId="{D2E69E3C-D041-497E-A784-68375FC2BA00}" srcOrd="0" destOrd="0" parTransId="{66228243-5D49-4131-B2E6-74688C1B7341}" sibTransId="{4F7D187D-5A37-4998-947A-2642727E7293}"/>
     <dgm:cxn modelId="{B72E1728-51CB-40D1-ACFE-ECD676D0D26E}" type="presOf" srcId="{143934E3-6717-4DB9-9B19-71214FFE2F5F}" destId="{AF0087CF-9BEC-4741-875B-B425D667BB5A}" srcOrd="0" destOrd="3" presId="urn:microsoft.com/office/officeart/2005/8/layout/list1"/>
     <dgm:cxn modelId="{BDB871A1-7206-4FFA-BF83-351EF6FC7FD1}" type="presOf" srcId="{339A064B-1535-446A-BA24-18CC65BC63E1}" destId="{AF0087CF-9BEC-4741-875B-B425D667BB5A}" srcOrd="0" destOrd="1" presId="urn:microsoft.com/office/officeart/2005/8/layout/list1"/>
     <dgm:cxn modelId="{A19CBEB4-0423-4B42-AAF5-1163758A9CFC}" type="presOf" srcId="{FA5DAFA6-457E-49F6-B736-32DEAEEF0772}" destId="{E628782C-B0E1-45ED-B07B-2160F6D196E3}" srcOrd="1" destOrd="0" presId="urn:microsoft.com/office/officeart/2005/8/layout/list1"/>
@@ -2829,7 +2864,6 @@
             <a:rPr lang="en-US" dirty="0" smtClean="0"/>
             <a:t>Display the captioned videos where the videos are located.</a:t>
           </a:r>
-          <a:endParaRPr lang="en-US" dirty="0" smtClean="0"/>
         </a:p>
       </dgm:t>
     </dgm:pt>
@@ -2866,7 +2900,6 @@
             <a:rPr lang="en-US" dirty="0" smtClean="0"/>
             <a:t>Assure caption synchronization.</a:t>
           </a:r>
-          <a:endParaRPr lang="en-US" dirty="0" smtClean="0"/>
         </a:p>
       </dgm:t>
     </dgm:pt>
@@ -2903,7 +2936,6 @@
             <a:rPr lang="en-US" dirty="0" smtClean="0"/>
             <a:t>Not allow for automated spamming.</a:t>
           </a:r>
-          <a:endParaRPr lang="en-US" dirty="0" smtClean="0"/>
         </a:p>
       </dgm:t>
     </dgm:pt>
@@ -2940,7 +2972,6 @@
             <a:rPr lang="en-US" dirty="0" smtClean="0"/>
             <a:t>Presents its functionality via Web Services.</a:t>
           </a:r>
-          <a:endParaRPr lang="en-US" dirty="0" smtClean="0"/>
         </a:p>
       </dgm:t>
     </dgm:pt>
@@ -2977,7 +3008,6 @@
             <a:rPr lang="en-US" dirty="0" smtClean="0"/>
             <a:t>Assure that only one user can work on captioning a specific video at a given time.</a:t>
           </a:r>
-          <a:endParaRPr lang="en-US" dirty="0" smtClean="0"/>
         </a:p>
       </dgm:t>
     </dgm:pt>
@@ -3014,7 +3044,6 @@
             <a:rPr lang="en-US" dirty="0" smtClean="0"/>
             <a:t>Store previous caption versions.</a:t>
           </a:r>
-          <a:endParaRPr lang="en-US" dirty="0" smtClean="0"/>
         </a:p>
       </dgm:t>
     </dgm:pt>
@@ -3051,7 +3080,6 @@
             <a:rPr lang="en-US" dirty="0" smtClean="0"/>
             <a:t>Retrieve a list of previous versions.</a:t>
           </a:r>
-          <a:endParaRPr lang="en-US" dirty="0" smtClean="0"/>
         </a:p>
       </dgm:t>
     </dgm:pt>
@@ -3088,7 +3116,6 @@
             <a:rPr lang="en-US" dirty="0" smtClean="0"/>
             <a:t>Revert to a previous version.</a:t>
           </a:r>
-          <a:endParaRPr lang="en-US" dirty="0" smtClean="0"/>
         </a:p>
       </dgm:t>
     </dgm:pt>
@@ -3123,6 +3150,13 @@
         </dgm:presLayoutVars>
       </dgm:prSet>
       <dgm:spPr/>
+      <dgm:t>
+        <a:bodyPr/>
+        <a:lstStyle/>
+        <a:p>
+          <a:endParaRPr lang="en-US"/>
+        </a:p>
+      </dgm:t>
     </dgm:pt>
     <dgm:pt modelId="{5036D28F-CD75-4039-839E-C1495AE813FA}" type="pres">
       <dgm:prSet presAssocID="{39BF1797-AF98-49D0-B587-7D2FE95969A2}" presName="parentLin" presStyleCnt="0"/>
@@ -3131,6 +3165,13 @@
     <dgm:pt modelId="{2F0261AD-2B76-42EE-9B5C-41042C74716E}" type="pres">
       <dgm:prSet presAssocID="{39BF1797-AF98-49D0-B587-7D2FE95969A2}" presName="parentLeftMargin" presStyleLbl="node1" presStyleIdx="0" presStyleCnt="1"/>
       <dgm:spPr/>
+      <dgm:t>
+        <a:bodyPr/>
+        <a:lstStyle/>
+        <a:p>
+          <a:endParaRPr lang="en-US"/>
+        </a:p>
+      </dgm:t>
     </dgm:pt>
     <dgm:pt modelId="{64E50D1E-8A31-464C-A4D7-88F5B75EF846}" type="pres">
       <dgm:prSet presAssocID="{39BF1797-AF98-49D0-B587-7D2FE95969A2}" presName="parentText" presStyleLbl="node1" presStyleIdx="0" presStyleCnt="1">
@@ -3186,8 +3227,8 @@
     <dgm:cxn modelId="{38909320-D270-4DD8-985B-2E201743930F}" type="presOf" srcId="{7973E9F7-F023-457A-B616-0300C5072C3A}" destId="{CA1E2BF1-B0AB-4895-B69A-2F7B3B42EF3C}" srcOrd="0" destOrd="2" presId="urn:microsoft.com/office/officeart/2005/8/layout/list1"/>
     <dgm:cxn modelId="{E84BB915-9E93-400B-AFDA-7EF0E3C388C9}" type="presOf" srcId="{8722A5F9-14D6-4CE9-8029-B2CF02479303}" destId="{F3E948EE-4371-45E5-A293-95F38FE809F0}" srcOrd="0" destOrd="0" presId="urn:microsoft.com/office/officeart/2005/8/layout/list1"/>
     <dgm:cxn modelId="{93236B52-AF51-4C00-A48D-BC2FBA481EB9}" srcId="{39BF1797-AF98-49D0-B587-7D2FE95969A2}" destId="{7B0F4F9E-478D-4EED-8F73-DB662091163B}" srcOrd="1" destOrd="0" parTransId="{282F2255-B34A-4BDD-8C14-2E7F7F37DFD6}" sibTransId="{4C206C40-2E5F-4996-AF91-9A4CBFE4CC37}"/>
+    <dgm:cxn modelId="{6C7859C2-6BDC-48A0-B9E2-6CE41255A9C6}" srcId="{39BF1797-AF98-49D0-B587-7D2FE95969A2}" destId="{7973E9F7-F023-457A-B616-0300C5072C3A}" srcOrd="2" destOrd="0" parTransId="{8F4CBCF4-7048-43E0-A6A6-EF48447175EC}" sibTransId="{8860994C-7409-4A9F-BCE1-0BB2C901CC49}"/>
     <dgm:cxn modelId="{D42792C6-22C5-46BF-8793-1D07FFDC02FA}" srcId="{39BF1797-AF98-49D0-B587-7D2FE95969A2}" destId="{0CD7446A-9BA1-4526-85AF-E0857FA2A09E}" srcOrd="6" destOrd="0" parTransId="{92F15A59-929B-4DCF-A5C6-5ACC068639B2}" sibTransId="{F2B69293-7BF2-45B1-82DC-43AFAD1F16F1}"/>
-    <dgm:cxn modelId="{6C7859C2-6BDC-48A0-B9E2-6CE41255A9C6}" srcId="{39BF1797-AF98-49D0-B587-7D2FE95969A2}" destId="{7973E9F7-F023-457A-B616-0300C5072C3A}" srcOrd="2" destOrd="0" parTransId="{8F4CBCF4-7048-43E0-A6A6-EF48447175EC}" sibTransId="{8860994C-7409-4A9F-BCE1-0BB2C901CC49}"/>
     <dgm:cxn modelId="{561E0F04-FD23-4D4E-8730-8813342244D6}" srcId="{39BF1797-AF98-49D0-B587-7D2FE95969A2}" destId="{8FA0ACB3-00FB-4BBA-93DA-4CAAAF27151F}" srcOrd="3" destOrd="0" parTransId="{FCAD73E5-4EEC-45A1-AA92-8EE545C4EA5E}" sibTransId="{65D80577-5C52-46CE-B28F-6891E38918EB}"/>
     <dgm:cxn modelId="{35A8002B-103D-44EB-BB02-07E8356EECF8}" srcId="{39BF1797-AF98-49D0-B587-7D2FE95969A2}" destId="{87BB7EE1-4D29-4CCA-B372-B95AED09D489}" srcOrd="5" destOrd="0" parTransId="{5237AE63-7B85-4892-86EB-A039B1AB1B71}" sibTransId="{51B13E36-5F59-4500-A041-7E6C48A16975}"/>
     <dgm:cxn modelId="{A91ABE52-DAAC-4AFA-9AD1-AB1173AC23A3}" type="presOf" srcId="{39BF1797-AF98-49D0-B587-7D2FE95969A2}" destId="{2F0261AD-2B76-42EE-9B5C-41042C74716E}" srcOrd="0" destOrd="0" presId="urn:microsoft.com/office/officeart/2005/8/layout/list1"/>
@@ -3301,7 +3342,6 @@
             <a:rPr lang="en-US" dirty="0" smtClean="0"/>
             <a:t>Fast-forward in the video</a:t>
           </a:r>
-          <a:endParaRPr lang="en-US" dirty="0" smtClean="0"/>
         </a:p>
       </dgm:t>
     </dgm:pt>
@@ -3338,7 +3378,6 @@
             <a:rPr lang="en-US" dirty="0" smtClean="0"/>
             <a:t>Rewind in the video</a:t>
           </a:r>
-          <a:endParaRPr lang="en-US" dirty="0" smtClean="0"/>
         </a:p>
       </dgm:t>
     </dgm:pt>
@@ -3375,7 +3414,6 @@
             <a:rPr lang="en-US" dirty="0" smtClean="0"/>
             <a:t>Allow entry of captions</a:t>
           </a:r>
-          <a:endParaRPr lang="en-US" dirty="0" smtClean="0"/>
         </a:p>
       </dgm:t>
     </dgm:pt>
@@ -3412,7 +3450,6 @@
             <a:rPr lang="en-US" dirty="0" smtClean="0"/>
             <a:t>Submit captions</a:t>
           </a:r>
-          <a:endParaRPr lang="en-US" dirty="0" smtClean="0"/>
         </a:p>
       </dgm:t>
     </dgm:pt>
@@ -3449,7 +3486,6 @@
             <a:rPr lang="en-US" dirty="0" smtClean="0"/>
             <a:t>Preview the current caption changes with the video.</a:t>
           </a:r>
-          <a:endParaRPr lang="en-US" dirty="0" smtClean="0"/>
         </a:p>
       </dgm:t>
     </dgm:pt>
@@ -3484,6 +3520,13 @@
         </dgm:presLayoutVars>
       </dgm:prSet>
       <dgm:spPr/>
+      <dgm:t>
+        <a:bodyPr/>
+        <a:lstStyle/>
+        <a:p>
+          <a:endParaRPr lang="en-US"/>
+        </a:p>
+      </dgm:t>
     </dgm:pt>
     <dgm:pt modelId="{5036D28F-CD75-4039-839E-C1495AE813FA}" type="pres">
       <dgm:prSet presAssocID="{39BF1797-AF98-49D0-B587-7D2FE95969A2}" presName="parentLin" presStyleCnt="0"/>
@@ -3492,6 +3535,13 @@
     <dgm:pt modelId="{2F0261AD-2B76-42EE-9B5C-41042C74716E}" type="pres">
       <dgm:prSet presAssocID="{39BF1797-AF98-49D0-B587-7D2FE95969A2}" presName="parentLeftMargin" presStyleLbl="node1" presStyleIdx="0" presStyleCnt="1"/>
       <dgm:spPr/>
+      <dgm:t>
+        <a:bodyPr/>
+        <a:lstStyle/>
+        <a:p>
+          <a:endParaRPr lang="en-US"/>
+        </a:p>
+      </dgm:t>
     </dgm:pt>
     <dgm:pt modelId="{64E50D1E-8A31-464C-A4D7-88F5B75EF846}" type="pres">
       <dgm:prSet presAssocID="{39BF1797-AF98-49D0-B587-7D2FE95969A2}" presName="parentText" presStyleLbl="node1" presStyleIdx="0" presStyleCnt="1">
@@ -7416,6 +7466,7 @@
           <a:p>
             <a:fld id="{1FB0864C-F685-4FFD-BE36-4343730639A9}" type="datetimeFigureOut">
               <a:rPr lang="en-US" smtClean="0"/>
+              <a:pPr/>
               <a:t>3/9/2008</a:t>
             </a:fld>
             <a:endParaRPr lang="en-US"/>
@@ -7577,6 +7628,7 @@
           <a:p>
             <a:fld id="{4E2DDEEE-28A1-46E7-8C69-F86D1A7BF25E}" type="slidenum">
               <a:rPr lang="en-US" smtClean="0"/>
+              <a:pPr/>
               <a:t>‹#›</a:t>
             </a:fld>
             <a:endParaRPr lang="en-US"/>
@@ -7748,6 +7800,7 @@
           <a:p>
             <a:fld id="{4E2DDEEE-28A1-46E7-8C69-F86D1A7BF25E}" type="slidenum">
               <a:rPr lang="en-US" smtClean="0"/>
+              <a:pPr/>
               <a:t>1</a:t>
             </a:fld>
             <a:endParaRPr lang="en-US"/>
@@ -7829,7 +7882,8 @@
           <a:p>
             <a:fld id="{4E2DDEEE-28A1-46E7-8C69-F86D1A7BF25E}" type="slidenum">
               <a:rPr lang="en-US" smtClean="0"/>
-              <a:t>10</a:t>
+              <a:pPr/>
+              <a:t>11</a:t>
             </a:fld>
             <a:endParaRPr lang="en-US"/>
           </a:p>
@@ -7910,87 +7964,7 @@
           <a:p>
             <a:fld id="{4E2DDEEE-28A1-46E7-8C69-F86D1A7BF25E}" type="slidenum">
               <a:rPr lang="en-US" smtClean="0"/>
-              <a:t>11</a:t>
-            </a:fld>
-            <a:endParaRPr lang="en-US"/>
-          </a:p>
-        </p:txBody>
-      </p:sp>
-    </p:spTree>
-  </p:cSld>
-  <p:clrMapOvr>
-    <a:masterClrMapping/>
-  </p:clrMapOvr>
-</p:notes>
-</file>
-
-<file path=ppt/notesSlides/notesSlide12.xml><?xml version="1.0" encoding="utf-8"?>
-<p:notes xmlns:a="http://schemas.openxmlformats.org/drawingml/2006/main" xmlns:r="http://schemas.openxmlformats.org/officeDocument/2006/relationships" xmlns:p="http://schemas.openxmlformats.org/presentationml/2006/main">
-  <p:cSld>
-    <p:spTree>
-      <p:nvGrpSpPr>
-        <p:cNvPr id="1" name=""/>
-        <p:cNvGrpSpPr/>
-        <p:nvPr/>
-      </p:nvGrpSpPr>
-      <p:grpSpPr>
-        <a:xfrm>
-          <a:off x="0" y="0"/>
-          <a:ext cx="0" cy="0"/>
-          <a:chOff x="0" y="0"/>
-          <a:chExt cx="0" cy="0"/>
-        </a:xfrm>
-      </p:grpSpPr>
-      <p:sp>
-        <p:nvSpPr>
-          <p:cNvPr id="2" name="Slide Image Placeholder 1"/>
-          <p:cNvSpPr>
-            <a:spLocks noGrp="1" noRot="1" noChangeAspect="1"/>
-          </p:cNvSpPr>
-          <p:nvPr>
-            <p:ph type="sldImg"/>
-          </p:nvPr>
-        </p:nvSpPr>
-        <p:spPr/>
-      </p:sp>
-      <p:sp>
-        <p:nvSpPr>
-          <p:cNvPr id="3" name="Notes Placeholder 2"/>
-          <p:cNvSpPr>
-            <a:spLocks noGrp="1"/>
-          </p:cNvSpPr>
-          <p:nvPr>
-            <p:ph type="body" idx="1"/>
-          </p:nvPr>
-        </p:nvSpPr>
-        <p:spPr/>
-        <p:txBody>
-          <a:bodyPr>
-            <a:normAutofit/>
-          </a:bodyPr>
-          <a:lstStyle/>
-          <a:p>
-            <a:endParaRPr lang="en-US"/>
-          </a:p>
-        </p:txBody>
-      </p:sp>
-      <p:sp>
-        <p:nvSpPr>
-          <p:cNvPr id="4" name="Slide Number Placeholder 3"/>
-          <p:cNvSpPr>
-            <a:spLocks noGrp="1"/>
-          </p:cNvSpPr>
-          <p:nvPr>
-            <p:ph type="sldNum" sz="quarter" idx="10"/>
-          </p:nvPr>
-        </p:nvSpPr>
-        <p:spPr/>
-        <p:txBody>
-          <a:bodyPr/>
-          <a:lstStyle/>
-          <a:p>
-            <a:fld id="{4E2DDEEE-28A1-46E7-8C69-F86D1A7BF25E}" type="slidenum">
-              <a:rPr lang="en-US" smtClean="0"/>
+              <a:pPr/>
               <a:t>12</a:t>
             </a:fld>
             <a:endParaRPr lang="en-US"/>
@@ -8072,6 +8046,7 @@
           <a:p>
             <a:fld id="{4E2DDEEE-28A1-46E7-8C69-F86D1A7BF25E}" type="slidenum">
               <a:rPr lang="en-US" smtClean="0"/>
+              <a:pPr/>
               <a:t>2</a:t>
             </a:fld>
             <a:endParaRPr lang="en-US"/>
@@ -8153,7 +8128,8 @@
           <a:p>
             <a:fld id="{4E2DDEEE-28A1-46E7-8C69-F86D1A7BF25E}" type="slidenum">
               <a:rPr lang="en-US" smtClean="0"/>
-              <a:t>3</a:t>
+              <a:pPr/>
+              <a:t>4</a:t>
             </a:fld>
             <a:endParaRPr lang="en-US"/>
           </a:p>
@@ -8234,7 +8210,8 @@
           <a:p>
             <a:fld id="{4E2DDEEE-28A1-46E7-8C69-F86D1A7BF25E}" type="slidenum">
               <a:rPr lang="en-US" smtClean="0"/>
-              <a:t>4</a:t>
+              <a:pPr/>
+              <a:t>5</a:t>
             </a:fld>
             <a:endParaRPr lang="en-US"/>
           </a:p>
@@ -8315,7 +8292,8 @@
           <a:p>
             <a:fld id="{4E2DDEEE-28A1-46E7-8C69-F86D1A7BF25E}" type="slidenum">
               <a:rPr lang="en-US" smtClean="0"/>
-              <a:t>5</a:t>
+              <a:pPr/>
+              <a:t>6</a:t>
             </a:fld>
             <a:endParaRPr lang="en-US"/>
           </a:p>
@@ -8396,7 +8374,8 @@
           <a:p>
             <a:fld id="{4E2DDEEE-28A1-46E7-8C69-F86D1A7BF25E}" type="slidenum">
               <a:rPr lang="en-US" smtClean="0"/>
-              <a:t>6</a:t>
+              <a:pPr/>
+              <a:t>7</a:t>
             </a:fld>
             <a:endParaRPr lang="en-US"/>
           </a:p>
@@ -8477,7 +8456,8 @@
           <a:p>
             <a:fld id="{4E2DDEEE-28A1-46E7-8C69-F86D1A7BF25E}" type="slidenum">
               <a:rPr lang="en-US" smtClean="0"/>
-              <a:t>7</a:t>
+              <a:pPr/>
+              <a:t>8</a:t>
             </a:fld>
             <a:endParaRPr lang="en-US"/>
           </a:p>
@@ -8558,7 +8538,8 @@
           <a:p>
             <a:fld id="{4E2DDEEE-28A1-46E7-8C69-F86D1A7BF25E}" type="slidenum">
               <a:rPr lang="en-US" smtClean="0"/>
-              <a:t>8</a:t>
+              <a:pPr/>
+              <a:t>9</a:t>
             </a:fld>
             <a:endParaRPr lang="en-US"/>
           </a:p>
@@ -8639,7 +8620,8 @@
           <a:p>
             <a:fld id="{4E2DDEEE-28A1-46E7-8C69-F86D1A7BF25E}" type="slidenum">
               <a:rPr lang="en-US" smtClean="0"/>
-              <a:t>9</a:t>
+              <a:pPr/>
+              <a:t>10</a:t>
             </a:fld>
             <a:endParaRPr lang="en-US"/>
           </a:p>
@@ -8826,6 +8808,7 @@
           <a:p>
             <a:fld id="{B499EF50-2ED6-46C9-A7FA-F8E757BDF917}" type="datetimeFigureOut">
               <a:rPr lang="en-US" smtClean="0"/>
+              <a:pPr/>
               <a:t>3/9/2008</a:t>
             </a:fld>
             <a:endParaRPr lang="en-US"/>
@@ -8868,6 +8851,7 @@
           <a:p>
             <a:fld id="{A2D4672A-329F-4F7A-9FF7-6E05B2C11BFF}" type="slidenum">
               <a:rPr lang="en-US" smtClean="0"/>
+              <a:pPr/>
               <a:t>‹#›</a:t>
             </a:fld>
             <a:endParaRPr lang="en-US"/>
@@ -8991,6 +8975,7 @@
           <a:p>
             <a:fld id="{B499EF50-2ED6-46C9-A7FA-F8E757BDF917}" type="datetimeFigureOut">
               <a:rPr lang="en-US" smtClean="0"/>
+              <a:pPr/>
               <a:t>3/9/2008</a:t>
             </a:fld>
             <a:endParaRPr lang="en-US"/>
@@ -9033,6 +9018,7 @@
           <a:p>
             <a:fld id="{A2D4672A-329F-4F7A-9FF7-6E05B2C11BFF}" type="slidenum">
               <a:rPr lang="en-US" smtClean="0"/>
+              <a:pPr/>
               <a:t>‹#›</a:t>
             </a:fld>
             <a:endParaRPr lang="en-US"/>
@@ -9166,6 +9152,7 @@
           <a:p>
             <a:fld id="{B499EF50-2ED6-46C9-A7FA-F8E757BDF917}" type="datetimeFigureOut">
               <a:rPr lang="en-US" smtClean="0"/>
+              <a:pPr/>
               <a:t>3/9/2008</a:t>
             </a:fld>
             <a:endParaRPr lang="en-US"/>
@@ -9208,6 +9195,7 @@
           <a:p>
             <a:fld id="{A2D4672A-329F-4F7A-9FF7-6E05B2C11BFF}" type="slidenum">
               <a:rPr lang="en-US" smtClean="0"/>
+              <a:pPr/>
               <a:t>‹#›</a:t>
             </a:fld>
             <a:endParaRPr lang="en-US"/>
@@ -9331,6 +9319,7 @@
           <a:p>
             <a:fld id="{B499EF50-2ED6-46C9-A7FA-F8E757BDF917}" type="datetimeFigureOut">
               <a:rPr lang="en-US" smtClean="0"/>
+              <a:pPr/>
               <a:t>3/9/2008</a:t>
             </a:fld>
             <a:endParaRPr lang="en-US"/>
@@ -9373,6 +9362,7 @@
           <a:p>
             <a:fld id="{A2D4672A-329F-4F7A-9FF7-6E05B2C11BFF}" type="slidenum">
               <a:rPr lang="en-US" smtClean="0"/>
+              <a:pPr/>
               <a:t>‹#›</a:t>
             </a:fld>
             <a:endParaRPr lang="en-US"/>
@@ -9573,6 +9563,7 @@
           <a:p>
             <a:fld id="{B499EF50-2ED6-46C9-A7FA-F8E757BDF917}" type="datetimeFigureOut">
               <a:rPr lang="en-US" smtClean="0"/>
+              <a:pPr/>
               <a:t>3/9/2008</a:t>
             </a:fld>
             <a:endParaRPr lang="en-US"/>
@@ -9615,6 +9606,7 @@
           <a:p>
             <a:fld id="{A2D4672A-329F-4F7A-9FF7-6E05B2C11BFF}" type="slidenum">
               <a:rPr lang="en-US" smtClean="0"/>
+              <a:pPr/>
               <a:t>‹#›</a:t>
             </a:fld>
             <a:endParaRPr lang="en-US"/>
@@ -9837,6 +9829,7 @@
           <a:p>
             <a:fld id="{B499EF50-2ED6-46C9-A7FA-F8E757BDF917}" type="datetimeFigureOut">
               <a:rPr lang="en-US" smtClean="0"/>
+              <a:pPr/>
               <a:t>3/9/2008</a:t>
             </a:fld>
             <a:endParaRPr lang="en-US"/>
@@ -9879,6 +9872,7 @@
           <a:p>
             <a:fld id="{A2D4672A-329F-4F7A-9FF7-6E05B2C11BFF}" type="slidenum">
               <a:rPr lang="en-US" smtClean="0"/>
+              <a:pPr/>
               <a:t>‹#›</a:t>
             </a:fld>
             <a:endParaRPr lang="en-US"/>
@@ -10215,6 +10209,7 @@
           <a:p>
             <a:fld id="{B499EF50-2ED6-46C9-A7FA-F8E757BDF917}" type="datetimeFigureOut">
               <a:rPr lang="en-US" smtClean="0"/>
+              <a:pPr/>
               <a:t>3/9/2008</a:t>
             </a:fld>
             <a:endParaRPr lang="en-US"/>
@@ -10257,6 +10252,7 @@
           <a:p>
             <a:fld id="{A2D4672A-329F-4F7A-9FF7-6E05B2C11BFF}" type="slidenum">
               <a:rPr lang="en-US" smtClean="0"/>
+              <a:pPr/>
               <a:t>‹#›</a:t>
             </a:fld>
             <a:endParaRPr lang="en-US"/>
@@ -10365,6 +10361,7 @@
           <a:p>
             <a:fld id="{B499EF50-2ED6-46C9-A7FA-F8E757BDF917}" type="datetimeFigureOut">
               <a:rPr lang="en-US" smtClean="0"/>
+              <a:pPr/>
               <a:t>3/9/2008</a:t>
             </a:fld>
             <a:endParaRPr lang="en-US"/>
@@ -10407,6 +10404,7 @@
           <a:p>
             <a:fld id="{A2D4672A-329F-4F7A-9FF7-6E05B2C11BFF}" type="slidenum">
               <a:rPr lang="en-US" smtClean="0"/>
+              <a:pPr/>
               <a:t>‹#›</a:t>
             </a:fld>
             <a:endParaRPr lang="en-US"/>
@@ -10455,6 +10453,7 @@
           <a:p>
             <a:fld id="{B499EF50-2ED6-46C9-A7FA-F8E757BDF917}" type="datetimeFigureOut">
               <a:rPr lang="en-US" smtClean="0"/>
+              <a:pPr/>
               <a:t>3/9/2008</a:t>
             </a:fld>
             <a:endParaRPr lang="en-US"/>
@@ -10497,6 +10496,7 @@
           <a:p>
             <a:fld id="{A2D4672A-329F-4F7A-9FF7-6E05B2C11BFF}" type="slidenum">
               <a:rPr lang="en-US" smtClean="0"/>
+              <a:pPr/>
               <a:t>‹#›</a:t>
             </a:fld>
             <a:endParaRPr lang="en-US"/>
@@ -10716,6 +10716,7 @@
           <a:p>
             <a:fld id="{B499EF50-2ED6-46C9-A7FA-F8E757BDF917}" type="datetimeFigureOut">
               <a:rPr lang="en-US" smtClean="0"/>
+              <a:pPr/>
               <a:t>3/9/2008</a:t>
             </a:fld>
             <a:endParaRPr lang="en-US"/>
@@ -10758,6 +10759,7 @@
           <a:p>
             <a:fld id="{A2D4672A-329F-4F7A-9FF7-6E05B2C11BFF}" type="slidenum">
               <a:rPr lang="en-US" smtClean="0"/>
+              <a:pPr/>
               <a:t>‹#›</a:t>
             </a:fld>
             <a:endParaRPr lang="en-US"/>
@@ -11004,6 +11006,7 @@
           <a:p>
             <a:fld id="{B499EF50-2ED6-46C9-A7FA-F8E757BDF917}" type="datetimeFigureOut">
               <a:rPr lang="en-US" smtClean="0"/>
+              <a:pPr/>
               <a:t>3/9/2008</a:t>
             </a:fld>
             <a:endParaRPr lang="en-US"/>
@@ -11051,6 +11054,7 @@
           <a:p>
             <a:fld id="{A2D4672A-329F-4F7A-9FF7-6E05B2C11BFF}" type="slidenum">
               <a:rPr lang="en-US" smtClean="0"/>
+              <a:pPr/>
               <a:t>‹#›</a:t>
             </a:fld>
             <a:endParaRPr lang="en-US"/>
@@ -11775,6 +11779,7 @@
           <a:p>
             <a:fld id="{B499EF50-2ED6-46C9-A7FA-F8E757BDF917}" type="datetimeFigureOut">
               <a:rPr lang="en-US" smtClean="0"/>
+              <a:pPr/>
               <a:t>3/9/2008</a:t>
             </a:fld>
             <a:endParaRPr lang="en-US"/>
@@ -11853,6 +11858,7 @@
           <a:p>
             <a:fld id="{A2D4672A-329F-4F7A-9FF7-6E05B2C11BFF}" type="slidenum">
               <a:rPr lang="en-US" smtClean="0"/>
+              <a:pPr/>
               <a:t>‹#›</a:t>
             </a:fld>
             <a:endParaRPr lang="en-US"/>
@@ -12476,6 +12482,13 @@
   <p:clrMapOvr>
     <a:masterClrMapping/>
   </p:clrMapOvr>
+  <p:timing>
+    <p:tnLst>
+      <p:par>
+        <p:cTn id="1" dur="indefinite" restart="never" nodeType="tmRoot"/>
+      </p:par>
+    </p:tnLst>
+  </p:timing>
 </p:sld>
 </file>
 
@@ -12692,11 +12705,7 @@
           <a:p>
             <a:r>
               <a:rPr lang="en-US" dirty="0" smtClean="0"/>
-              <a:t>JavaScript </a:t>
-            </a:r>
-            <a:r>
-              <a:rPr lang="en-US" dirty="0" smtClean="0"/>
-              <a:t>function for re-writing page - </a:t>
+              <a:t>JavaScript function for re-writing page - </a:t>
             </a:r>
             <a:r>
               <a:rPr lang="en-US" i="1" dirty="0" smtClean="0"/>
@@ -12710,15 +12719,7 @@
           <a:p>
             <a:r>
               <a:rPr lang="en-US" dirty="0" smtClean="0"/>
-              <a:t>Web service function </a:t>
-            </a:r>
-            <a:r>
-              <a:rPr lang="en-US" dirty="0" smtClean="0"/>
-              <a:t>JavaScript </a:t>
-            </a:r>
-            <a:r>
-              <a:rPr lang="en-US" dirty="0" smtClean="0"/>
-              <a:t>- </a:t>
+              <a:t>Web service function JavaScript - </a:t>
             </a:r>
             <a:r>
               <a:rPr lang="en-US" i="1" dirty="0" smtClean="0"/>
@@ -12734,7 +12735,6 @@
               <a:rPr lang="en-US" dirty="0" smtClean="0"/>
               <a:t>Parallel Steps:</a:t>
             </a:r>
-            <a:endParaRPr lang="en-US" dirty="0" smtClean="0"/>
           </a:p>
           <a:p>
             <a:pPr lvl="1"/>
@@ -12784,15 +12784,7 @@
           <a:p>
             <a:r>
               <a:rPr lang="en-US" dirty="0" smtClean="0"/>
-              <a:t>JavaScript roll into </a:t>
-            </a:r>
-            <a:r>
-              <a:rPr lang="en-US" dirty="0" smtClean="0"/>
-              <a:t>Firefox </a:t>
-            </a:r>
-            <a:r>
-              <a:rPr lang="en-US" dirty="0" smtClean="0"/>
-              <a:t>extension - </a:t>
+              <a:t>JavaScript roll into Firefox extension - </a:t>
             </a:r>
             <a:r>
               <a:rPr lang="en-US" i="1" dirty="0" smtClean="0"/>
@@ -12878,6 +12870,13 @@
   <p:clrMapOvr>
     <a:masterClrMapping/>
   </p:clrMapOvr>
+  <p:timing>
+    <p:tnLst>
+      <p:par>
+        <p:cTn id="1" dur="indefinite" restart="never" nodeType="tmRoot"/>
+      </p:par>
+    </p:tnLst>
+  </p:timing>
 </p:sld>
 </file>
 
@@ -12915,7 +12914,7 @@
           <a:p>
             <a:r>
               <a:rPr lang="en-US" dirty="0" smtClean="0"/>
-              <a:t>Phase A</a:t>
+              <a:t>Concept</a:t>
             </a:r>
             <a:endParaRPr lang="en-US" dirty="0"/>
           </a:p>
@@ -12938,19 +12937,19 @@
           <a:p>
             <a:r>
               <a:rPr lang="en-US" dirty="0" smtClean="0"/>
-              <a:t>"Our project is a community-driven web media captioning tool, it's important because the hearing-impaired community cannot fully experience much of the “Web 2.0” video content currently available online, it's difficult because the team does not have a lot of experience with </a:t>
-            </a:r>
-            <a:r>
-              <a:rPr lang="en-US" smtClean="0"/>
-              <a:t>manipulating </a:t>
-            </a:r>
-            <a:r>
-              <a:rPr lang="en-US" smtClean="0"/>
-              <a:t>FLV </a:t>
+              <a:t>Our </a:t>
             </a:r>
             <a:r>
               <a:rPr lang="en-US" dirty="0" smtClean="0"/>
-              <a:t>media, and we are confident we can do it because we have a strong team, good design, are in the process of extensive research on the subject, and have a strong motivation to succeed."</a:t>
+              <a:t>project concept is an open source, community-driven online video closed captioning tool. This tool will help hearing impaired people experience the wealth of online “Web 2.0” media content available today with no captions. We our most likely going to scope the project to </a:t>
+            </a:r>
+            <a:r>
+              <a:rPr lang="en-US" dirty="0" smtClean="0"/>
+              <a:t>YouTube </a:t>
+            </a:r>
+            <a:r>
+              <a:rPr lang="en-US" dirty="0" smtClean="0"/>
+              <a:t>given the timeframe but it would be idea to eventually allow captioning of all types of media so our backend application will be written with this in mind. </a:t>
             </a:r>
             <a:endParaRPr lang="en-US" dirty="0"/>
           </a:p>
@@ -12961,13 +12960,6 @@
   <p:clrMapOvr>
     <a:masterClrMapping/>
   </p:clrMapOvr>
-  <p:timing>
-    <p:tnLst>
-      <p:par>
-        <p:cTn id="1" dur="indefinite" restart="never" nodeType="tmRoot"/>
-      </p:par>
-    </p:tnLst>
-  </p:timing>
 </p:sld>
 </file>
 
@@ -13005,7 +12997,11 @@
           <a:p>
             <a:r>
               <a:rPr lang="en-US" dirty="0" smtClean="0"/>
-              <a:t>Phase B</a:t>
+              <a:t>Phase </a:t>
+            </a:r>
+            <a:r>
+              <a:rPr lang="en-US" dirty="0" smtClean="0"/>
+              <a:t>A Summary</a:t>
             </a:r>
             <a:endParaRPr lang="en-US" dirty="0"/>
           </a:p>
@@ -13028,21 +13024,7 @@
           <a:p>
             <a:r>
               <a:rPr lang="en-US" dirty="0" smtClean="0"/>
-              <a:t>Software Architecture:</a:t>
-            </a:r>
-          </a:p>
-          <a:p>
-            <a:pPr lvl="1"/>
-            <a:r>
-              <a:rPr lang="en-US" dirty="0" smtClean="0"/>
-              <a:t>Diagram</a:t>
-            </a:r>
-          </a:p>
-          <a:p>
-            <a:pPr lvl="1"/>
-            <a:r>
-              <a:rPr lang="en-US" dirty="0" smtClean="0"/>
-              <a:t>Description</a:t>
+              <a:t>"Our project is a community-driven web media captioning tool, it's important because the hearing-impaired community cannot fully experience much of the “Web 2.0” video content currently available online, it's difficult because the team does not have a lot of experience with manipulating FLV media, and we are confident we can do it because we have a strong team, good design, are in the process of extensive research on the subject, and have a strong motivation to succeed."</a:t>
             </a:r>
             <a:endParaRPr lang="en-US" dirty="0"/>
           </a:p>

--- a/CC.pptx
+++ b/CC.pptx
@@ -5,7 +5,7 @@
     <p:sldMasterId id="2147483912" r:id="rId1"/>
   </p:sldMasterIdLst>
   <p:notesMasterIdLst>
-    <p:notesMasterId r:id="rId14"/>
+    <p:notesMasterId r:id="rId15"/>
   </p:notesMasterIdLst>
   <p:sldIdLst>
     <p:sldId id="268" r:id="rId2"/>
@@ -20,6 +20,7 @@
     <p:sldId id="265" r:id="rId11"/>
     <p:sldId id="266" r:id="rId12"/>
     <p:sldId id="267" r:id="rId13"/>
+    <p:sldId id="271" r:id="rId14"/>
   </p:sldIdLst>
   <p:sldSz cx="9144000" cy="6858000" type="screen4x3"/>
   <p:notesSz cx="6858000" cy="9144000"/>
@@ -12631,6 +12632,13 @@
   <p:clrMapOvr>
     <a:masterClrMapping/>
   </p:clrMapOvr>
+  <p:timing>
+    <p:tnLst>
+      <p:par>
+        <p:cTn id="1" dur="indefinite" restart="never" nodeType="tmRoot"/>
+      </p:par>
+    </p:tnLst>
+  </p:timing>
 </p:sld>
 </file>
 
@@ -12802,6 +12810,136 @@
   <p:clrMapOvr>
     <a:masterClrMapping/>
   </p:clrMapOvr>
+  <p:timing>
+    <p:tnLst>
+      <p:par>
+        <p:cTn id="1" dur="indefinite" restart="never" nodeType="tmRoot"/>
+      </p:par>
+    </p:tnLst>
+  </p:timing>
+</p:sld>
+</file>
+
+<file path=ppt/slides/slide13.xml><?xml version="1.0" encoding="utf-8"?>
+<p:sld xmlns:a="http://schemas.openxmlformats.org/drawingml/2006/main" xmlns:r="http://schemas.openxmlformats.org/officeDocument/2006/relationships" xmlns:p="http://schemas.openxmlformats.org/presentationml/2006/main">
+  <p:cSld>
+    <p:spTree>
+      <p:nvGrpSpPr>
+        <p:cNvPr id="1" name=""/>
+        <p:cNvGrpSpPr/>
+        <p:nvPr/>
+      </p:nvGrpSpPr>
+      <p:grpSpPr>
+        <a:xfrm>
+          <a:off x="0" y="0"/>
+          <a:ext cx="0" cy="0"/>
+          <a:chOff x="0" y="0"/>
+          <a:chExt cx="0" cy="0"/>
+        </a:xfrm>
+      </p:grpSpPr>
+      <p:sp>
+        <p:nvSpPr>
+          <p:cNvPr id="2" name="Title 1"/>
+          <p:cNvSpPr>
+            <a:spLocks noGrp="1"/>
+          </p:cNvSpPr>
+          <p:nvPr>
+            <p:ph type="title"/>
+          </p:nvPr>
+        </p:nvSpPr>
+        <p:spPr>
+          <a:xfrm>
+            <a:off x="457200" y="990600"/>
+            <a:ext cx="8229600" cy="1143000"/>
+          </a:xfrm>
+        </p:spPr>
+        <p:txBody>
+          <a:bodyPr>
+            <a:normAutofit fontScale="90000"/>
+          </a:bodyPr>
+          <a:lstStyle/>
+          <a:p>
+            <a:pPr algn="ctr"/>
+            <a:r>
+              <a:rPr lang="en-US" sz="9600" dirty="0" smtClean="0"/>
+              <a:t>		 </a:t>
+            </a:r>
+            <a:br>
+              <a:rPr lang="en-US" sz="9600" dirty="0" smtClean="0"/>
+            </a:br>
+            <a:r>
+              <a:rPr lang="en-US" sz="11100" dirty="0" smtClean="0"/>
+              <a:t>Q </a:t>
+            </a:r>
+            <a:r>
+              <a:rPr lang="en-US" sz="11100" dirty="0" smtClean="0"/>
+              <a:t>&amp; A</a:t>
+            </a:r>
+            <a:endParaRPr lang="en-US" sz="11100" dirty="0"/>
+          </a:p>
+        </p:txBody>
+      </p:sp>
+      <p:pic>
+        <p:nvPicPr>
+          <p:cNvPr id="1026" name="Picture 2"/>
+          <p:cNvPicPr>
+            <a:picLocks noChangeAspect="1" noChangeArrowheads="1"/>
+          </p:cNvPicPr>
+          <p:nvPr/>
+        </p:nvPicPr>
+        <p:blipFill>
+          <a:blip r:embed="rId2"/>
+          <a:srcRect/>
+          <a:stretch>
+            <a:fillRect/>
+          </a:stretch>
+        </p:blipFill>
+        <p:spPr bwMode="auto">
+          <a:xfrm>
+            <a:off x="2362200" y="2057400"/>
+            <a:ext cx="4191000" cy="4232910"/>
+          </a:xfrm>
+          <a:prstGeom prst="roundRect">
+            <a:avLst>
+              <a:gd name="adj" fmla="val 16667"/>
+            </a:avLst>
+          </a:prstGeom>
+          <a:ln>
+            <a:noFill/>
+          </a:ln>
+          <a:effectLst>
+            <a:outerShdw blurRad="152400" dist="12000" dir="900000" sy="98000" kx="110000" ky="200000" algn="tl" rotWithShape="0">
+              <a:srgbClr val="000000">
+                <a:alpha val="30000"/>
+              </a:srgbClr>
+            </a:outerShdw>
+          </a:effectLst>
+          <a:scene3d>
+            <a:camera prst="perspectiveRelaxed">
+              <a:rot lat="19800000" lon="1200000" rev="20820000"/>
+            </a:camera>
+            <a:lightRig rig="threePt" dir="t"/>
+          </a:scene3d>
+          <a:sp3d contourW="6350" prstMaterial="matte">
+            <a:bevelT w="101600" h="101600"/>
+            <a:contourClr>
+              <a:srgbClr val="969696"/>
+            </a:contourClr>
+          </a:sp3d>
+        </p:spPr>
+      </p:pic>
+    </p:spTree>
+  </p:cSld>
+  <p:clrMapOvr>
+    <a:masterClrMapping/>
+  </p:clrMapOvr>
+  <p:timing>
+    <p:tnLst>
+      <p:par>
+        <p:cTn id="1" dur="indefinite" restart="never" nodeType="tmRoot"/>
+      </p:par>
+    </p:tnLst>
+  </p:timing>
 </p:sld>
 </file>
 
@@ -12960,6 +13098,13 @@
   <p:clrMapOvr>
     <a:masterClrMapping/>
   </p:clrMapOvr>
+  <p:timing>
+    <p:tnLst>
+      <p:par>
+        <p:cTn id="1" dur="indefinite" restart="never" nodeType="tmRoot"/>
+      </p:par>
+    </p:tnLst>
+  </p:timing>
 </p:sld>
 </file>
 

--- a/CC.pptx
+++ b/CC.pptx
@@ -5,7 +5,7 @@
     <p:sldMasterId id="2147483912" r:id="rId1"/>
   </p:sldMasterIdLst>
   <p:notesMasterIdLst>
-    <p:notesMasterId r:id="rId15"/>
+    <p:notesMasterId r:id="rId18"/>
   </p:notesMasterIdLst>
   <p:sldIdLst>
     <p:sldId id="268" r:id="rId2"/>
@@ -19,8 +19,11 @@
     <p:sldId id="264" r:id="rId10"/>
     <p:sldId id="265" r:id="rId11"/>
     <p:sldId id="266" r:id="rId12"/>
-    <p:sldId id="267" r:id="rId13"/>
-    <p:sldId id="271" r:id="rId14"/>
+    <p:sldId id="272" r:id="rId13"/>
+    <p:sldId id="273" r:id="rId14"/>
+    <p:sldId id="274" r:id="rId15"/>
+    <p:sldId id="267" r:id="rId16"/>
+    <p:sldId id="271" r:id="rId17"/>
   </p:sldIdLst>
   <p:sldSz cx="9144000" cy="6858000" type="screen4x3"/>
   <p:notesSz cx="6858000" cy="9144000"/>
@@ -3228,8 +3231,8 @@
     <dgm:cxn modelId="{38909320-D270-4DD8-985B-2E201743930F}" type="presOf" srcId="{7973E9F7-F023-457A-B616-0300C5072C3A}" destId="{CA1E2BF1-B0AB-4895-B69A-2F7B3B42EF3C}" srcOrd="0" destOrd="2" presId="urn:microsoft.com/office/officeart/2005/8/layout/list1"/>
     <dgm:cxn modelId="{E84BB915-9E93-400B-AFDA-7EF0E3C388C9}" type="presOf" srcId="{8722A5F9-14D6-4CE9-8029-B2CF02479303}" destId="{F3E948EE-4371-45E5-A293-95F38FE809F0}" srcOrd="0" destOrd="0" presId="urn:microsoft.com/office/officeart/2005/8/layout/list1"/>
     <dgm:cxn modelId="{93236B52-AF51-4C00-A48D-BC2FBA481EB9}" srcId="{39BF1797-AF98-49D0-B587-7D2FE95969A2}" destId="{7B0F4F9E-478D-4EED-8F73-DB662091163B}" srcOrd="1" destOrd="0" parTransId="{282F2255-B34A-4BDD-8C14-2E7F7F37DFD6}" sibTransId="{4C206C40-2E5F-4996-AF91-9A4CBFE4CC37}"/>
+    <dgm:cxn modelId="{D42792C6-22C5-46BF-8793-1D07FFDC02FA}" srcId="{39BF1797-AF98-49D0-B587-7D2FE95969A2}" destId="{0CD7446A-9BA1-4526-85AF-E0857FA2A09E}" srcOrd="6" destOrd="0" parTransId="{92F15A59-929B-4DCF-A5C6-5ACC068639B2}" sibTransId="{F2B69293-7BF2-45B1-82DC-43AFAD1F16F1}"/>
     <dgm:cxn modelId="{6C7859C2-6BDC-48A0-B9E2-6CE41255A9C6}" srcId="{39BF1797-AF98-49D0-B587-7D2FE95969A2}" destId="{7973E9F7-F023-457A-B616-0300C5072C3A}" srcOrd="2" destOrd="0" parTransId="{8F4CBCF4-7048-43E0-A6A6-EF48447175EC}" sibTransId="{8860994C-7409-4A9F-BCE1-0BB2C901CC49}"/>
-    <dgm:cxn modelId="{D42792C6-22C5-46BF-8793-1D07FFDC02FA}" srcId="{39BF1797-AF98-49D0-B587-7D2FE95969A2}" destId="{0CD7446A-9BA1-4526-85AF-E0857FA2A09E}" srcOrd="6" destOrd="0" parTransId="{92F15A59-929B-4DCF-A5C6-5ACC068639B2}" sibTransId="{F2B69293-7BF2-45B1-82DC-43AFAD1F16F1}"/>
     <dgm:cxn modelId="{561E0F04-FD23-4D4E-8730-8813342244D6}" srcId="{39BF1797-AF98-49D0-B587-7D2FE95969A2}" destId="{8FA0ACB3-00FB-4BBA-93DA-4CAAAF27151F}" srcOrd="3" destOrd="0" parTransId="{FCAD73E5-4EEC-45A1-AA92-8EE545C4EA5E}" sibTransId="{65D80577-5C52-46CE-B28F-6891E38918EB}"/>
     <dgm:cxn modelId="{35A8002B-103D-44EB-BB02-07E8356EECF8}" srcId="{39BF1797-AF98-49D0-B587-7D2FE95969A2}" destId="{87BB7EE1-4D29-4CCA-B372-B95AED09D489}" srcOrd="5" destOrd="0" parTransId="{5237AE63-7B85-4892-86EB-A039B1AB1B71}" sibTransId="{51B13E36-5F59-4500-A041-7E6C48A16975}"/>
     <dgm:cxn modelId="{A91ABE52-DAAC-4AFA-9AD1-AB1173AC23A3}" type="presOf" srcId="{39BF1797-AF98-49D0-B587-7D2FE95969A2}" destId="{2F0261AD-2B76-42EE-9B5C-41042C74716E}" srcOrd="0" destOrd="0" presId="urn:microsoft.com/office/officeart/2005/8/layout/list1"/>
@@ -7468,7 +7471,7 @@
             <a:fld id="{1FB0864C-F685-4FFD-BE36-4343730639A9}" type="datetimeFigureOut">
               <a:rPr lang="en-US" smtClean="0"/>
               <a:pPr/>
-              <a:t>3/9/2008</a:t>
+              <a:t>3/10/2008</a:t>
             </a:fld>
             <a:endParaRPr lang="en-US"/>
           </a:p>
@@ -7966,7 +7969,7 @@
             <a:fld id="{4E2DDEEE-28A1-46E7-8C69-F86D1A7BF25E}" type="slidenum">
               <a:rPr lang="en-US" smtClean="0"/>
               <a:pPr/>
-              <a:t>12</a:t>
+              <a:t>15</a:t>
             </a:fld>
             <a:endParaRPr lang="en-US"/>
           </a:p>
@@ -8810,7 +8813,7 @@
             <a:fld id="{B499EF50-2ED6-46C9-A7FA-F8E757BDF917}" type="datetimeFigureOut">
               <a:rPr lang="en-US" smtClean="0"/>
               <a:pPr/>
-              <a:t>3/9/2008</a:t>
+              <a:t>3/10/2008</a:t>
             </a:fld>
             <a:endParaRPr lang="en-US"/>
           </a:p>
@@ -8977,7 +8980,7 @@
             <a:fld id="{B499EF50-2ED6-46C9-A7FA-F8E757BDF917}" type="datetimeFigureOut">
               <a:rPr lang="en-US" smtClean="0"/>
               <a:pPr/>
-              <a:t>3/9/2008</a:t>
+              <a:t>3/10/2008</a:t>
             </a:fld>
             <a:endParaRPr lang="en-US"/>
           </a:p>
@@ -9154,7 +9157,7 @@
             <a:fld id="{B499EF50-2ED6-46C9-A7FA-F8E757BDF917}" type="datetimeFigureOut">
               <a:rPr lang="en-US" smtClean="0"/>
               <a:pPr/>
-              <a:t>3/9/2008</a:t>
+              <a:t>3/10/2008</a:t>
             </a:fld>
             <a:endParaRPr lang="en-US"/>
           </a:p>
@@ -9321,7 +9324,7 @@
             <a:fld id="{B499EF50-2ED6-46C9-A7FA-F8E757BDF917}" type="datetimeFigureOut">
               <a:rPr lang="en-US" smtClean="0"/>
               <a:pPr/>
-              <a:t>3/9/2008</a:t>
+              <a:t>3/10/2008</a:t>
             </a:fld>
             <a:endParaRPr lang="en-US"/>
           </a:p>
@@ -9565,7 +9568,7 @@
             <a:fld id="{B499EF50-2ED6-46C9-A7FA-F8E757BDF917}" type="datetimeFigureOut">
               <a:rPr lang="en-US" smtClean="0"/>
               <a:pPr/>
-              <a:t>3/9/2008</a:t>
+              <a:t>3/10/2008</a:t>
             </a:fld>
             <a:endParaRPr lang="en-US"/>
           </a:p>
@@ -9831,7 +9834,7 @@
             <a:fld id="{B499EF50-2ED6-46C9-A7FA-F8E757BDF917}" type="datetimeFigureOut">
               <a:rPr lang="en-US" smtClean="0"/>
               <a:pPr/>
-              <a:t>3/9/2008</a:t>
+              <a:t>3/10/2008</a:t>
             </a:fld>
             <a:endParaRPr lang="en-US"/>
           </a:p>
@@ -10211,7 +10214,7 @@
             <a:fld id="{B499EF50-2ED6-46C9-A7FA-F8E757BDF917}" type="datetimeFigureOut">
               <a:rPr lang="en-US" smtClean="0"/>
               <a:pPr/>
-              <a:t>3/9/2008</a:t>
+              <a:t>3/10/2008</a:t>
             </a:fld>
             <a:endParaRPr lang="en-US"/>
           </a:p>
@@ -10363,7 +10366,7 @@
             <a:fld id="{B499EF50-2ED6-46C9-A7FA-F8E757BDF917}" type="datetimeFigureOut">
               <a:rPr lang="en-US" smtClean="0"/>
               <a:pPr/>
-              <a:t>3/9/2008</a:t>
+              <a:t>3/10/2008</a:t>
             </a:fld>
             <a:endParaRPr lang="en-US"/>
           </a:p>
@@ -10455,7 +10458,7 @@
             <a:fld id="{B499EF50-2ED6-46C9-A7FA-F8E757BDF917}" type="datetimeFigureOut">
               <a:rPr lang="en-US" smtClean="0"/>
               <a:pPr/>
-              <a:t>3/9/2008</a:t>
+              <a:t>3/10/2008</a:t>
             </a:fld>
             <a:endParaRPr lang="en-US"/>
           </a:p>
@@ -10718,7 +10721,7 @@
             <a:fld id="{B499EF50-2ED6-46C9-A7FA-F8E757BDF917}" type="datetimeFigureOut">
               <a:rPr lang="en-US" smtClean="0"/>
               <a:pPr/>
-              <a:t>3/9/2008</a:t>
+              <a:t>3/10/2008</a:t>
             </a:fld>
             <a:endParaRPr lang="en-US"/>
           </a:p>
@@ -11008,7 +11011,7 @@
             <a:fld id="{B499EF50-2ED6-46C9-A7FA-F8E757BDF917}" type="datetimeFigureOut">
               <a:rPr lang="en-US" smtClean="0"/>
               <a:pPr/>
-              <a:t>3/9/2008</a:t>
+              <a:t>3/10/2008</a:t>
             </a:fld>
             <a:endParaRPr lang="en-US"/>
           </a:p>
@@ -11781,7 +11784,7 @@
             <a:fld id="{B499EF50-2ED6-46C9-A7FA-F8E757BDF917}" type="datetimeFigureOut">
               <a:rPr lang="en-US" smtClean="0"/>
               <a:pPr/>
-              <a:t>3/9/2008</a:t>
+              <a:t>3/10/2008</a:t>
             </a:fld>
             <a:endParaRPr lang="en-US"/>
           </a:p>
@@ -12591,7 +12594,12 @@
             <p:ph type="title"/>
           </p:nvPr>
         </p:nvSpPr>
-        <p:spPr/>
+        <p:spPr>
+          <a:xfrm>
+            <a:off x="304800" y="457200"/>
+            <a:ext cx="8229600" cy="1143000"/>
+          </a:xfrm>
+        </p:spPr>
         <p:txBody>
           <a:bodyPr/>
           <a:lstStyle/>
@@ -12604,29 +12612,29 @@
           </a:p>
         </p:txBody>
       </p:sp>
-      <p:sp>
-        <p:nvSpPr>
-          <p:cNvPr id="3" name="Content Placeholder 2"/>
-          <p:cNvSpPr>
-            <a:spLocks noGrp="1"/>
-          </p:cNvSpPr>
+      <p:pic>
+        <p:nvPicPr>
+          <p:cNvPr id="4" name="Content Placeholder 3" descr="mockupNoCaptions.jpg"/>
+          <p:cNvPicPr>
+            <a:picLocks noGrp="1" noChangeAspect="1"/>
+          </p:cNvPicPr>
           <p:nvPr>
             <p:ph idx="1"/>
           </p:nvPr>
-        </p:nvSpPr>
-        <p:spPr/>
-        <p:txBody>
-          <a:bodyPr/>
-          <a:lstStyle/>
-          <a:p>
-            <a:r>
-              <a:rPr lang="en-US" dirty="0" smtClean="0"/>
-              <a:t>Mock Ups:</a:t>
-            </a:r>
-            <a:endParaRPr lang="en-US" dirty="0"/>
-          </a:p>
-        </p:txBody>
-      </p:sp>
+        </p:nvPicPr>
+        <p:blipFill>
+          <a:blip r:embed="rId3"/>
+          <a:stretch>
+            <a:fillRect/>
+          </a:stretch>
+        </p:blipFill>
+        <p:spPr>
+          <a:xfrm>
+            <a:off x="990600" y="1600200"/>
+            <a:ext cx="6781800" cy="5068943"/>
+          </a:xfrm>
+        </p:spPr>
+      </p:pic>
     </p:spTree>
   </p:cSld>
   <p:clrMapOvr>
@@ -12659,6 +12667,150 @@
           <a:chExt cx="0" cy="0"/>
         </a:xfrm>
       </p:grpSpPr>
+      <p:pic>
+        <p:nvPicPr>
+          <p:cNvPr id="4" name="Content Placeholder 3" descr="mockupWithCaptions.jpg"/>
+          <p:cNvPicPr>
+            <a:picLocks noGrp="1" noChangeAspect="1"/>
+          </p:cNvPicPr>
+          <p:nvPr>
+            <p:ph idx="1"/>
+          </p:nvPr>
+        </p:nvPicPr>
+        <p:blipFill>
+          <a:blip r:embed="rId2"/>
+          <a:stretch>
+            <a:fillRect/>
+          </a:stretch>
+        </p:blipFill>
+        <p:spPr>
+          <a:xfrm>
+            <a:off x="762000" y="990600"/>
+            <a:ext cx="7543800" cy="5638487"/>
+          </a:xfrm>
+        </p:spPr>
+      </p:pic>
+    </p:spTree>
+  </p:cSld>
+  <p:clrMapOvr>
+    <a:masterClrMapping/>
+  </p:clrMapOvr>
+</p:sld>
+</file>
+
+<file path=ppt/slides/slide13.xml><?xml version="1.0" encoding="utf-8"?>
+<p:sld xmlns:a="http://schemas.openxmlformats.org/drawingml/2006/main" xmlns:r="http://schemas.openxmlformats.org/officeDocument/2006/relationships" xmlns:p="http://schemas.openxmlformats.org/presentationml/2006/main">
+  <p:cSld>
+    <p:spTree>
+      <p:nvGrpSpPr>
+        <p:cNvPr id="1" name=""/>
+        <p:cNvGrpSpPr/>
+        <p:nvPr/>
+      </p:nvGrpSpPr>
+      <p:grpSpPr>
+        <a:xfrm>
+          <a:off x="0" y="0"/>
+          <a:ext cx="0" cy="0"/>
+          <a:chOff x="0" y="0"/>
+          <a:chExt cx="0" cy="0"/>
+        </a:xfrm>
+      </p:grpSpPr>
+      <p:pic>
+        <p:nvPicPr>
+          <p:cNvPr id="4" name="Content Placeholder 3" descr="mockupEditMode1.jpg"/>
+          <p:cNvPicPr>
+            <a:picLocks noGrp="1" noChangeAspect="1"/>
+          </p:cNvPicPr>
+          <p:nvPr>
+            <p:ph idx="1"/>
+          </p:nvPr>
+        </p:nvPicPr>
+        <p:blipFill>
+          <a:blip r:embed="rId2"/>
+          <a:stretch>
+            <a:fillRect/>
+          </a:stretch>
+        </p:blipFill>
+        <p:spPr>
+          <a:xfrm>
+            <a:off x="990600" y="990600"/>
+            <a:ext cx="7340321" cy="5486400"/>
+          </a:xfrm>
+        </p:spPr>
+      </p:pic>
+    </p:spTree>
+  </p:cSld>
+  <p:clrMapOvr>
+    <a:masterClrMapping/>
+  </p:clrMapOvr>
+</p:sld>
+</file>
+
+<file path=ppt/slides/slide14.xml><?xml version="1.0" encoding="utf-8"?>
+<p:sld xmlns:a="http://schemas.openxmlformats.org/drawingml/2006/main" xmlns:r="http://schemas.openxmlformats.org/officeDocument/2006/relationships" xmlns:p="http://schemas.openxmlformats.org/presentationml/2006/main">
+  <p:cSld>
+    <p:spTree>
+      <p:nvGrpSpPr>
+        <p:cNvPr id="1" name=""/>
+        <p:cNvGrpSpPr/>
+        <p:nvPr/>
+      </p:nvGrpSpPr>
+      <p:grpSpPr>
+        <a:xfrm>
+          <a:off x="0" y="0"/>
+          <a:ext cx="0" cy="0"/>
+          <a:chOff x="0" y="0"/>
+          <a:chExt cx="0" cy="0"/>
+        </a:xfrm>
+      </p:grpSpPr>
+      <p:pic>
+        <p:nvPicPr>
+          <p:cNvPr id="4" name="Content Placeholder 3" descr="mockupEditMode2.jpg"/>
+          <p:cNvPicPr>
+            <a:picLocks noGrp="1" noChangeAspect="1"/>
+          </p:cNvPicPr>
+          <p:nvPr>
+            <p:ph idx="1"/>
+          </p:nvPr>
+        </p:nvPicPr>
+        <p:blipFill>
+          <a:blip r:embed="rId2"/>
+          <a:stretch>
+            <a:fillRect/>
+          </a:stretch>
+        </p:blipFill>
+        <p:spPr>
+          <a:xfrm>
+            <a:off x="761581" y="990600"/>
+            <a:ext cx="7544219" cy="5638800"/>
+          </a:xfrm>
+        </p:spPr>
+      </p:pic>
+    </p:spTree>
+  </p:cSld>
+  <p:clrMapOvr>
+    <a:masterClrMapping/>
+  </p:clrMapOvr>
+</p:sld>
+</file>
+
+<file path=ppt/slides/slide15.xml><?xml version="1.0" encoding="utf-8"?>
+<p:sld xmlns:a="http://schemas.openxmlformats.org/drawingml/2006/main" xmlns:r="http://schemas.openxmlformats.org/officeDocument/2006/relationships" xmlns:p="http://schemas.openxmlformats.org/presentationml/2006/main">
+  <p:cSld>
+    <p:spTree>
+      <p:nvGrpSpPr>
+        <p:cNvPr id="1" name=""/>
+        <p:cNvGrpSpPr/>
+        <p:nvPr/>
+      </p:nvGrpSpPr>
+      <p:grpSpPr>
+        <a:xfrm>
+          <a:off x="0" y="0"/>
+          <a:ext cx="0" cy="0"/>
+          <a:chOff x="0" y="0"/>
+          <a:chExt cx="0" cy="0"/>
+        </a:xfrm>
+      </p:grpSpPr>
       <p:sp>
         <p:nvSpPr>
           <p:cNvPr id="2" name="Title 1"/>
@@ -12703,12 +12855,9 @@
             </a:r>
             <a:r>
               <a:rPr lang="en-US" i="1" dirty="0" smtClean="0"/>
-              <a:t>DUE (March 15th)</a:t>
+              <a:t>March 15th</a:t>
             </a:r>
-            <a:r>
-              <a:rPr lang="en-US" dirty="0" smtClean="0"/>
-              <a:t> </a:t>
-            </a:r>
+            <a:endParaRPr lang="en-US" dirty="0" smtClean="0"/>
           </a:p>
           <a:p>
             <a:r>
@@ -12717,12 +12866,13 @@
             </a:r>
             <a:r>
               <a:rPr lang="en-US" i="1" dirty="0" smtClean="0"/>
-              <a:t>DUE (March 17th)</a:t>
+              <a:t>March 17th</a:t>
             </a:r>
             <a:r>
               <a:rPr lang="en-US" dirty="0" smtClean="0"/>
               <a:t> </a:t>
             </a:r>
+            <a:endParaRPr lang="en-US" dirty="0" smtClean="0"/>
           </a:p>
           <a:p>
             <a:r>
@@ -12731,12 +12881,9 @@
             </a:r>
             <a:r>
               <a:rPr lang="en-US" i="1" dirty="0" smtClean="0"/>
-              <a:t>DUE (March 20th)</a:t>
+              <a:t>March 20th</a:t>
             </a:r>
-            <a:r>
-              <a:rPr lang="en-US" dirty="0" smtClean="0"/>
-              <a:t> </a:t>
-            </a:r>
+            <a:endParaRPr lang="en-US" dirty="0" smtClean="0"/>
           </a:p>
           <a:p>
             <a:r>
@@ -12752,12 +12899,13 @@
             </a:r>
             <a:r>
               <a:rPr lang="en-US" i="1" dirty="0" smtClean="0"/>
-              <a:t>DUE (April 1st)</a:t>
+              <a:t>April 1st</a:t>
             </a:r>
             <a:r>
               <a:rPr lang="en-US" dirty="0" smtClean="0"/>
               <a:t> </a:t>
             </a:r>
+            <a:endParaRPr lang="en-US" dirty="0" smtClean="0"/>
           </a:p>
           <a:p>
             <a:pPr lvl="1"/>
@@ -12767,12 +12915,9 @@
             </a:r>
             <a:r>
               <a:rPr lang="en-US" i="1" dirty="0" smtClean="0"/>
-              <a:t>DUE (April 9th)</a:t>
+              <a:t>April 9th</a:t>
             </a:r>
-            <a:r>
-              <a:rPr lang="en-US" dirty="0" smtClean="0"/>
-              <a:t> </a:t>
-            </a:r>
+            <a:endParaRPr lang="en-US" dirty="0" smtClean="0"/>
           </a:p>
           <a:p>
             <a:pPr lvl="1"/>
@@ -12782,26 +12927,28 @@
             </a:r>
             <a:r>
               <a:rPr lang="en-US" i="1" dirty="0" smtClean="0"/>
-              <a:t>DUE (April 9th)</a:t>
+              <a:t>April 9th</a:t>
             </a:r>
             <a:r>
               <a:rPr lang="en-US" dirty="0" smtClean="0"/>
               <a:t> </a:t>
             </a:r>
+            <a:endParaRPr lang="en-US" dirty="0" smtClean="0"/>
           </a:p>
           <a:p>
             <a:r>
               <a:rPr lang="en-US" dirty="0" smtClean="0"/>
-              <a:t>JavaScript roll into Firefox extension - </a:t>
+              <a:t>JavaScript roll into Firefox extension </a:t>
             </a:r>
             <a:r>
-              <a:rPr lang="en-US" i="1" dirty="0" smtClean="0"/>
-              <a:t>DUE (April 14th)</a:t>
+              <a:rPr lang="en-US" smtClean="0"/>
+              <a:t>- </a:t>
             </a:r>
             <a:r>
-              <a:rPr lang="en-US" dirty="0" smtClean="0"/>
-              <a:t> </a:t>
+              <a:rPr lang="en-US" i="1" smtClean="0"/>
+              <a:t>April 14th</a:t>
             </a:r>
+            <a:endParaRPr lang="en-US" dirty="0" smtClean="0"/>
           </a:p>
         </p:txBody>
       </p:sp>
@@ -12820,7 +12967,7 @@
 </p:sld>
 </file>
 
-<file path=ppt/slides/slide13.xml><?xml version="1.0" encoding="utf-8"?>
+<file path=ppt/slides/slide16.xml><?xml version="1.0" encoding="utf-8"?>
 <p:sld xmlns:a="http://schemas.openxmlformats.org/drawingml/2006/main" xmlns:r="http://schemas.openxmlformats.org/officeDocument/2006/relationships" xmlns:p="http://schemas.openxmlformats.org/presentationml/2006/main">
   <p:cSld>
     <p:spTree>
@@ -12869,11 +13016,7 @@
             </a:br>
             <a:r>
               <a:rPr lang="en-US" sz="11100" dirty="0" smtClean="0"/>
-              <a:t>Q </a:t>
-            </a:r>
-            <a:r>
-              <a:rPr lang="en-US" sz="11100" dirty="0" smtClean="0"/>
-              <a:t>&amp; A</a:t>
+              <a:t>Q &amp; A</a:t>
             </a:r>
             <a:endParaRPr lang="en-US" sz="11100" dirty="0"/>
           </a:p>
@@ -13075,19 +13218,7 @@
           <a:p>
             <a:r>
               <a:rPr lang="en-US" dirty="0" smtClean="0"/>
-              <a:t>Our </a:t>
-            </a:r>
-            <a:r>
-              <a:rPr lang="en-US" dirty="0" smtClean="0"/>
-              <a:t>project concept is an open source, community-driven online video closed captioning tool. This tool will help hearing impaired people experience the wealth of online “Web 2.0” media content available today with no captions. We our most likely going to scope the project to </a:t>
-            </a:r>
-            <a:r>
-              <a:rPr lang="en-US" dirty="0" smtClean="0"/>
-              <a:t>YouTube </a:t>
-            </a:r>
-            <a:r>
-              <a:rPr lang="en-US" dirty="0" smtClean="0"/>
-              <a:t>given the timeframe but it would be idea to eventually allow captioning of all types of media so our backend application will be written with this in mind. </a:t>
+              <a:t>Our project concept is an open source, community-driven online video closed captioning tool. This tool will help hearing impaired people experience the wealth of online “Web 2.0” media content available today with no captions. We our most likely going to scope the project to YouTube given the timeframe but it would be idea to eventually allow captioning of all types of media so our backend application will be written with this in mind. </a:t>
             </a:r>
             <a:endParaRPr lang="en-US" dirty="0"/>
           </a:p>
@@ -13142,11 +13273,7 @@
           <a:p>
             <a:r>
               <a:rPr lang="en-US" dirty="0" smtClean="0"/>
-              <a:t>Phase </a:t>
-            </a:r>
-            <a:r>
-              <a:rPr lang="en-US" dirty="0" smtClean="0"/>
-              <a:t>A Summary</a:t>
+              <a:t>Phase A Summary</a:t>
             </a:r>
             <a:endParaRPr lang="en-US" dirty="0"/>
           </a:p>

--- a/CC.pptx
+++ b/CC.pptx
@@ -12765,7 +12765,7 @@
       </p:grpSpPr>
       <p:pic>
         <p:nvPicPr>
-          <p:cNvPr id="4" name="Content Placeholder 3" descr="mockupEditMode2.jpg"/>
+          <p:cNvPr id="6" name="Content Placeholder 5" descr="mockupEditMode2.jpg"/>
           <p:cNvPicPr>
             <a:picLocks noGrp="1" noChangeAspect="1"/>
           </p:cNvPicPr>
@@ -12781,8 +12781,8 @@
         </p:blipFill>
         <p:spPr>
           <a:xfrm>
-            <a:off x="761581" y="990600"/>
-            <a:ext cx="7544219" cy="5638800"/>
+            <a:off x="710083" y="914400"/>
+            <a:ext cx="7748117" cy="5791200"/>
           </a:xfrm>
         </p:spPr>
       </p:pic>
@@ -12938,14 +12938,10 @@
           <a:p>
             <a:r>
               <a:rPr lang="en-US" dirty="0" smtClean="0"/>
-              <a:t>JavaScript roll into Firefox extension </a:t>
+              <a:t>JavaScript roll into Firefox extension - </a:t>
             </a:r>
             <a:r>
-              <a:rPr lang="en-US" smtClean="0"/>
-              <a:t>- </a:t>
-            </a:r>
-            <a:r>
-              <a:rPr lang="en-US" i="1" smtClean="0"/>
+              <a:rPr lang="en-US" i="1" dirty="0" smtClean="0"/>
               <a:t>April 14th</a:t>
             </a:r>
             <a:endParaRPr lang="en-US" dirty="0" smtClean="0"/>

--- a/CC.pptx
+++ b/CC.pptx
@@ -3231,8 +3231,8 @@
     <dgm:cxn modelId="{38909320-D270-4DD8-985B-2E201743930F}" type="presOf" srcId="{7973E9F7-F023-457A-B616-0300C5072C3A}" destId="{CA1E2BF1-B0AB-4895-B69A-2F7B3B42EF3C}" srcOrd="0" destOrd="2" presId="urn:microsoft.com/office/officeart/2005/8/layout/list1"/>
     <dgm:cxn modelId="{E84BB915-9E93-400B-AFDA-7EF0E3C388C9}" type="presOf" srcId="{8722A5F9-14D6-4CE9-8029-B2CF02479303}" destId="{F3E948EE-4371-45E5-A293-95F38FE809F0}" srcOrd="0" destOrd="0" presId="urn:microsoft.com/office/officeart/2005/8/layout/list1"/>
     <dgm:cxn modelId="{93236B52-AF51-4C00-A48D-BC2FBA481EB9}" srcId="{39BF1797-AF98-49D0-B587-7D2FE95969A2}" destId="{7B0F4F9E-478D-4EED-8F73-DB662091163B}" srcOrd="1" destOrd="0" parTransId="{282F2255-B34A-4BDD-8C14-2E7F7F37DFD6}" sibTransId="{4C206C40-2E5F-4996-AF91-9A4CBFE4CC37}"/>
+    <dgm:cxn modelId="{6C7859C2-6BDC-48A0-B9E2-6CE41255A9C6}" srcId="{39BF1797-AF98-49D0-B587-7D2FE95969A2}" destId="{7973E9F7-F023-457A-B616-0300C5072C3A}" srcOrd="2" destOrd="0" parTransId="{8F4CBCF4-7048-43E0-A6A6-EF48447175EC}" sibTransId="{8860994C-7409-4A9F-BCE1-0BB2C901CC49}"/>
     <dgm:cxn modelId="{D42792C6-22C5-46BF-8793-1D07FFDC02FA}" srcId="{39BF1797-AF98-49D0-B587-7D2FE95969A2}" destId="{0CD7446A-9BA1-4526-85AF-E0857FA2A09E}" srcOrd="6" destOrd="0" parTransId="{92F15A59-929B-4DCF-A5C6-5ACC068639B2}" sibTransId="{F2B69293-7BF2-45B1-82DC-43AFAD1F16F1}"/>
-    <dgm:cxn modelId="{6C7859C2-6BDC-48A0-B9E2-6CE41255A9C6}" srcId="{39BF1797-AF98-49D0-B587-7D2FE95969A2}" destId="{7973E9F7-F023-457A-B616-0300C5072C3A}" srcOrd="2" destOrd="0" parTransId="{8F4CBCF4-7048-43E0-A6A6-EF48447175EC}" sibTransId="{8860994C-7409-4A9F-BCE1-0BB2C901CC49}"/>
     <dgm:cxn modelId="{561E0F04-FD23-4D4E-8730-8813342244D6}" srcId="{39BF1797-AF98-49D0-B587-7D2FE95969A2}" destId="{8FA0ACB3-00FB-4BBA-93DA-4CAAAF27151F}" srcOrd="3" destOrd="0" parTransId="{FCAD73E5-4EEC-45A1-AA92-8EE545C4EA5E}" sibTransId="{65D80577-5C52-46CE-B28F-6891E38918EB}"/>
     <dgm:cxn modelId="{35A8002B-103D-44EB-BB02-07E8356EECF8}" srcId="{39BF1797-AF98-49D0-B587-7D2FE95969A2}" destId="{87BB7EE1-4D29-4CCA-B372-B95AED09D489}" srcOrd="5" destOrd="0" parTransId="{5237AE63-7B85-4892-86EB-A039B1AB1B71}" sibTransId="{51B13E36-5F59-4500-A041-7E6C48A16975}"/>
     <dgm:cxn modelId="{A91ABE52-DAAC-4AFA-9AD1-AB1173AC23A3}" type="presOf" srcId="{39BF1797-AF98-49D0-B587-7D2FE95969A2}" destId="{2F0261AD-2B76-42EE-9B5C-41042C74716E}" srcOrd="0" destOrd="0" presId="urn:microsoft.com/office/officeart/2005/8/layout/list1"/>
@@ -12717,7 +12717,7 @@
       </p:grpSpPr>
       <p:pic>
         <p:nvPicPr>
-          <p:cNvPr id="4" name="Content Placeholder 3" descr="mockupEditMode1.jpg"/>
+          <p:cNvPr id="5" name="Content Placeholder 4" descr="mockupEditMode1.jpg"/>
           <p:cNvPicPr>
             <a:picLocks noGrp="1" noChangeAspect="1"/>
           </p:cNvPicPr>
@@ -12733,8 +12733,8 @@
         </p:blipFill>
         <p:spPr>
           <a:xfrm>
-            <a:off x="990600" y="990600"/>
-            <a:ext cx="7340321" cy="5486400"/>
+            <a:off x="710083" y="990600"/>
+            <a:ext cx="7748117" cy="5791200"/>
           </a:xfrm>
         </p:spPr>
       </p:pic>
@@ -12765,7 +12765,7 @@
       </p:grpSpPr>
       <p:pic>
         <p:nvPicPr>
-          <p:cNvPr id="6" name="Content Placeholder 5" descr="mockupEditMode2.jpg"/>
+          <p:cNvPr id="4" name="Content Placeholder 3" descr="mockupEditMode2.jpg"/>
           <p:cNvPicPr>
             <a:picLocks noGrp="1" noChangeAspect="1"/>
           </p:cNvPicPr>
@@ -12781,8 +12781,8 @@
         </p:blipFill>
         <p:spPr>
           <a:xfrm>
-            <a:off x="710083" y="914400"/>
-            <a:ext cx="7748117" cy="5791200"/>
+            <a:off x="762000" y="990600"/>
+            <a:ext cx="7736940" cy="5782846"/>
           </a:xfrm>
         </p:spPr>
       </p:pic>
@@ -12872,7 +12872,6 @@
               <a:rPr lang="en-US" dirty="0" smtClean="0"/>
               <a:t> </a:t>
             </a:r>
-            <a:endParaRPr lang="en-US" dirty="0" smtClean="0"/>
           </a:p>
           <a:p>
             <a:r>
@@ -12905,7 +12904,6 @@
               <a:rPr lang="en-US" dirty="0" smtClean="0"/>
               <a:t> </a:t>
             </a:r>
-            <a:endParaRPr lang="en-US" dirty="0" smtClean="0"/>
           </a:p>
           <a:p>
             <a:pPr lvl="1"/>
@@ -12933,7 +12931,6 @@
               <a:rPr lang="en-US" dirty="0" smtClean="0"/>
               <a:t> </a:t>
             </a:r>
-            <a:endParaRPr lang="en-US" dirty="0" smtClean="0"/>
           </a:p>
           <a:p>
             <a:r>

--- a/CC.pptx
+++ b/CC.pptx
@@ -2526,10 +2526,6 @@
         <a:bodyPr/>
         <a:lstStyle/>
         <a:p>
-          <a:r>
-            <a:rPr lang="en-US" dirty="0" smtClean="0"/>
-            <a:t> </a:t>
-          </a:r>
           <a:r>
             <a:rPr lang="en-US" dirty="0" err="1" smtClean="0"/>
             <a:t>Chaitanya</a:t>
@@ -3231,8 +3227,8 @@
     <dgm:cxn modelId="{38909320-D270-4DD8-985B-2E201743930F}" type="presOf" srcId="{7973E9F7-F023-457A-B616-0300C5072C3A}" destId="{CA1E2BF1-B0AB-4895-B69A-2F7B3B42EF3C}" srcOrd="0" destOrd="2" presId="urn:microsoft.com/office/officeart/2005/8/layout/list1"/>
     <dgm:cxn modelId="{E84BB915-9E93-400B-AFDA-7EF0E3C388C9}" type="presOf" srcId="{8722A5F9-14D6-4CE9-8029-B2CF02479303}" destId="{F3E948EE-4371-45E5-A293-95F38FE809F0}" srcOrd="0" destOrd="0" presId="urn:microsoft.com/office/officeart/2005/8/layout/list1"/>
     <dgm:cxn modelId="{93236B52-AF51-4C00-A48D-BC2FBA481EB9}" srcId="{39BF1797-AF98-49D0-B587-7D2FE95969A2}" destId="{7B0F4F9E-478D-4EED-8F73-DB662091163B}" srcOrd="1" destOrd="0" parTransId="{282F2255-B34A-4BDD-8C14-2E7F7F37DFD6}" sibTransId="{4C206C40-2E5F-4996-AF91-9A4CBFE4CC37}"/>
+    <dgm:cxn modelId="{D42792C6-22C5-46BF-8793-1D07FFDC02FA}" srcId="{39BF1797-AF98-49D0-B587-7D2FE95969A2}" destId="{0CD7446A-9BA1-4526-85AF-E0857FA2A09E}" srcOrd="6" destOrd="0" parTransId="{92F15A59-929B-4DCF-A5C6-5ACC068639B2}" sibTransId="{F2B69293-7BF2-45B1-82DC-43AFAD1F16F1}"/>
     <dgm:cxn modelId="{6C7859C2-6BDC-48A0-B9E2-6CE41255A9C6}" srcId="{39BF1797-AF98-49D0-B587-7D2FE95969A2}" destId="{7973E9F7-F023-457A-B616-0300C5072C3A}" srcOrd="2" destOrd="0" parTransId="{8F4CBCF4-7048-43E0-A6A6-EF48447175EC}" sibTransId="{8860994C-7409-4A9F-BCE1-0BB2C901CC49}"/>
-    <dgm:cxn modelId="{D42792C6-22C5-46BF-8793-1D07FFDC02FA}" srcId="{39BF1797-AF98-49D0-B587-7D2FE95969A2}" destId="{0CD7446A-9BA1-4526-85AF-E0857FA2A09E}" srcOrd="6" destOrd="0" parTransId="{92F15A59-929B-4DCF-A5C6-5ACC068639B2}" sibTransId="{F2B69293-7BF2-45B1-82DC-43AFAD1F16F1}"/>
     <dgm:cxn modelId="{561E0F04-FD23-4D4E-8730-8813342244D6}" srcId="{39BF1797-AF98-49D0-B587-7D2FE95969A2}" destId="{8FA0ACB3-00FB-4BBA-93DA-4CAAAF27151F}" srcOrd="3" destOrd="0" parTransId="{FCAD73E5-4EEC-45A1-AA92-8EE545C4EA5E}" sibTransId="{65D80577-5C52-46CE-B28F-6891E38918EB}"/>
     <dgm:cxn modelId="{35A8002B-103D-44EB-BB02-07E8356EECF8}" srcId="{39BF1797-AF98-49D0-B587-7D2FE95969A2}" destId="{87BB7EE1-4D29-4CCA-B372-B95AED09D489}" srcOrd="5" destOrd="0" parTransId="{5237AE63-7B85-4892-86EB-A039B1AB1B71}" sibTransId="{51B13E36-5F59-4500-A041-7E6C48A16975}"/>
     <dgm:cxn modelId="{A91ABE52-DAAC-4AFA-9AD1-AB1173AC23A3}" type="presOf" srcId="{39BF1797-AF98-49D0-B587-7D2FE95969A2}" destId="{2F0261AD-2B76-42EE-9B5C-41042C74716E}" srcOrd="0" destOrd="0" presId="urn:microsoft.com/office/officeart/2005/8/layout/list1"/>
@@ -7471,7 +7467,7 @@
             <a:fld id="{1FB0864C-F685-4FFD-BE36-4343730639A9}" type="datetimeFigureOut">
               <a:rPr lang="en-US" smtClean="0"/>
               <a:pPr/>
-              <a:t>3/10/2008</a:t>
+              <a:t>3/11/2008</a:t>
             </a:fld>
             <a:endParaRPr lang="en-US"/>
           </a:p>
@@ -7887,7 +7883,7 @@
             <a:fld id="{4E2DDEEE-28A1-46E7-8C69-F86D1A7BF25E}" type="slidenum">
               <a:rPr lang="en-US" smtClean="0"/>
               <a:pPr/>
-              <a:t>11</a:t>
+              <a:t>10</a:t>
             </a:fld>
             <a:endParaRPr lang="en-US"/>
           </a:p>
@@ -7969,7 +7965,417 @@
             <a:fld id="{4E2DDEEE-28A1-46E7-8C69-F86D1A7BF25E}" type="slidenum">
               <a:rPr lang="en-US" smtClean="0"/>
               <a:pPr/>
+              <a:t>11</a:t>
+            </a:fld>
+            <a:endParaRPr lang="en-US"/>
+          </a:p>
+        </p:txBody>
+      </p:sp>
+    </p:spTree>
+  </p:cSld>
+  <p:clrMapOvr>
+    <a:masterClrMapping/>
+  </p:clrMapOvr>
+</p:notes>
+</file>
+
+<file path=ppt/notesSlides/notesSlide12.xml><?xml version="1.0" encoding="utf-8"?>
+<p:notes xmlns:a="http://schemas.openxmlformats.org/drawingml/2006/main" xmlns:r="http://schemas.openxmlformats.org/officeDocument/2006/relationships" xmlns:p="http://schemas.openxmlformats.org/presentationml/2006/main">
+  <p:cSld>
+    <p:spTree>
+      <p:nvGrpSpPr>
+        <p:cNvPr id="1" name=""/>
+        <p:cNvGrpSpPr/>
+        <p:nvPr/>
+      </p:nvGrpSpPr>
+      <p:grpSpPr>
+        <a:xfrm>
+          <a:off x="0" y="0"/>
+          <a:ext cx="0" cy="0"/>
+          <a:chOff x="0" y="0"/>
+          <a:chExt cx="0" cy="0"/>
+        </a:xfrm>
+      </p:grpSpPr>
+      <p:sp>
+        <p:nvSpPr>
+          <p:cNvPr id="2" name="Slide Image Placeholder 1"/>
+          <p:cNvSpPr>
+            <a:spLocks noGrp="1" noRot="1" noChangeAspect="1"/>
+          </p:cNvSpPr>
+          <p:nvPr>
+            <p:ph type="sldImg"/>
+          </p:nvPr>
+        </p:nvSpPr>
+        <p:spPr/>
+      </p:sp>
+      <p:sp>
+        <p:nvSpPr>
+          <p:cNvPr id="3" name="Notes Placeholder 2"/>
+          <p:cNvSpPr>
+            <a:spLocks noGrp="1"/>
+          </p:cNvSpPr>
+          <p:nvPr>
+            <p:ph type="body" idx="1"/>
+          </p:nvPr>
+        </p:nvSpPr>
+        <p:spPr/>
+        <p:txBody>
+          <a:bodyPr>
+            <a:normAutofit/>
+          </a:bodyPr>
+          <a:lstStyle/>
+          <a:p>
+            <a:endParaRPr lang="en-US"/>
+          </a:p>
+        </p:txBody>
+      </p:sp>
+      <p:sp>
+        <p:nvSpPr>
+          <p:cNvPr id="4" name="Slide Number Placeholder 3"/>
+          <p:cNvSpPr>
+            <a:spLocks noGrp="1"/>
+          </p:cNvSpPr>
+          <p:nvPr>
+            <p:ph type="sldNum" sz="quarter" idx="10"/>
+          </p:nvPr>
+        </p:nvSpPr>
+        <p:spPr/>
+        <p:txBody>
+          <a:bodyPr/>
+          <a:lstStyle/>
+          <a:p>
+            <a:fld id="{4E2DDEEE-28A1-46E7-8C69-F86D1A7BF25E}" type="slidenum">
+              <a:rPr lang="en-US" smtClean="0"/>
+              <a:pPr/>
+              <a:t>12</a:t>
+            </a:fld>
+            <a:endParaRPr lang="en-US"/>
+          </a:p>
+        </p:txBody>
+      </p:sp>
+    </p:spTree>
+  </p:cSld>
+  <p:clrMapOvr>
+    <a:masterClrMapping/>
+  </p:clrMapOvr>
+</p:notes>
+</file>
+
+<file path=ppt/notesSlides/notesSlide13.xml><?xml version="1.0" encoding="utf-8"?>
+<p:notes xmlns:a="http://schemas.openxmlformats.org/drawingml/2006/main" xmlns:r="http://schemas.openxmlformats.org/officeDocument/2006/relationships" xmlns:p="http://schemas.openxmlformats.org/presentationml/2006/main">
+  <p:cSld>
+    <p:spTree>
+      <p:nvGrpSpPr>
+        <p:cNvPr id="1" name=""/>
+        <p:cNvGrpSpPr/>
+        <p:nvPr/>
+      </p:nvGrpSpPr>
+      <p:grpSpPr>
+        <a:xfrm>
+          <a:off x="0" y="0"/>
+          <a:ext cx="0" cy="0"/>
+          <a:chOff x="0" y="0"/>
+          <a:chExt cx="0" cy="0"/>
+        </a:xfrm>
+      </p:grpSpPr>
+      <p:sp>
+        <p:nvSpPr>
+          <p:cNvPr id="2" name="Slide Image Placeholder 1"/>
+          <p:cNvSpPr>
+            <a:spLocks noGrp="1" noRot="1" noChangeAspect="1"/>
+          </p:cNvSpPr>
+          <p:nvPr>
+            <p:ph type="sldImg"/>
+          </p:nvPr>
+        </p:nvSpPr>
+        <p:spPr/>
+      </p:sp>
+      <p:sp>
+        <p:nvSpPr>
+          <p:cNvPr id="3" name="Notes Placeholder 2"/>
+          <p:cNvSpPr>
+            <a:spLocks noGrp="1"/>
+          </p:cNvSpPr>
+          <p:nvPr>
+            <p:ph type="body" idx="1"/>
+          </p:nvPr>
+        </p:nvSpPr>
+        <p:spPr/>
+        <p:txBody>
+          <a:bodyPr>
+            <a:normAutofit/>
+          </a:bodyPr>
+          <a:lstStyle/>
+          <a:p>
+            <a:endParaRPr lang="en-US"/>
+          </a:p>
+        </p:txBody>
+      </p:sp>
+      <p:sp>
+        <p:nvSpPr>
+          <p:cNvPr id="4" name="Slide Number Placeholder 3"/>
+          <p:cNvSpPr>
+            <a:spLocks noGrp="1"/>
+          </p:cNvSpPr>
+          <p:nvPr>
+            <p:ph type="sldNum" sz="quarter" idx="10"/>
+          </p:nvPr>
+        </p:nvSpPr>
+        <p:spPr/>
+        <p:txBody>
+          <a:bodyPr/>
+          <a:lstStyle/>
+          <a:p>
+            <a:fld id="{4E2DDEEE-28A1-46E7-8C69-F86D1A7BF25E}" type="slidenum">
+              <a:rPr lang="en-US" smtClean="0"/>
+              <a:pPr/>
+              <a:t>13</a:t>
+            </a:fld>
+            <a:endParaRPr lang="en-US"/>
+          </a:p>
+        </p:txBody>
+      </p:sp>
+    </p:spTree>
+  </p:cSld>
+  <p:clrMapOvr>
+    <a:masterClrMapping/>
+  </p:clrMapOvr>
+</p:notes>
+</file>
+
+<file path=ppt/notesSlides/notesSlide14.xml><?xml version="1.0" encoding="utf-8"?>
+<p:notes xmlns:a="http://schemas.openxmlformats.org/drawingml/2006/main" xmlns:r="http://schemas.openxmlformats.org/officeDocument/2006/relationships" xmlns:p="http://schemas.openxmlformats.org/presentationml/2006/main">
+  <p:cSld>
+    <p:spTree>
+      <p:nvGrpSpPr>
+        <p:cNvPr id="1" name=""/>
+        <p:cNvGrpSpPr/>
+        <p:nvPr/>
+      </p:nvGrpSpPr>
+      <p:grpSpPr>
+        <a:xfrm>
+          <a:off x="0" y="0"/>
+          <a:ext cx="0" cy="0"/>
+          <a:chOff x="0" y="0"/>
+          <a:chExt cx="0" cy="0"/>
+        </a:xfrm>
+      </p:grpSpPr>
+      <p:sp>
+        <p:nvSpPr>
+          <p:cNvPr id="2" name="Slide Image Placeholder 1"/>
+          <p:cNvSpPr>
+            <a:spLocks noGrp="1" noRot="1" noChangeAspect="1"/>
+          </p:cNvSpPr>
+          <p:nvPr>
+            <p:ph type="sldImg"/>
+          </p:nvPr>
+        </p:nvSpPr>
+        <p:spPr/>
+      </p:sp>
+      <p:sp>
+        <p:nvSpPr>
+          <p:cNvPr id="3" name="Notes Placeholder 2"/>
+          <p:cNvSpPr>
+            <a:spLocks noGrp="1"/>
+          </p:cNvSpPr>
+          <p:nvPr>
+            <p:ph type="body" idx="1"/>
+          </p:nvPr>
+        </p:nvSpPr>
+        <p:spPr/>
+        <p:txBody>
+          <a:bodyPr>
+            <a:normAutofit/>
+          </a:bodyPr>
+          <a:lstStyle/>
+          <a:p>
+            <a:endParaRPr lang="en-US"/>
+          </a:p>
+        </p:txBody>
+      </p:sp>
+      <p:sp>
+        <p:nvSpPr>
+          <p:cNvPr id="4" name="Slide Number Placeholder 3"/>
+          <p:cNvSpPr>
+            <a:spLocks noGrp="1"/>
+          </p:cNvSpPr>
+          <p:nvPr>
+            <p:ph type="sldNum" sz="quarter" idx="10"/>
+          </p:nvPr>
+        </p:nvSpPr>
+        <p:spPr/>
+        <p:txBody>
+          <a:bodyPr/>
+          <a:lstStyle/>
+          <a:p>
+            <a:fld id="{4E2DDEEE-28A1-46E7-8C69-F86D1A7BF25E}" type="slidenum">
+              <a:rPr lang="en-US" smtClean="0"/>
+              <a:pPr/>
+              <a:t>14</a:t>
+            </a:fld>
+            <a:endParaRPr lang="en-US"/>
+          </a:p>
+        </p:txBody>
+      </p:sp>
+    </p:spTree>
+  </p:cSld>
+  <p:clrMapOvr>
+    <a:masterClrMapping/>
+  </p:clrMapOvr>
+</p:notes>
+</file>
+
+<file path=ppt/notesSlides/notesSlide15.xml><?xml version="1.0" encoding="utf-8"?>
+<p:notes xmlns:a="http://schemas.openxmlformats.org/drawingml/2006/main" xmlns:r="http://schemas.openxmlformats.org/officeDocument/2006/relationships" xmlns:p="http://schemas.openxmlformats.org/presentationml/2006/main">
+  <p:cSld>
+    <p:spTree>
+      <p:nvGrpSpPr>
+        <p:cNvPr id="1" name=""/>
+        <p:cNvGrpSpPr/>
+        <p:nvPr/>
+      </p:nvGrpSpPr>
+      <p:grpSpPr>
+        <a:xfrm>
+          <a:off x="0" y="0"/>
+          <a:ext cx="0" cy="0"/>
+          <a:chOff x="0" y="0"/>
+          <a:chExt cx="0" cy="0"/>
+        </a:xfrm>
+      </p:grpSpPr>
+      <p:sp>
+        <p:nvSpPr>
+          <p:cNvPr id="2" name="Slide Image Placeholder 1"/>
+          <p:cNvSpPr>
+            <a:spLocks noGrp="1" noRot="1" noChangeAspect="1"/>
+          </p:cNvSpPr>
+          <p:nvPr>
+            <p:ph type="sldImg"/>
+          </p:nvPr>
+        </p:nvSpPr>
+        <p:spPr/>
+      </p:sp>
+      <p:sp>
+        <p:nvSpPr>
+          <p:cNvPr id="3" name="Notes Placeholder 2"/>
+          <p:cNvSpPr>
+            <a:spLocks noGrp="1"/>
+          </p:cNvSpPr>
+          <p:nvPr>
+            <p:ph type="body" idx="1"/>
+          </p:nvPr>
+        </p:nvSpPr>
+        <p:spPr/>
+        <p:txBody>
+          <a:bodyPr>
+            <a:normAutofit/>
+          </a:bodyPr>
+          <a:lstStyle/>
+          <a:p>
+            <a:endParaRPr lang="en-US"/>
+          </a:p>
+        </p:txBody>
+      </p:sp>
+      <p:sp>
+        <p:nvSpPr>
+          <p:cNvPr id="4" name="Slide Number Placeholder 3"/>
+          <p:cNvSpPr>
+            <a:spLocks noGrp="1"/>
+          </p:cNvSpPr>
+          <p:nvPr>
+            <p:ph type="sldNum" sz="quarter" idx="10"/>
+          </p:nvPr>
+        </p:nvSpPr>
+        <p:spPr/>
+        <p:txBody>
+          <a:bodyPr/>
+          <a:lstStyle/>
+          <a:p>
+            <a:fld id="{4E2DDEEE-28A1-46E7-8C69-F86D1A7BF25E}" type="slidenum">
+              <a:rPr lang="en-US" smtClean="0"/>
+              <a:pPr/>
               <a:t>15</a:t>
+            </a:fld>
+            <a:endParaRPr lang="en-US"/>
+          </a:p>
+        </p:txBody>
+      </p:sp>
+    </p:spTree>
+  </p:cSld>
+  <p:clrMapOvr>
+    <a:masterClrMapping/>
+  </p:clrMapOvr>
+</p:notes>
+</file>
+
+<file path=ppt/notesSlides/notesSlide16.xml><?xml version="1.0" encoding="utf-8"?>
+<p:notes xmlns:a="http://schemas.openxmlformats.org/drawingml/2006/main" xmlns:r="http://schemas.openxmlformats.org/officeDocument/2006/relationships" xmlns:p="http://schemas.openxmlformats.org/presentationml/2006/main">
+  <p:cSld>
+    <p:spTree>
+      <p:nvGrpSpPr>
+        <p:cNvPr id="1" name=""/>
+        <p:cNvGrpSpPr/>
+        <p:nvPr/>
+      </p:nvGrpSpPr>
+      <p:grpSpPr>
+        <a:xfrm>
+          <a:off x="0" y="0"/>
+          <a:ext cx="0" cy="0"/>
+          <a:chOff x="0" y="0"/>
+          <a:chExt cx="0" cy="0"/>
+        </a:xfrm>
+      </p:grpSpPr>
+      <p:sp>
+        <p:nvSpPr>
+          <p:cNvPr id="2" name="Slide Image Placeholder 1"/>
+          <p:cNvSpPr>
+            <a:spLocks noGrp="1" noRot="1" noChangeAspect="1"/>
+          </p:cNvSpPr>
+          <p:nvPr>
+            <p:ph type="sldImg"/>
+          </p:nvPr>
+        </p:nvSpPr>
+        <p:spPr/>
+      </p:sp>
+      <p:sp>
+        <p:nvSpPr>
+          <p:cNvPr id="3" name="Notes Placeholder 2"/>
+          <p:cNvSpPr>
+            <a:spLocks noGrp="1"/>
+          </p:cNvSpPr>
+          <p:nvPr>
+            <p:ph type="body" idx="1"/>
+          </p:nvPr>
+        </p:nvSpPr>
+        <p:spPr/>
+        <p:txBody>
+          <a:bodyPr>
+            <a:normAutofit/>
+          </a:bodyPr>
+          <a:lstStyle/>
+          <a:p>
+            <a:endParaRPr lang="en-US"/>
+          </a:p>
+        </p:txBody>
+      </p:sp>
+      <p:sp>
+        <p:nvSpPr>
+          <p:cNvPr id="4" name="Slide Number Placeholder 3"/>
+          <p:cNvSpPr>
+            <a:spLocks noGrp="1"/>
+          </p:cNvSpPr>
+          <p:nvPr>
+            <p:ph type="sldNum" sz="quarter" idx="10"/>
+          </p:nvPr>
+        </p:nvSpPr>
+        <p:spPr/>
+        <p:txBody>
+          <a:bodyPr/>
+          <a:lstStyle/>
+          <a:p>
+            <a:fld id="{4E2DDEEE-28A1-46E7-8C69-F86D1A7BF25E}" type="slidenum">
+              <a:rPr lang="en-US" smtClean="0"/>
+              <a:pPr/>
+              <a:t>16</a:t>
             </a:fld>
             <a:endParaRPr lang="en-US"/>
           </a:p>
@@ -8133,7 +8539,7 @@
             <a:fld id="{4E2DDEEE-28A1-46E7-8C69-F86D1A7BF25E}" type="slidenum">
               <a:rPr lang="en-US" smtClean="0"/>
               <a:pPr/>
-              <a:t>4</a:t>
+              <a:t>3</a:t>
             </a:fld>
             <a:endParaRPr lang="en-US"/>
           </a:p>
@@ -8215,7 +8621,7 @@
             <a:fld id="{4E2DDEEE-28A1-46E7-8C69-F86D1A7BF25E}" type="slidenum">
               <a:rPr lang="en-US" smtClean="0"/>
               <a:pPr/>
-              <a:t>5</a:t>
+              <a:t>4</a:t>
             </a:fld>
             <a:endParaRPr lang="en-US"/>
           </a:p>
@@ -8297,7 +8703,7 @@
             <a:fld id="{4E2DDEEE-28A1-46E7-8C69-F86D1A7BF25E}" type="slidenum">
               <a:rPr lang="en-US" smtClean="0"/>
               <a:pPr/>
-              <a:t>6</a:t>
+              <a:t>5</a:t>
             </a:fld>
             <a:endParaRPr lang="en-US"/>
           </a:p>
@@ -8379,7 +8785,7 @@
             <a:fld id="{4E2DDEEE-28A1-46E7-8C69-F86D1A7BF25E}" type="slidenum">
               <a:rPr lang="en-US" smtClean="0"/>
               <a:pPr/>
-              <a:t>7</a:t>
+              <a:t>6</a:t>
             </a:fld>
             <a:endParaRPr lang="en-US"/>
           </a:p>
@@ -8461,7 +8867,7 @@
             <a:fld id="{4E2DDEEE-28A1-46E7-8C69-F86D1A7BF25E}" type="slidenum">
               <a:rPr lang="en-US" smtClean="0"/>
               <a:pPr/>
-              <a:t>8</a:t>
+              <a:t>7</a:t>
             </a:fld>
             <a:endParaRPr lang="en-US"/>
           </a:p>
@@ -8543,7 +8949,7 @@
             <a:fld id="{4E2DDEEE-28A1-46E7-8C69-F86D1A7BF25E}" type="slidenum">
               <a:rPr lang="en-US" smtClean="0"/>
               <a:pPr/>
-              <a:t>9</a:t>
+              <a:t>8</a:t>
             </a:fld>
             <a:endParaRPr lang="en-US"/>
           </a:p>
@@ -8625,7 +9031,7 @@
             <a:fld id="{4E2DDEEE-28A1-46E7-8C69-F86D1A7BF25E}" type="slidenum">
               <a:rPr lang="en-US" smtClean="0"/>
               <a:pPr/>
-              <a:t>10</a:t>
+              <a:t>9</a:t>
             </a:fld>
             <a:endParaRPr lang="en-US"/>
           </a:p>
@@ -8813,7 +9219,7 @@
             <a:fld id="{B499EF50-2ED6-46C9-A7FA-F8E757BDF917}" type="datetimeFigureOut">
               <a:rPr lang="en-US" smtClean="0"/>
               <a:pPr/>
-              <a:t>3/10/2008</a:t>
+              <a:t>3/11/2008</a:t>
             </a:fld>
             <a:endParaRPr lang="en-US"/>
           </a:p>
@@ -8980,7 +9386,7 @@
             <a:fld id="{B499EF50-2ED6-46C9-A7FA-F8E757BDF917}" type="datetimeFigureOut">
               <a:rPr lang="en-US" smtClean="0"/>
               <a:pPr/>
-              <a:t>3/10/2008</a:t>
+              <a:t>3/11/2008</a:t>
             </a:fld>
             <a:endParaRPr lang="en-US"/>
           </a:p>
@@ -9157,7 +9563,7 @@
             <a:fld id="{B499EF50-2ED6-46C9-A7FA-F8E757BDF917}" type="datetimeFigureOut">
               <a:rPr lang="en-US" smtClean="0"/>
               <a:pPr/>
-              <a:t>3/10/2008</a:t>
+              <a:t>3/11/2008</a:t>
             </a:fld>
             <a:endParaRPr lang="en-US"/>
           </a:p>
@@ -9324,7 +9730,7 @@
             <a:fld id="{B499EF50-2ED6-46C9-A7FA-F8E757BDF917}" type="datetimeFigureOut">
               <a:rPr lang="en-US" smtClean="0"/>
               <a:pPr/>
-              <a:t>3/10/2008</a:t>
+              <a:t>3/11/2008</a:t>
             </a:fld>
             <a:endParaRPr lang="en-US"/>
           </a:p>
@@ -9568,7 +9974,7 @@
             <a:fld id="{B499EF50-2ED6-46C9-A7FA-F8E757BDF917}" type="datetimeFigureOut">
               <a:rPr lang="en-US" smtClean="0"/>
               <a:pPr/>
-              <a:t>3/10/2008</a:t>
+              <a:t>3/11/2008</a:t>
             </a:fld>
             <a:endParaRPr lang="en-US"/>
           </a:p>
@@ -9834,7 +10240,7 @@
             <a:fld id="{B499EF50-2ED6-46C9-A7FA-F8E757BDF917}" type="datetimeFigureOut">
               <a:rPr lang="en-US" smtClean="0"/>
               <a:pPr/>
-              <a:t>3/10/2008</a:t>
+              <a:t>3/11/2008</a:t>
             </a:fld>
             <a:endParaRPr lang="en-US"/>
           </a:p>
@@ -10214,7 +10620,7 @@
             <a:fld id="{B499EF50-2ED6-46C9-A7FA-F8E757BDF917}" type="datetimeFigureOut">
               <a:rPr lang="en-US" smtClean="0"/>
               <a:pPr/>
-              <a:t>3/10/2008</a:t>
+              <a:t>3/11/2008</a:t>
             </a:fld>
             <a:endParaRPr lang="en-US"/>
           </a:p>
@@ -10366,7 +10772,7 @@
             <a:fld id="{B499EF50-2ED6-46C9-A7FA-F8E757BDF917}" type="datetimeFigureOut">
               <a:rPr lang="en-US" smtClean="0"/>
               <a:pPr/>
-              <a:t>3/10/2008</a:t>
+              <a:t>3/11/2008</a:t>
             </a:fld>
             <a:endParaRPr lang="en-US"/>
           </a:p>
@@ -10458,7 +10864,7 @@
             <a:fld id="{B499EF50-2ED6-46C9-A7FA-F8E757BDF917}" type="datetimeFigureOut">
               <a:rPr lang="en-US" smtClean="0"/>
               <a:pPr/>
-              <a:t>3/10/2008</a:t>
+              <a:t>3/11/2008</a:t>
             </a:fld>
             <a:endParaRPr lang="en-US"/>
           </a:p>
@@ -10721,7 +11127,7 @@
             <a:fld id="{B499EF50-2ED6-46C9-A7FA-F8E757BDF917}" type="datetimeFigureOut">
               <a:rPr lang="en-US" smtClean="0"/>
               <a:pPr/>
-              <a:t>3/10/2008</a:t>
+              <a:t>3/11/2008</a:t>
             </a:fld>
             <a:endParaRPr lang="en-US"/>
           </a:p>
@@ -11011,7 +11417,7 @@
             <a:fld id="{B499EF50-2ED6-46C9-A7FA-F8E757BDF917}" type="datetimeFigureOut">
               <a:rPr lang="en-US" smtClean="0"/>
               <a:pPr/>
-              <a:t>3/10/2008</a:t>
+              <a:t>3/11/2008</a:t>
             </a:fld>
             <a:endParaRPr lang="en-US"/>
           </a:p>
@@ -11784,7 +12190,7 @@
             <a:fld id="{B499EF50-2ED6-46C9-A7FA-F8E757BDF917}" type="datetimeFigureOut">
               <a:rPr lang="en-US" smtClean="0"/>
               <a:pPr/>
-              <a:t>3/10/2008</a:t>
+              <a:t>3/11/2008</a:t>
             </a:fld>
             <a:endParaRPr lang="en-US"/>
           </a:p>
@@ -12678,7 +13084,7 @@
           </p:nvPr>
         </p:nvPicPr>
         <p:blipFill>
-          <a:blip r:embed="rId2"/>
+          <a:blip r:embed="rId3"/>
           <a:stretch>
             <a:fillRect/>
           </a:stretch>
@@ -12726,7 +13132,7 @@
           </p:nvPr>
         </p:nvPicPr>
         <p:blipFill>
-          <a:blip r:embed="rId2"/>
+          <a:blip r:embed="rId3"/>
           <a:stretch>
             <a:fillRect/>
           </a:stretch>
@@ -12774,7 +13180,7 @@
           </p:nvPr>
         </p:nvPicPr>
         <p:blipFill>
-          <a:blip r:embed="rId2"/>
+          <a:blip r:embed="rId3"/>
           <a:stretch>
             <a:fillRect/>
           </a:stretch>
@@ -13024,7 +13430,7 @@
           <p:nvPr/>
         </p:nvPicPr>
         <p:blipFill>
-          <a:blip r:embed="rId2"/>
+          <a:blip r:embed="rId3"/>
           <a:srcRect/>
           <a:stretch>
             <a:fillRect/>

--- a/CC.pptx
+++ b/CC.pptx
@@ -5,7 +5,7 @@
     <p:sldMasterId id="2147483912" r:id="rId1"/>
   </p:sldMasterIdLst>
   <p:notesMasterIdLst>
-    <p:notesMasterId r:id="rId18"/>
+    <p:notesMasterId r:id="rId21"/>
   </p:notesMasterIdLst>
   <p:sldIdLst>
     <p:sldId id="268" r:id="rId2"/>
@@ -13,17 +13,20 @@
     <p:sldId id="270" r:id="rId4"/>
     <p:sldId id="257" r:id="rId5"/>
     <p:sldId id="259" r:id="rId6"/>
-    <p:sldId id="260" r:id="rId7"/>
-    <p:sldId id="261" r:id="rId8"/>
-    <p:sldId id="262" r:id="rId9"/>
-    <p:sldId id="264" r:id="rId10"/>
-    <p:sldId id="265" r:id="rId11"/>
-    <p:sldId id="266" r:id="rId12"/>
-    <p:sldId id="272" r:id="rId13"/>
-    <p:sldId id="273" r:id="rId14"/>
-    <p:sldId id="274" r:id="rId15"/>
-    <p:sldId id="267" r:id="rId16"/>
-    <p:sldId id="271" r:id="rId17"/>
+    <p:sldId id="275" r:id="rId7"/>
+    <p:sldId id="276" r:id="rId8"/>
+    <p:sldId id="260" r:id="rId9"/>
+    <p:sldId id="277" r:id="rId10"/>
+    <p:sldId id="261" r:id="rId11"/>
+    <p:sldId id="262" r:id="rId12"/>
+    <p:sldId id="264" r:id="rId13"/>
+    <p:sldId id="265" r:id="rId14"/>
+    <p:sldId id="266" r:id="rId15"/>
+    <p:sldId id="272" r:id="rId16"/>
+    <p:sldId id="273" r:id="rId17"/>
+    <p:sldId id="274" r:id="rId18"/>
+    <p:sldId id="267" r:id="rId19"/>
+    <p:sldId id="271" r:id="rId20"/>
   </p:sldIdLst>
   <p:sldSz cx="9144000" cy="6858000" type="screen4x3"/>
   <p:notesSz cx="6858000" cy="9144000"/>
@@ -3227,8 +3230,8 @@
     <dgm:cxn modelId="{38909320-D270-4DD8-985B-2E201743930F}" type="presOf" srcId="{7973E9F7-F023-457A-B616-0300C5072C3A}" destId="{CA1E2BF1-B0AB-4895-B69A-2F7B3B42EF3C}" srcOrd="0" destOrd="2" presId="urn:microsoft.com/office/officeart/2005/8/layout/list1"/>
     <dgm:cxn modelId="{E84BB915-9E93-400B-AFDA-7EF0E3C388C9}" type="presOf" srcId="{8722A5F9-14D6-4CE9-8029-B2CF02479303}" destId="{F3E948EE-4371-45E5-A293-95F38FE809F0}" srcOrd="0" destOrd="0" presId="urn:microsoft.com/office/officeart/2005/8/layout/list1"/>
     <dgm:cxn modelId="{93236B52-AF51-4C00-A48D-BC2FBA481EB9}" srcId="{39BF1797-AF98-49D0-B587-7D2FE95969A2}" destId="{7B0F4F9E-478D-4EED-8F73-DB662091163B}" srcOrd="1" destOrd="0" parTransId="{282F2255-B34A-4BDD-8C14-2E7F7F37DFD6}" sibTransId="{4C206C40-2E5F-4996-AF91-9A4CBFE4CC37}"/>
+    <dgm:cxn modelId="{6C7859C2-6BDC-48A0-B9E2-6CE41255A9C6}" srcId="{39BF1797-AF98-49D0-B587-7D2FE95969A2}" destId="{7973E9F7-F023-457A-B616-0300C5072C3A}" srcOrd="2" destOrd="0" parTransId="{8F4CBCF4-7048-43E0-A6A6-EF48447175EC}" sibTransId="{8860994C-7409-4A9F-BCE1-0BB2C901CC49}"/>
     <dgm:cxn modelId="{D42792C6-22C5-46BF-8793-1D07FFDC02FA}" srcId="{39BF1797-AF98-49D0-B587-7D2FE95969A2}" destId="{0CD7446A-9BA1-4526-85AF-E0857FA2A09E}" srcOrd="6" destOrd="0" parTransId="{92F15A59-929B-4DCF-A5C6-5ACC068639B2}" sibTransId="{F2B69293-7BF2-45B1-82DC-43AFAD1F16F1}"/>
-    <dgm:cxn modelId="{6C7859C2-6BDC-48A0-B9E2-6CE41255A9C6}" srcId="{39BF1797-AF98-49D0-B587-7D2FE95969A2}" destId="{7973E9F7-F023-457A-B616-0300C5072C3A}" srcOrd="2" destOrd="0" parTransId="{8F4CBCF4-7048-43E0-A6A6-EF48447175EC}" sibTransId="{8860994C-7409-4A9F-BCE1-0BB2C901CC49}"/>
     <dgm:cxn modelId="{561E0F04-FD23-4D4E-8730-8813342244D6}" srcId="{39BF1797-AF98-49D0-B587-7D2FE95969A2}" destId="{8FA0ACB3-00FB-4BBA-93DA-4CAAAF27151F}" srcOrd="3" destOrd="0" parTransId="{FCAD73E5-4EEC-45A1-AA92-8EE545C4EA5E}" sibTransId="{65D80577-5C52-46CE-B28F-6891E38918EB}"/>
     <dgm:cxn modelId="{35A8002B-103D-44EB-BB02-07E8356EECF8}" srcId="{39BF1797-AF98-49D0-B587-7D2FE95969A2}" destId="{87BB7EE1-4D29-4CCA-B372-B95AED09D489}" srcOrd="5" destOrd="0" parTransId="{5237AE63-7B85-4892-86EB-A039B1AB1B71}" sibTransId="{51B13E36-5F59-4500-A041-7E6C48A16975}"/>
     <dgm:cxn modelId="{A91ABE52-DAAC-4AFA-9AD1-AB1173AC23A3}" type="presOf" srcId="{39BF1797-AF98-49D0-B587-7D2FE95969A2}" destId="{2F0261AD-2B76-42EE-9B5C-41042C74716E}" srcOrd="0" destOrd="0" presId="urn:microsoft.com/office/officeart/2005/8/layout/list1"/>
@@ -8389,6 +8392,252 @@
 </p:notes>
 </file>
 
+<file path=ppt/notesSlides/notesSlide17.xml><?xml version="1.0" encoding="utf-8"?>
+<p:notes xmlns:a="http://schemas.openxmlformats.org/drawingml/2006/main" xmlns:r="http://schemas.openxmlformats.org/officeDocument/2006/relationships" xmlns:p="http://schemas.openxmlformats.org/presentationml/2006/main">
+  <p:cSld>
+    <p:spTree>
+      <p:nvGrpSpPr>
+        <p:cNvPr id="1" name=""/>
+        <p:cNvGrpSpPr/>
+        <p:nvPr/>
+      </p:nvGrpSpPr>
+      <p:grpSpPr>
+        <a:xfrm>
+          <a:off x="0" y="0"/>
+          <a:ext cx="0" cy="0"/>
+          <a:chOff x="0" y="0"/>
+          <a:chExt cx="0" cy="0"/>
+        </a:xfrm>
+      </p:grpSpPr>
+      <p:sp>
+        <p:nvSpPr>
+          <p:cNvPr id="2" name="Slide Image Placeholder 1"/>
+          <p:cNvSpPr>
+            <a:spLocks noGrp="1" noRot="1" noChangeAspect="1"/>
+          </p:cNvSpPr>
+          <p:nvPr>
+            <p:ph type="sldImg"/>
+          </p:nvPr>
+        </p:nvSpPr>
+        <p:spPr/>
+      </p:sp>
+      <p:sp>
+        <p:nvSpPr>
+          <p:cNvPr id="3" name="Notes Placeholder 2"/>
+          <p:cNvSpPr>
+            <a:spLocks noGrp="1"/>
+          </p:cNvSpPr>
+          <p:nvPr>
+            <p:ph type="body" idx="1"/>
+          </p:nvPr>
+        </p:nvSpPr>
+        <p:spPr/>
+        <p:txBody>
+          <a:bodyPr>
+            <a:normAutofit/>
+          </a:bodyPr>
+          <a:lstStyle/>
+          <a:p>
+            <a:endParaRPr lang="en-US"/>
+          </a:p>
+        </p:txBody>
+      </p:sp>
+      <p:sp>
+        <p:nvSpPr>
+          <p:cNvPr id="4" name="Slide Number Placeholder 3"/>
+          <p:cNvSpPr>
+            <a:spLocks noGrp="1"/>
+          </p:cNvSpPr>
+          <p:nvPr>
+            <p:ph type="sldNum" sz="quarter" idx="10"/>
+          </p:nvPr>
+        </p:nvSpPr>
+        <p:spPr/>
+        <p:txBody>
+          <a:bodyPr/>
+          <a:lstStyle/>
+          <a:p>
+            <a:fld id="{4E2DDEEE-28A1-46E7-8C69-F86D1A7BF25E}" type="slidenum">
+              <a:rPr lang="en-US" smtClean="0"/>
+              <a:pPr/>
+              <a:t>17</a:t>
+            </a:fld>
+            <a:endParaRPr lang="en-US"/>
+          </a:p>
+        </p:txBody>
+      </p:sp>
+    </p:spTree>
+  </p:cSld>
+  <p:clrMapOvr>
+    <a:masterClrMapping/>
+  </p:clrMapOvr>
+</p:notes>
+</file>
+
+<file path=ppt/notesSlides/notesSlide18.xml><?xml version="1.0" encoding="utf-8"?>
+<p:notes xmlns:a="http://schemas.openxmlformats.org/drawingml/2006/main" xmlns:r="http://schemas.openxmlformats.org/officeDocument/2006/relationships" xmlns:p="http://schemas.openxmlformats.org/presentationml/2006/main">
+  <p:cSld>
+    <p:spTree>
+      <p:nvGrpSpPr>
+        <p:cNvPr id="1" name=""/>
+        <p:cNvGrpSpPr/>
+        <p:nvPr/>
+      </p:nvGrpSpPr>
+      <p:grpSpPr>
+        <a:xfrm>
+          <a:off x="0" y="0"/>
+          <a:ext cx="0" cy="0"/>
+          <a:chOff x="0" y="0"/>
+          <a:chExt cx="0" cy="0"/>
+        </a:xfrm>
+      </p:grpSpPr>
+      <p:sp>
+        <p:nvSpPr>
+          <p:cNvPr id="2" name="Slide Image Placeholder 1"/>
+          <p:cNvSpPr>
+            <a:spLocks noGrp="1" noRot="1" noChangeAspect="1"/>
+          </p:cNvSpPr>
+          <p:nvPr>
+            <p:ph type="sldImg"/>
+          </p:nvPr>
+        </p:nvSpPr>
+        <p:spPr/>
+      </p:sp>
+      <p:sp>
+        <p:nvSpPr>
+          <p:cNvPr id="3" name="Notes Placeholder 2"/>
+          <p:cNvSpPr>
+            <a:spLocks noGrp="1"/>
+          </p:cNvSpPr>
+          <p:nvPr>
+            <p:ph type="body" idx="1"/>
+          </p:nvPr>
+        </p:nvSpPr>
+        <p:spPr/>
+        <p:txBody>
+          <a:bodyPr>
+            <a:normAutofit/>
+          </a:bodyPr>
+          <a:lstStyle/>
+          <a:p>
+            <a:endParaRPr lang="en-US"/>
+          </a:p>
+        </p:txBody>
+      </p:sp>
+      <p:sp>
+        <p:nvSpPr>
+          <p:cNvPr id="4" name="Slide Number Placeholder 3"/>
+          <p:cNvSpPr>
+            <a:spLocks noGrp="1"/>
+          </p:cNvSpPr>
+          <p:nvPr>
+            <p:ph type="sldNum" sz="quarter" idx="10"/>
+          </p:nvPr>
+        </p:nvSpPr>
+        <p:spPr/>
+        <p:txBody>
+          <a:bodyPr/>
+          <a:lstStyle/>
+          <a:p>
+            <a:fld id="{4E2DDEEE-28A1-46E7-8C69-F86D1A7BF25E}" type="slidenum">
+              <a:rPr lang="en-US" smtClean="0"/>
+              <a:pPr/>
+              <a:t>18</a:t>
+            </a:fld>
+            <a:endParaRPr lang="en-US"/>
+          </a:p>
+        </p:txBody>
+      </p:sp>
+    </p:spTree>
+  </p:cSld>
+  <p:clrMapOvr>
+    <a:masterClrMapping/>
+  </p:clrMapOvr>
+</p:notes>
+</file>
+
+<file path=ppt/notesSlides/notesSlide19.xml><?xml version="1.0" encoding="utf-8"?>
+<p:notes xmlns:a="http://schemas.openxmlformats.org/drawingml/2006/main" xmlns:r="http://schemas.openxmlformats.org/officeDocument/2006/relationships" xmlns:p="http://schemas.openxmlformats.org/presentationml/2006/main">
+  <p:cSld>
+    <p:spTree>
+      <p:nvGrpSpPr>
+        <p:cNvPr id="1" name=""/>
+        <p:cNvGrpSpPr/>
+        <p:nvPr/>
+      </p:nvGrpSpPr>
+      <p:grpSpPr>
+        <a:xfrm>
+          <a:off x="0" y="0"/>
+          <a:ext cx="0" cy="0"/>
+          <a:chOff x="0" y="0"/>
+          <a:chExt cx="0" cy="0"/>
+        </a:xfrm>
+      </p:grpSpPr>
+      <p:sp>
+        <p:nvSpPr>
+          <p:cNvPr id="2" name="Slide Image Placeholder 1"/>
+          <p:cNvSpPr>
+            <a:spLocks noGrp="1" noRot="1" noChangeAspect="1"/>
+          </p:cNvSpPr>
+          <p:nvPr>
+            <p:ph type="sldImg"/>
+          </p:nvPr>
+        </p:nvSpPr>
+        <p:spPr/>
+      </p:sp>
+      <p:sp>
+        <p:nvSpPr>
+          <p:cNvPr id="3" name="Notes Placeholder 2"/>
+          <p:cNvSpPr>
+            <a:spLocks noGrp="1"/>
+          </p:cNvSpPr>
+          <p:nvPr>
+            <p:ph type="body" idx="1"/>
+          </p:nvPr>
+        </p:nvSpPr>
+        <p:spPr/>
+        <p:txBody>
+          <a:bodyPr>
+            <a:normAutofit/>
+          </a:bodyPr>
+          <a:lstStyle/>
+          <a:p>
+            <a:endParaRPr lang="en-US"/>
+          </a:p>
+        </p:txBody>
+      </p:sp>
+      <p:sp>
+        <p:nvSpPr>
+          <p:cNvPr id="4" name="Slide Number Placeholder 3"/>
+          <p:cNvSpPr>
+            <a:spLocks noGrp="1"/>
+          </p:cNvSpPr>
+          <p:nvPr>
+            <p:ph type="sldNum" sz="quarter" idx="10"/>
+          </p:nvPr>
+        </p:nvSpPr>
+        <p:spPr/>
+        <p:txBody>
+          <a:bodyPr/>
+          <a:lstStyle/>
+          <a:p>
+            <a:fld id="{4E2DDEEE-28A1-46E7-8C69-F86D1A7BF25E}" type="slidenum">
+              <a:rPr lang="en-US" smtClean="0"/>
+              <a:pPr/>
+              <a:t>19</a:t>
+            </a:fld>
+            <a:endParaRPr lang="en-US"/>
+          </a:p>
+        </p:txBody>
+      </p:sp>
+    </p:spTree>
+  </p:cSld>
+  <p:clrMapOvr>
+    <a:masterClrMapping/>
+  </p:clrMapOvr>
+</p:notes>
+</file>
+
 <file path=ppt/notesSlides/notesSlide2.xml><?xml version="1.0" encoding="utf-8"?>
 <p:notes xmlns:a="http://schemas.openxmlformats.org/drawingml/2006/main" xmlns:r="http://schemas.openxmlformats.org/officeDocument/2006/relationships" xmlns:p="http://schemas.openxmlformats.org/presentationml/2006/main">
   <p:cSld>
@@ -12936,28 +13185,35 @@
           <a:p>
             <a:r>
               <a:rPr lang="en-US" dirty="0" smtClean="0"/>
-              <a:t>Requirements Document</a:t>
+              <a:t>SA: DFD</a:t>
             </a:r>
             <a:endParaRPr lang="en-US" dirty="0"/>
           </a:p>
         </p:txBody>
       </p:sp>
-      <p:graphicFrame>
-        <p:nvGraphicFramePr>
-          <p:cNvPr id="4" name="Diagram 3"/>
-          <p:cNvGraphicFramePr/>
-          <p:nvPr/>
-        </p:nvGraphicFramePr>
-        <p:xfrm>
-          <a:off x="533400" y="2057400"/>
-          <a:ext cx="7924800" cy="4038600"/>
-        </p:xfrm>
-        <a:graphic>
-          <a:graphicData uri="http://schemas.openxmlformats.org/drawingml/2006/diagram">
-            <dgm:relIds xmlns:dgm="http://schemas.openxmlformats.org/drawingml/2006/diagram" xmlns:r="http://schemas.openxmlformats.org/officeDocument/2006/relationships" r:dm="rId3" r:lo="rId4" r:qs="rId5" r:cs="rId6"/>
-          </a:graphicData>
-        </a:graphic>
-      </p:graphicFrame>
+      <p:pic>
+        <p:nvPicPr>
+          <p:cNvPr id="4" name="Content Placeholder 3" descr="Data_Flow_Diagram.jpg"/>
+          <p:cNvPicPr>
+            <a:picLocks noGrp="1" noChangeAspect="1"/>
+          </p:cNvPicPr>
+          <p:nvPr>
+            <p:ph idx="1"/>
+          </p:nvPr>
+        </p:nvPicPr>
+        <p:blipFill>
+          <a:blip r:embed="rId3"/>
+          <a:stretch>
+            <a:fillRect/>
+          </a:stretch>
+        </p:blipFill>
+        <p:spPr>
+          <a:xfrm>
+            <a:off x="1689779" y="1935163"/>
+            <a:ext cx="5764441" cy="4389437"/>
+          </a:xfrm>
+        </p:spPr>
+      </p:pic>
     </p:spTree>
   </p:cSld>
   <p:clrMapOvr>
@@ -13000,19 +13256,14 @@
             <p:ph type="title"/>
           </p:nvPr>
         </p:nvSpPr>
-        <p:spPr>
-          <a:xfrm>
-            <a:off x="304800" y="457200"/>
-            <a:ext cx="8229600" cy="1143000"/>
-          </a:xfrm>
-        </p:spPr>
+        <p:spPr/>
         <p:txBody>
           <a:bodyPr/>
           <a:lstStyle/>
           <a:p>
             <a:r>
               <a:rPr lang="en-US" dirty="0" smtClean="0"/>
-              <a:t>User Interface</a:t>
+              <a:t>SA: Sequence Diagram</a:t>
             </a:r>
             <a:endParaRPr lang="en-US" dirty="0"/>
           </a:p>
@@ -13020,7 +13271,7 @@
       </p:sp>
       <p:pic>
         <p:nvPicPr>
-          <p:cNvPr id="4" name="Content Placeholder 3" descr="mockupNoCaptions.jpg"/>
+          <p:cNvPr id="4" name="Content Placeholder 3" descr="sequencediagram_1.PNG"/>
           <p:cNvPicPr>
             <a:picLocks noGrp="1" noChangeAspect="1"/>
           </p:cNvPicPr>
@@ -13036,8 +13287,8 @@
         </p:blipFill>
         <p:spPr>
           <a:xfrm>
-            <a:off x="990600" y="1600200"/>
-            <a:ext cx="6781800" cy="5068943"/>
+            <a:off x="1639200" y="1935163"/>
+            <a:ext cx="5865600" cy="4389437"/>
           </a:xfrm>
         </p:spPr>
       </p:pic>
@@ -13073,6 +13324,231 @@
           <a:chExt cx="0" cy="0"/>
         </a:xfrm>
       </p:grpSpPr>
+      <p:sp>
+        <p:nvSpPr>
+          <p:cNvPr id="2" name="Title 1"/>
+          <p:cNvSpPr>
+            <a:spLocks noGrp="1"/>
+          </p:cNvSpPr>
+          <p:nvPr>
+            <p:ph type="title"/>
+          </p:nvPr>
+        </p:nvSpPr>
+        <p:spPr/>
+        <p:txBody>
+          <a:bodyPr/>
+          <a:lstStyle/>
+          <a:p>
+            <a:r>
+              <a:rPr lang="en-US" dirty="0" smtClean="0"/>
+              <a:t>Requirements Document</a:t>
+            </a:r>
+            <a:endParaRPr lang="en-US" dirty="0"/>
+          </a:p>
+        </p:txBody>
+      </p:sp>
+      <p:graphicFrame>
+        <p:nvGraphicFramePr>
+          <p:cNvPr id="4" name="Diagram 3"/>
+          <p:cNvGraphicFramePr/>
+          <p:nvPr/>
+        </p:nvGraphicFramePr>
+        <p:xfrm>
+          <a:off x="304800" y="1676400"/>
+          <a:ext cx="8305800" cy="5029200"/>
+        </p:xfrm>
+        <a:graphic>
+          <a:graphicData uri="http://schemas.openxmlformats.org/drawingml/2006/diagram">
+            <dgm:relIds xmlns:dgm="http://schemas.openxmlformats.org/drawingml/2006/diagram" xmlns:r="http://schemas.openxmlformats.org/officeDocument/2006/relationships" r:dm="rId3" r:lo="rId4" r:qs="rId5" r:cs="rId6"/>
+          </a:graphicData>
+        </a:graphic>
+      </p:graphicFrame>
+    </p:spTree>
+  </p:cSld>
+  <p:clrMapOvr>
+    <a:masterClrMapping/>
+  </p:clrMapOvr>
+  <p:timing>
+    <p:tnLst>
+      <p:par>
+        <p:cTn id="1" dur="indefinite" restart="never" nodeType="tmRoot"/>
+      </p:par>
+    </p:tnLst>
+  </p:timing>
+</p:sld>
+</file>
+
+<file path=ppt/slides/slide13.xml><?xml version="1.0" encoding="utf-8"?>
+<p:sld xmlns:a="http://schemas.openxmlformats.org/drawingml/2006/main" xmlns:r="http://schemas.openxmlformats.org/officeDocument/2006/relationships" xmlns:p="http://schemas.openxmlformats.org/presentationml/2006/main">
+  <p:cSld>
+    <p:spTree>
+      <p:nvGrpSpPr>
+        <p:cNvPr id="1" name=""/>
+        <p:cNvGrpSpPr/>
+        <p:nvPr/>
+      </p:nvGrpSpPr>
+      <p:grpSpPr>
+        <a:xfrm>
+          <a:off x="0" y="0"/>
+          <a:ext cx="0" cy="0"/>
+          <a:chOff x="0" y="0"/>
+          <a:chExt cx="0" cy="0"/>
+        </a:xfrm>
+      </p:grpSpPr>
+      <p:sp>
+        <p:nvSpPr>
+          <p:cNvPr id="2" name="Title 1"/>
+          <p:cNvSpPr>
+            <a:spLocks noGrp="1"/>
+          </p:cNvSpPr>
+          <p:nvPr>
+            <p:ph type="title"/>
+          </p:nvPr>
+        </p:nvSpPr>
+        <p:spPr/>
+        <p:txBody>
+          <a:bodyPr/>
+          <a:lstStyle/>
+          <a:p>
+            <a:r>
+              <a:rPr lang="en-US" dirty="0" smtClean="0"/>
+              <a:t>Requirements Document</a:t>
+            </a:r>
+            <a:endParaRPr lang="en-US" dirty="0"/>
+          </a:p>
+        </p:txBody>
+      </p:sp>
+      <p:graphicFrame>
+        <p:nvGraphicFramePr>
+          <p:cNvPr id="4" name="Diagram 3"/>
+          <p:cNvGraphicFramePr/>
+          <p:nvPr/>
+        </p:nvGraphicFramePr>
+        <p:xfrm>
+          <a:off x="533400" y="2057400"/>
+          <a:ext cx="7924800" cy="4038600"/>
+        </p:xfrm>
+        <a:graphic>
+          <a:graphicData uri="http://schemas.openxmlformats.org/drawingml/2006/diagram">
+            <dgm:relIds xmlns:dgm="http://schemas.openxmlformats.org/drawingml/2006/diagram" xmlns:r="http://schemas.openxmlformats.org/officeDocument/2006/relationships" r:dm="rId3" r:lo="rId4" r:qs="rId5" r:cs="rId6"/>
+          </a:graphicData>
+        </a:graphic>
+      </p:graphicFrame>
+    </p:spTree>
+  </p:cSld>
+  <p:clrMapOvr>
+    <a:masterClrMapping/>
+  </p:clrMapOvr>
+  <p:timing>
+    <p:tnLst>
+      <p:par>
+        <p:cTn id="1" dur="indefinite" restart="never" nodeType="tmRoot"/>
+      </p:par>
+    </p:tnLst>
+  </p:timing>
+</p:sld>
+</file>
+
+<file path=ppt/slides/slide14.xml><?xml version="1.0" encoding="utf-8"?>
+<p:sld xmlns:a="http://schemas.openxmlformats.org/drawingml/2006/main" xmlns:r="http://schemas.openxmlformats.org/officeDocument/2006/relationships" xmlns:p="http://schemas.openxmlformats.org/presentationml/2006/main">
+  <p:cSld>
+    <p:spTree>
+      <p:nvGrpSpPr>
+        <p:cNvPr id="1" name=""/>
+        <p:cNvGrpSpPr/>
+        <p:nvPr/>
+      </p:nvGrpSpPr>
+      <p:grpSpPr>
+        <a:xfrm>
+          <a:off x="0" y="0"/>
+          <a:ext cx="0" cy="0"/>
+          <a:chOff x="0" y="0"/>
+          <a:chExt cx="0" cy="0"/>
+        </a:xfrm>
+      </p:grpSpPr>
+      <p:sp>
+        <p:nvSpPr>
+          <p:cNvPr id="2" name="Title 1"/>
+          <p:cNvSpPr>
+            <a:spLocks noGrp="1"/>
+          </p:cNvSpPr>
+          <p:nvPr>
+            <p:ph type="title"/>
+          </p:nvPr>
+        </p:nvSpPr>
+        <p:spPr>
+          <a:xfrm>
+            <a:off x="304800" y="457200"/>
+            <a:ext cx="8229600" cy="1143000"/>
+          </a:xfrm>
+        </p:spPr>
+        <p:txBody>
+          <a:bodyPr/>
+          <a:lstStyle/>
+          <a:p>
+            <a:r>
+              <a:rPr lang="en-US" dirty="0" smtClean="0"/>
+              <a:t>User Interface</a:t>
+            </a:r>
+            <a:endParaRPr lang="en-US" dirty="0"/>
+          </a:p>
+        </p:txBody>
+      </p:sp>
+      <p:pic>
+        <p:nvPicPr>
+          <p:cNvPr id="4" name="Content Placeholder 3" descr="mockupNoCaptions.jpg"/>
+          <p:cNvPicPr>
+            <a:picLocks noGrp="1" noChangeAspect="1"/>
+          </p:cNvPicPr>
+          <p:nvPr>
+            <p:ph idx="1"/>
+          </p:nvPr>
+        </p:nvPicPr>
+        <p:blipFill>
+          <a:blip r:embed="rId3"/>
+          <a:stretch>
+            <a:fillRect/>
+          </a:stretch>
+        </p:blipFill>
+        <p:spPr>
+          <a:xfrm>
+            <a:off x="990600" y="1600200"/>
+            <a:ext cx="6781800" cy="5068943"/>
+          </a:xfrm>
+        </p:spPr>
+      </p:pic>
+    </p:spTree>
+  </p:cSld>
+  <p:clrMapOvr>
+    <a:masterClrMapping/>
+  </p:clrMapOvr>
+  <p:timing>
+    <p:tnLst>
+      <p:par>
+        <p:cTn id="1" dur="indefinite" restart="never" nodeType="tmRoot"/>
+      </p:par>
+    </p:tnLst>
+  </p:timing>
+</p:sld>
+</file>
+
+<file path=ppt/slides/slide15.xml><?xml version="1.0" encoding="utf-8"?>
+<p:sld xmlns:a="http://schemas.openxmlformats.org/drawingml/2006/main" xmlns:r="http://schemas.openxmlformats.org/officeDocument/2006/relationships" xmlns:p="http://schemas.openxmlformats.org/presentationml/2006/main">
+  <p:cSld>
+    <p:spTree>
+      <p:nvGrpSpPr>
+        <p:cNvPr id="1" name=""/>
+        <p:cNvGrpSpPr/>
+        <p:nvPr/>
+      </p:nvGrpSpPr>
+      <p:grpSpPr>
+        <a:xfrm>
+          <a:off x="0" y="0"/>
+          <a:ext cx="0" cy="0"/>
+          <a:chOff x="0" y="0"/>
+          <a:chExt cx="0" cy="0"/>
+        </a:xfrm>
+      </p:grpSpPr>
       <p:pic>
         <p:nvPicPr>
           <p:cNvPr id="4" name="Content Placeholder 3" descr="mockupWithCaptions.jpg"/>
@@ -13104,7 +13580,7 @@
 </p:sld>
 </file>
 
-<file path=ppt/slides/slide13.xml><?xml version="1.0" encoding="utf-8"?>
+<file path=ppt/slides/slide16.xml><?xml version="1.0" encoding="utf-8"?>
 <p:sld xmlns:a="http://schemas.openxmlformats.org/drawingml/2006/main" xmlns:r="http://schemas.openxmlformats.org/officeDocument/2006/relationships" xmlns:p="http://schemas.openxmlformats.org/presentationml/2006/main">
   <p:cSld>
     <p:spTree>
@@ -13152,7 +13628,7 @@
 </p:sld>
 </file>
 
-<file path=ppt/slides/slide14.xml><?xml version="1.0" encoding="utf-8"?>
+<file path=ppt/slides/slide17.xml><?xml version="1.0" encoding="utf-8"?>
 <p:sld xmlns:a="http://schemas.openxmlformats.org/drawingml/2006/main" xmlns:r="http://schemas.openxmlformats.org/officeDocument/2006/relationships" xmlns:p="http://schemas.openxmlformats.org/presentationml/2006/main">
   <p:cSld>
     <p:spTree>
@@ -13200,7 +13676,7 @@
 </p:sld>
 </file>
 
-<file path=ppt/slides/slide15.xml><?xml version="1.0" encoding="utf-8"?>
+<file path=ppt/slides/slide18.xml><?xml version="1.0" encoding="utf-8"?>
 <p:sld xmlns:a="http://schemas.openxmlformats.org/drawingml/2006/main" xmlns:r="http://schemas.openxmlformats.org/officeDocument/2006/relationships" xmlns:p="http://schemas.openxmlformats.org/presentationml/2006/main">
   <p:cSld>
     <p:spTree>
@@ -13366,7 +13842,7 @@
 </p:sld>
 </file>
 
-<file path=ppt/slides/slide16.xml><?xml version="1.0" encoding="utf-8"?>
+<file path=ppt/slides/slide19.xml><?xml version="1.0" encoding="utf-8"?>
 <p:sld xmlns:a="http://schemas.openxmlformats.org/drawingml/2006/main" xmlns:r="http://schemas.openxmlformats.org/officeDocument/2006/relationships" xmlns:p="http://schemas.openxmlformats.org/presentationml/2006/main">
   <p:cSld>
     <p:spTree>
@@ -13758,215 +14234,37 @@
       </p:sp>
       <p:pic>
         <p:nvPicPr>
-          <p:cNvPr id="4" name="Content Placeholder 3" descr="Class3.jpg"/>
+          <p:cNvPr id="1026" name="Picture 2"/>
           <p:cNvPicPr>
-            <a:picLocks noGrp="1" noChangeAspect="1"/>
+            <a:picLocks noChangeAspect="1" noChangeArrowheads="1"/>
           </p:cNvPicPr>
-          <p:nvPr>
-            <p:ph idx="1"/>
-          </p:nvPr>
+          <p:nvPr/>
         </p:nvPicPr>
         <p:blipFill>
           <a:blip r:embed="rId3"/>
+          <a:srcRect/>
           <a:stretch>
             <a:fillRect/>
           </a:stretch>
         </p:blipFill>
-        <p:spPr>
+        <p:spPr bwMode="auto">
           <a:xfrm>
-            <a:off x="228600" y="1600200"/>
-            <a:ext cx="4139279" cy="4525963"/>
-          </a:xfrm>
-        </p:spPr>
-      </p:pic>
-      <p:sp>
-        <p:nvSpPr>
-          <p:cNvPr id="5" name="TextBox 4"/>
-          <p:cNvSpPr txBox="1"/>
-          <p:nvPr/>
-        </p:nvSpPr>
-        <p:spPr>
-          <a:xfrm>
-            <a:off x="4495800" y="1371600"/>
-            <a:ext cx="4191000" cy="1477328"/>
+            <a:off x="53075" y="2514600"/>
+            <a:ext cx="9090925" cy="1981200"/>
           </a:xfrm>
           <a:prstGeom prst="rect">
             <a:avLst/>
           </a:prstGeom>
           <a:noFill/>
+          <a:ln w="9525">
+            <a:noFill/>
+            <a:miter lim="800000"/>
+            <a:headEnd/>
+            <a:tailEnd/>
+          </a:ln>
+          <a:effectLst/>
         </p:spPr>
-        <p:txBody>
-          <a:bodyPr wrap="square" rtlCol="0">
-            <a:spAutoFit/>
-          </a:bodyPr>
-          <a:lstStyle/>
-          <a:p>
-            <a:pPr>
-              <a:buFont typeface="Arial" pitchFamily="34" charset="0"/>
-              <a:buChar char="•"/>
-            </a:pPr>
-            <a:r>
-              <a:rPr lang="en-US" dirty="0" smtClean="0"/>
-              <a:t> Database: </a:t>
-            </a:r>
-          </a:p>
-          <a:p>
-            <a:pPr lvl="1">
-              <a:buFont typeface="Arial" pitchFamily="34" charset="0"/>
-              <a:buChar char="•"/>
-            </a:pPr>
-            <a:r>
-              <a:rPr lang="en-US" dirty="0" smtClean="0"/>
-              <a:t>It stores information as XML keyed by Domain name and Video ID.</a:t>
-            </a:r>
-          </a:p>
-          <a:p>
-            <a:pPr>
-              <a:buFont typeface="Arial" pitchFamily="34" charset="0"/>
-              <a:buChar char="•"/>
-            </a:pPr>
-            <a:r>
-              <a:rPr lang="en-US" dirty="0" smtClean="0"/>
-              <a:t>Web Services:</a:t>
-            </a:r>
-          </a:p>
-          <a:p>
-            <a:pPr lvl="1">
-              <a:buFont typeface="Arial" pitchFamily="34" charset="0"/>
-              <a:buChar char="•"/>
-            </a:pPr>
-            <a:r>
-              <a:rPr lang="en-US" dirty="0" smtClean="0"/>
-              <a:t>Stores and Retrieves Captions.</a:t>
-            </a:r>
-            <a:endParaRPr lang="en-US" dirty="0"/>
-          </a:p>
-        </p:txBody>
-      </p:sp>
-      <p:sp>
-        <p:nvSpPr>
-          <p:cNvPr id="6" name="TextBox 5"/>
-          <p:cNvSpPr txBox="1"/>
-          <p:nvPr/>
-        </p:nvSpPr>
-        <p:spPr>
-          <a:xfrm>
-            <a:off x="4495800" y="3048000"/>
-            <a:ext cx="4191000" cy="2585323"/>
-          </a:xfrm>
-          <a:prstGeom prst="rect">
-            <a:avLst/>
-          </a:prstGeom>
-          <a:noFill/>
-        </p:spPr>
-        <p:txBody>
-          <a:bodyPr wrap="square" rtlCol="0">
-            <a:spAutoFit/>
-          </a:bodyPr>
-          <a:lstStyle/>
-          <a:p>
-            <a:pPr>
-              <a:buFont typeface="Arial" pitchFamily="34" charset="0"/>
-              <a:buChar char="•"/>
-            </a:pPr>
-            <a:r>
-              <a:rPr lang="en-US" dirty="0" smtClean="0"/>
-              <a:t> Extension: </a:t>
-            </a:r>
-          </a:p>
-          <a:p>
-            <a:pPr lvl="1">
-              <a:buFont typeface="Arial" pitchFamily="34" charset="0"/>
-              <a:buChar char="•"/>
-            </a:pPr>
-            <a:r>
-              <a:rPr lang="en-US" dirty="0" smtClean="0"/>
-              <a:t> Rewrites the available FLV Player in line with our own.</a:t>
-            </a:r>
-          </a:p>
-          <a:p>
-            <a:pPr lvl="1">
-              <a:buFont typeface="Arial" pitchFamily="34" charset="0"/>
-              <a:buChar char="•"/>
-            </a:pPr>
-            <a:r>
-              <a:rPr lang="en-US" dirty="0"/>
-              <a:t> </a:t>
-            </a:r>
-            <a:r>
-              <a:rPr lang="en-US" dirty="0" smtClean="0"/>
-              <a:t>Allows for Updating/Inserting Captions.</a:t>
-            </a:r>
-          </a:p>
-          <a:p>
-            <a:pPr lvl="1">
-              <a:buFont typeface="Arial" pitchFamily="34" charset="0"/>
-              <a:buChar char="•"/>
-            </a:pPr>
-            <a:r>
-              <a:rPr lang="en-US" dirty="0" smtClean="0"/>
-              <a:t> Allows for previewing the video after editing.</a:t>
-            </a:r>
-          </a:p>
-          <a:p>
-            <a:pPr lvl="1">
-              <a:buFont typeface="Arial" pitchFamily="34" charset="0"/>
-              <a:buChar char="•"/>
-            </a:pPr>
-            <a:r>
-              <a:rPr lang="en-US" dirty="0"/>
-              <a:t> </a:t>
-            </a:r>
-            <a:r>
-              <a:rPr lang="en-US" dirty="0" smtClean="0"/>
-              <a:t>Retrieve Caption URL from Back-End for FLV Player.</a:t>
-            </a:r>
-          </a:p>
-        </p:txBody>
-      </p:sp>
-      <p:sp>
-        <p:nvSpPr>
-          <p:cNvPr id="7" name="TextBox 6"/>
-          <p:cNvSpPr txBox="1"/>
-          <p:nvPr/>
-        </p:nvSpPr>
-        <p:spPr>
-          <a:xfrm>
-            <a:off x="4495800" y="5791200"/>
-            <a:ext cx="4191000" cy="923330"/>
-          </a:xfrm>
-          <a:prstGeom prst="rect">
-            <a:avLst/>
-          </a:prstGeom>
-          <a:noFill/>
-        </p:spPr>
-        <p:txBody>
-          <a:bodyPr wrap="square" rtlCol="0">
-            <a:spAutoFit/>
-          </a:bodyPr>
-          <a:lstStyle/>
-          <a:p>
-            <a:pPr>
-              <a:buFont typeface="Arial" pitchFamily="34" charset="0"/>
-              <a:buChar char="•"/>
-            </a:pPr>
-            <a:r>
-              <a:rPr lang="en-US" dirty="0" smtClean="0"/>
-              <a:t> FLV Player </a:t>
-            </a:r>
-          </a:p>
-          <a:p>
-            <a:pPr lvl="1">
-              <a:buFont typeface="Arial" pitchFamily="34" charset="0"/>
-              <a:buChar char="•"/>
-            </a:pPr>
-            <a:r>
-              <a:rPr lang="en-US" dirty="0" smtClean="0"/>
-              <a:t> Allows viewing of Video along with Captions.</a:t>
-            </a:r>
-          </a:p>
-        </p:txBody>
-      </p:sp>
+      </p:pic>
     </p:spTree>
   </p:cSld>
   <p:clrMapOvr>
@@ -14016,7 +14314,7 @@
           <a:p>
             <a:r>
               <a:rPr lang="en-US" dirty="0" smtClean="0"/>
-              <a:t>SA: Deployment Diagram</a:t>
+              <a:t>SA: Class Diagram</a:t>
             </a:r>
             <a:endParaRPr lang="en-US" dirty="0"/>
           </a:p>
@@ -14024,25 +14322,35 @@
       </p:sp>
       <p:pic>
         <p:nvPicPr>
-          <p:cNvPr id="4" name="Content Placeholder 3" descr="Deployment2.jpg"/>
+          <p:cNvPr id="2050" name="Picture 2"/>
           <p:cNvPicPr>
-            <a:picLocks noGrp="1" noChangeAspect="1"/>
+            <a:picLocks noChangeAspect="1" noChangeArrowheads="1"/>
           </p:cNvPicPr>
-          <p:nvPr>
-            <p:ph idx="1"/>
-          </p:nvPr>
+          <p:nvPr/>
         </p:nvPicPr>
         <p:blipFill>
           <a:blip r:embed="rId3"/>
+          <a:srcRect/>
           <a:stretch>
             <a:fillRect/>
           </a:stretch>
         </p:blipFill>
-        <p:spPr>
+        <p:spPr bwMode="auto">
           <a:xfrm>
-            <a:off x="1381125" y="2539206"/>
-            <a:ext cx="6381750" cy="3181350"/>
+            <a:off x="35679" y="2286000"/>
+            <a:ext cx="9108321" cy="2514600"/>
           </a:xfrm>
+          <a:prstGeom prst="rect">
+            <a:avLst/>
+          </a:prstGeom>
+          <a:noFill/>
+          <a:ln w="9525">
+            <a:noFill/>
+            <a:miter lim="800000"/>
+            <a:headEnd/>
+            <a:tailEnd/>
+          </a:ln>
+          <a:effectLst/>
         </p:spPr>
       </p:pic>
     </p:spTree>
@@ -14094,7 +14402,7 @@
           <a:p>
             <a:r>
               <a:rPr lang="en-US" dirty="0" smtClean="0"/>
-              <a:t>SA: DFD</a:t>
+              <a:t>SA: Class Diagram</a:t>
             </a:r>
             <a:endParaRPr lang="en-US" dirty="0"/>
           </a:p>
@@ -14102,25 +14410,35 @@
       </p:sp>
       <p:pic>
         <p:nvPicPr>
-          <p:cNvPr id="4" name="Content Placeholder 3" descr="Data_Flow_Diagram.jpg"/>
+          <p:cNvPr id="3074" name="Picture 2"/>
           <p:cNvPicPr>
-            <a:picLocks noGrp="1" noChangeAspect="1"/>
+            <a:picLocks noChangeAspect="1" noChangeArrowheads="1"/>
           </p:cNvPicPr>
-          <p:nvPr>
-            <p:ph idx="1"/>
-          </p:nvPr>
+          <p:nvPr/>
         </p:nvPicPr>
         <p:blipFill>
           <a:blip r:embed="rId3"/>
+          <a:srcRect/>
           <a:stretch>
             <a:fillRect/>
           </a:stretch>
         </p:blipFill>
-        <p:spPr>
+        <p:spPr bwMode="auto">
           <a:xfrm>
-            <a:off x="1689779" y="1935163"/>
-            <a:ext cx="5764441" cy="4389437"/>
+            <a:off x="144453" y="2743200"/>
+            <a:ext cx="8999548" cy="1905000"/>
           </a:xfrm>
+          <a:prstGeom prst="rect">
+            <a:avLst/>
+          </a:prstGeom>
+          <a:noFill/>
+          <a:ln w="9525">
+            <a:noFill/>
+            <a:miter lim="800000"/>
+            <a:headEnd/>
+            <a:tailEnd/>
+          </a:ln>
+          <a:effectLst/>
         </p:spPr>
       </p:pic>
     </p:spTree>
@@ -14172,7 +14490,7 @@
           <a:p>
             <a:r>
               <a:rPr lang="en-US" dirty="0" smtClean="0"/>
-              <a:t>SA: Sequence Diagram</a:t>
+              <a:t>SA: Deployment Diagram</a:t>
             </a:r>
             <a:endParaRPr lang="en-US" dirty="0"/>
           </a:p>
@@ -14180,7 +14498,7 @@
       </p:sp>
       <p:pic>
         <p:nvPicPr>
-          <p:cNvPr id="4" name="Content Placeholder 3" descr="sequencediagram_1.PNG"/>
+          <p:cNvPr id="4" name="Content Placeholder 3" descr="Deployment2.jpg"/>
           <p:cNvPicPr>
             <a:picLocks noGrp="1" noChangeAspect="1"/>
           </p:cNvPicPr>
@@ -14196,8 +14514,8 @@
         </p:blipFill>
         <p:spPr>
           <a:xfrm>
-            <a:off x="1639200" y="1935163"/>
-            <a:ext cx="5865600" cy="4389437"/>
+            <a:off x="1381125" y="2539206"/>
+            <a:ext cx="6381750" cy="3181350"/>
           </a:xfrm>
         </p:spPr>
       </p:pic>
@@ -14250,40 +14568,50 @@
           <a:p>
             <a:r>
               <a:rPr lang="en-US" dirty="0" smtClean="0"/>
-              <a:t>Requirements Document</a:t>
+              <a:t>SA: Database Diagram</a:t>
             </a:r>
             <a:endParaRPr lang="en-US" dirty="0"/>
           </a:p>
         </p:txBody>
       </p:sp>
-      <p:graphicFrame>
-        <p:nvGraphicFramePr>
-          <p:cNvPr id="4" name="Diagram 3"/>
-          <p:cNvGraphicFramePr/>
+      <p:pic>
+        <p:nvPicPr>
+          <p:cNvPr id="4098" name="Picture 2"/>
+          <p:cNvPicPr>
+            <a:picLocks noChangeAspect="1" noChangeArrowheads="1"/>
+          </p:cNvPicPr>
           <p:nvPr/>
-        </p:nvGraphicFramePr>
-        <p:xfrm>
-          <a:off x="304800" y="1676400"/>
-          <a:ext cx="8305800" cy="5029200"/>
-        </p:xfrm>
-        <a:graphic>
-          <a:graphicData uri="http://schemas.openxmlformats.org/drawingml/2006/diagram">
-            <dgm:relIds xmlns:dgm="http://schemas.openxmlformats.org/drawingml/2006/diagram" xmlns:r="http://schemas.openxmlformats.org/officeDocument/2006/relationships" r:dm="rId3" r:lo="rId4" r:qs="rId5" r:cs="rId6"/>
-          </a:graphicData>
-        </a:graphic>
-      </p:graphicFrame>
+        </p:nvPicPr>
+        <p:blipFill>
+          <a:blip r:embed="rId3"/>
+          <a:srcRect/>
+          <a:stretch>
+            <a:fillRect/>
+          </a:stretch>
+        </p:blipFill>
+        <p:spPr bwMode="auto">
+          <a:xfrm>
+            <a:off x="304800" y="2362200"/>
+            <a:ext cx="8484691" cy="3124200"/>
+          </a:xfrm>
+          <a:prstGeom prst="rect">
+            <a:avLst/>
+          </a:prstGeom>
+          <a:noFill/>
+          <a:ln w="9525">
+            <a:noFill/>
+            <a:miter lim="800000"/>
+            <a:headEnd/>
+            <a:tailEnd/>
+          </a:ln>
+          <a:effectLst/>
+        </p:spPr>
+      </p:pic>
     </p:spTree>
   </p:cSld>
   <p:clrMapOvr>
     <a:masterClrMapping/>
   </p:clrMapOvr>
-  <p:timing>
-    <p:tnLst>
-      <p:par>
-        <p:cTn id="1" dur="indefinite" restart="never" nodeType="tmRoot"/>
-      </p:par>
-    </p:tnLst>
-  </p:timing>
 </p:sld>
 </file>
 

--- a/CC.pptx
+++ b/CC.pptx
@@ -5,7 +5,7 @@
     <p:sldMasterId id="2147483912" r:id="rId1"/>
   </p:sldMasterIdLst>
   <p:notesMasterIdLst>
-    <p:notesMasterId r:id="rId21"/>
+    <p:notesMasterId r:id="rId24"/>
   </p:notesMasterIdLst>
   <p:sldIdLst>
     <p:sldId id="268" r:id="rId2"/>
@@ -18,15 +18,18 @@
     <p:sldId id="260" r:id="rId9"/>
     <p:sldId id="277" r:id="rId10"/>
     <p:sldId id="261" r:id="rId11"/>
-    <p:sldId id="262" r:id="rId12"/>
-    <p:sldId id="264" r:id="rId13"/>
-    <p:sldId id="265" r:id="rId14"/>
-    <p:sldId id="266" r:id="rId15"/>
-    <p:sldId id="272" r:id="rId16"/>
-    <p:sldId id="273" r:id="rId17"/>
-    <p:sldId id="274" r:id="rId18"/>
-    <p:sldId id="267" r:id="rId19"/>
-    <p:sldId id="271" r:id="rId20"/>
+    <p:sldId id="278" r:id="rId12"/>
+    <p:sldId id="262" r:id="rId13"/>
+    <p:sldId id="279" r:id="rId14"/>
+    <p:sldId id="280" r:id="rId15"/>
+    <p:sldId id="264" r:id="rId16"/>
+    <p:sldId id="265" r:id="rId17"/>
+    <p:sldId id="266" r:id="rId18"/>
+    <p:sldId id="272" r:id="rId19"/>
+    <p:sldId id="273" r:id="rId20"/>
+    <p:sldId id="274" r:id="rId21"/>
+    <p:sldId id="267" r:id="rId22"/>
+    <p:sldId id="271" r:id="rId23"/>
   </p:sldIdLst>
   <p:sldSz cx="9144000" cy="6858000" type="screen4x3"/>
   <p:notesSz cx="6858000" cy="9144000"/>
@@ -126,6 +129,12 @@
     </a:lvl9pPr>
   </p:defaultTextStyle>
 </p:presentation>
+</file>
+
+<file path=ppt/commentAuthors.xml><?xml version="1.0" encoding="utf-8"?>
+<p:cmAuthorLst xmlns:a="http://schemas.openxmlformats.org/drawingml/2006/main" xmlns:r="http://schemas.openxmlformats.org/officeDocument/2006/relationships" xmlns:p="http://schemas.openxmlformats.org/presentationml/2006/main">
+  <p:cmAuthor id="0" name="thedyood" initials="t" lastIdx="1" clrIdx="0"/>
+</p:cmAuthorLst>
 </file>
 
 <file path=ppt/diagrams/colors1.xml><?xml version="1.0" encoding="utf-8"?>
@@ -3230,8 +3239,8 @@
     <dgm:cxn modelId="{38909320-D270-4DD8-985B-2E201743930F}" type="presOf" srcId="{7973E9F7-F023-457A-B616-0300C5072C3A}" destId="{CA1E2BF1-B0AB-4895-B69A-2F7B3B42EF3C}" srcOrd="0" destOrd="2" presId="urn:microsoft.com/office/officeart/2005/8/layout/list1"/>
     <dgm:cxn modelId="{E84BB915-9E93-400B-AFDA-7EF0E3C388C9}" type="presOf" srcId="{8722A5F9-14D6-4CE9-8029-B2CF02479303}" destId="{F3E948EE-4371-45E5-A293-95F38FE809F0}" srcOrd="0" destOrd="0" presId="urn:microsoft.com/office/officeart/2005/8/layout/list1"/>
     <dgm:cxn modelId="{93236B52-AF51-4C00-A48D-BC2FBA481EB9}" srcId="{39BF1797-AF98-49D0-B587-7D2FE95969A2}" destId="{7B0F4F9E-478D-4EED-8F73-DB662091163B}" srcOrd="1" destOrd="0" parTransId="{282F2255-B34A-4BDD-8C14-2E7F7F37DFD6}" sibTransId="{4C206C40-2E5F-4996-AF91-9A4CBFE4CC37}"/>
+    <dgm:cxn modelId="{D42792C6-22C5-46BF-8793-1D07FFDC02FA}" srcId="{39BF1797-AF98-49D0-B587-7D2FE95969A2}" destId="{0CD7446A-9BA1-4526-85AF-E0857FA2A09E}" srcOrd="6" destOrd="0" parTransId="{92F15A59-929B-4DCF-A5C6-5ACC068639B2}" sibTransId="{F2B69293-7BF2-45B1-82DC-43AFAD1F16F1}"/>
     <dgm:cxn modelId="{6C7859C2-6BDC-48A0-B9E2-6CE41255A9C6}" srcId="{39BF1797-AF98-49D0-B587-7D2FE95969A2}" destId="{7973E9F7-F023-457A-B616-0300C5072C3A}" srcOrd="2" destOrd="0" parTransId="{8F4CBCF4-7048-43E0-A6A6-EF48447175EC}" sibTransId="{8860994C-7409-4A9F-BCE1-0BB2C901CC49}"/>
-    <dgm:cxn modelId="{D42792C6-22C5-46BF-8793-1D07FFDC02FA}" srcId="{39BF1797-AF98-49D0-B587-7D2FE95969A2}" destId="{0CD7446A-9BA1-4526-85AF-E0857FA2A09E}" srcOrd="6" destOrd="0" parTransId="{92F15A59-929B-4DCF-A5C6-5ACC068639B2}" sibTransId="{F2B69293-7BF2-45B1-82DC-43AFAD1F16F1}"/>
     <dgm:cxn modelId="{561E0F04-FD23-4D4E-8730-8813342244D6}" srcId="{39BF1797-AF98-49D0-B587-7D2FE95969A2}" destId="{8FA0ACB3-00FB-4BBA-93DA-4CAAAF27151F}" srcOrd="3" destOrd="0" parTransId="{FCAD73E5-4EEC-45A1-AA92-8EE545C4EA5E}" sibTransId="{65D80577-5C52-46CE-B28F-6891E38918EB}"/>
     <dgm:cxn modelId="{35A8002B-103D-44EB-BB02-07E8356EECF8}" srcId="{39BF1797-AF98-49D0-B587-7D2FE95969A2}" destId="{87BB7EE1-4D29-4CCA-B372-B95AED09D489}" srcOrd="5" destOrd="0" parTransId="{5237AE63-7B85-4892-86EB-A039B1AB1B71}" sibTransId="{51B13E36-5F59-4500-A041-7E6C48A16975}"/>
     <dgm:cxn modelId="{A91ABE52-DAAC-4AFA-9AD1-AB1173AC23A3}" type="presOf" srcId="{39BF1797-AF98-49D0-B587-7D2FE95969A2}" destId="{2F0261AD-2B76-42EE-9B5C-41042C74716E}" srcOrd="0" destOrd="0" presId="urn:microsoft.com/office/officeart/2005/8/layout/list1"/>
@@ -7968,7 +7977,7 @@
             <a:fld id="{4E2DDEEE-28A1-46E7-8C69-F86D1A7BF25E}" type="slidenum">
               <a:rPr lang="en-US" smtClean="0"/>
               <a:pPr/>
-              <a:t>11</a:t>
+              <a:t>12</a:t>
             </a:fld>
             <a:endParaRPr lang="en-US"/>
           </a:p>
@@ -8050,7 +8059,7 @@
             <a:fld id="{4E2DDEEE-28A1-46E7-8C69-F86D1A7BF25E}" type="slidenum">
               <a:rPr lang="en-US" smtClean="0"/>
               <a:pPr/>
-              <a:t>12</a:t>
+              <a:t>13</a:t>
             </a:fld>
             <a:endParaRPr lang="en-US"/>
           </a:p>
@@ -8132,7 +8141,7 @@
             <a:fld id="{4E2DDEEE-28A1-46E7-8C69-F86D1A7BF25E}" type="slidenum">
               <a:rPr lang="en-US" smtClean="0"/>
               <a:pPr/>
-              <a:t>13</a:t>
+              <a:t>14</a:t>
             </a:fld>
             <a:endParaRPr lang="en-US"/>
           </a:p>
@@ -8214,7 +8223,7 @@
             <a:fld id="{4E2DDEEE-28A1-46E7-8C69-F86D1A7BF25E}" type="slidenum">
               <a:rPr lang="en-US" smtClean="0"/>
               <a:pPr/>
-              <a:t>14</a:t>
+              <a:t>15</a:t>
             </a:fld>
             <a:endParaRPr lang="en-US"/>
           </a:p>
@@ -8296,7 +8305,7 @@
             <a:fld id="{4E2DDEEE-28A1-46E7-8C69-F86D1A7BF25E}" type="slidenum">
               <a:rPr lang="en-US" smtClean="0"/>
               <a:pPr/>
-              <a:t>15</a:t>
+              <a:t>16</a:t>
             </a:fld>
             <a:endParaRPr lang="en-US"/>
           </a:p>
@@ -8378,7 +8387,7 @@
             <a:fld id="{4E2DDEEE-28A1-46E7-8C69-F86D1A7BF25E}" type="slidenum">
               <a:rPr lang="en-US" smtClean="0"/>
               <a:pPr/>
-              <a:t>16</a:t>
+              <a:t>17</a:t>
             </a:fld>
             <a:endParaRPr lang="en-US"/>
           </a:p>
@@ -8460,7 +8469,7 @@
             <a:fld id="{4E2DDEEE-28A1-46E7-8C69-F86D1A7BF25E}" type="slidenum">
               <a:rPr lang="en-US" smtClean="0"/>
               <a:pPr/>
-              <a:t>17</a:t>
+              <a:t>18</a:t>
             </a:fld>
             <a:endParaRPr lang="en-US"/>
           </a:p>
@@ -8542,7 +8551,7 @@
             <a:fld id="{4E2DDEEE-28A1-46E7-8C69-F86D1A7BF25E}" type="slidenum">
               <a:rPr lang="en-US" smtClean="0"/>
               <a:pPr/>
-              <a:t>18</a:t>
+              <a:t>19</a:t>
             </a:fld>
             <a:endParaRPr lang="en-US"/>
           </a:p>
@@ -8624,7 +8633,7 @@
             <a:fld id="{4E2DDEEE-28A1-46E7-8C69-F86D1A7BF25E}" type="slidenum">
               <a:rPr lang="en-US" smtClean="0"/>
               <a:pPr/>
-              <a:t>19</a:t>
+              <a:t>20</a:t>
             </a:fld>
             <a:endParaRPr lang="en-US"/>
           </a:p>
@@ -8707,6 +8716,170 @@
               <a:rPr lang="en-US" smtClean="0"/>
               <a:pPr/>
               <a:t>2</a:t>
+            </a:fld>
+            <a:endParaRPr lang="en-US"/>
+          </a:p>
+        </p:txBody>
+      </p:sp>
+    </p:spTree>
+  </p:cSld>
+  <p:clrMapOvr>
+    <a:masterClrMapping/>
+  </p:clrMapOvr>
+</p:notes>
+</file>
+
+<file path=ppt/notesSlides/notesSlide20.xml><?xml version="1.0" encoding="utf-8"?>
+<p:notes xmlns:a="http://schemas.openxmlformats.org/drawingml/2006/main" xmlns:r="http://schemas.openxmlformats.org/officeDocument/2006/relationships" xmlns:p="http://schemas.openxmlformats.org/presentationml/2006/main">
+  <p:cSld>
+    <p:spTree>
+      <p:nvGrpSpPr>
+        <p:cNvPr id="1" name=""/>
+        <p:cNvGrpSpPr/>
+        <p:nvPr/>
+      </p:nvGrpSpPr>
+      <p:grpSpPr>
+        <a:xfrm>
+          <a:off x="0" y="0"/>
+          <a:ext cx="0" cy="0"/>
+          <a:chOff x="0" y="0"/>
+          <a:chExt cx="0" cy="0"/>
+        </a:xfrm>
+      </p:grpSpPr>
+      <p:sp>
+        <p:nvSpPr>
+          <p:cNvPr id="2" name="Slide Image Placeholder 1"/>
+          <p:cNvSpPr>
+            <a:spLocks noGrp="1" noRot="1" noChangeAspect="1"/>
+          </p:cNvSpPr>
+          <p:nvPr>
+            <p:ph type="sldImg"/>
+          </p:nvPr>
+        </p:nvSpPr>
+        <p:spPr/>
+      </p:sp>
+      <p:sp>
+        <p:nvSpPr>
+          <p:cNvPr id="3" name="Notes Placeholder 2"/>
+          <p:cNvSpPr>
+            <a:spLocks noGrp="1"/>
+          </p:cNvSpPr>
+          <p:nvPr>
+            <p:ph type="body" idx="1"/>
+          </p:nvPr>
+        </p:nvSpPr>
+        <p:spPr/>
+        <p:txBody>
+          <a:bodyPr>
+            <a:normAutofit/>
+          </a:bodyPr>
+          <a:lstStyle/>
+          <a:p>
+            <a:endParaRPr lang="en-US"/>
+          </a:p>
+        </p:txBody>
+      </p:sp>
+      <p:sp>
+        <p:nvSpPr>
+          <p:cNvPr id="4" name="Slide Number Placeholder 3"/>
+          <p:cNvSpPr>
+            <a:spLocks noGrp="1"/>
+          </p:cNvSpPr>
+          <p:nvPr>
+            <p:ph type="sldNum" sz="quarter" idx="10"/>
+          </p:nvPr>
+        </p:nvSpPr>
+        <p:spPr/>
+        <p:txBody>
+          <a:bodyPr/>
+          <a:lstStyle/>
+          <a:p>
+            <a:fld id="{4E2DDEEE-28A1-46E7-8C69-F86D1A7BF25E}" type="slidenum">
+              <a:rPr lang="en-US" smtClean="0"/>
+              <a:pPr/>
+              <a:t>21</a:t>
+            </a:fld>
+            <a:endParaRPr lang="en-US"/>
+          </a:p>
+        </p:txBody>
+      </p:sp>
+    </p:spTree>
+  </p:cSld>
+  <p:clrMapOvr>
+    <a:masterClrMapping/>
+  </p:clrMapOvr>
+</p:notes>
+</file>
+
+<file path=ppt/notesSlides/notesSlide21.xml><?xml version="1.0" encoding="utf-8"?>
+<p:notes xmlns:a="http://schemas.openxmlformats.org/drawingml/2006/main" xmlns:r="http://schemas.openxmlformats.org/officeDocument/2006/relationships" xmlns:p="http://schemas.openxmlformats.org/presentationml/2006/main">
+  <p:cSld>
+    <p:spTree>
+      <p:nvGrpSpPr>
+        <p:cNvPr id="1" name=""/>
+        <p:cNvGrpSpPr/>
+        <p:nvPr/>
+      </p:nvGrpSpPr>
+      <p:grpSpPr>
+        <a:xfrm>
+          <a:off x="0" y="0"/>
+          <a:ext cx="0" cy="0"/>
+          <a:chOff x="0" y="0"/>
+          <a:chExt cx="0" cy="0"/>
+        </a:xfrm>
+      </p:grpSpPr>
+      <p:sp>
+        <p:nvSpPr>
+          <p:cNvPr id="2" name="Slide Image Placeholder 1"/>
+          <p:cNvSpPr>
+            <a:spLocks noGrp="1" noRot="1" noChangeAspect="1"/>
+          </p:cNvSpPr>
+          <p:nvPr>
+            <p:ph type="sldImg"/>
+          </p:nvPr>
+        </p:nvSpPr>
+        <p:spPr/>
+      </p:sp>
+      <p:sp>
+        <p:nvSpPr>
+          <p:cNvPr id="3" name="Notes Placeholder 2"/>
+          <p:cNvSpPr>
+            <a:spLocks noGrp="1"/>
+          </p:cNvSpPr>
+          <p:nvPr>
+            <p:ph type="body" idx="1"/>
+          </p:nvPr>
+        </p:nvSpPr>
+        <p:spPr/>
+        <p:txBody>
+          <a:bodyPr>
+            <a:normAutofit/>
+          </a:bodyPr>
+          <a:lstStyle/>
+          <a:p>
+            <a:endParaRPr lang="en-US"/>
+          </a:p>
+        </p:txBody>
+      </p:sp>
+      <p:sp>
+        <p:nvSpPr>
+          <p:cNvPr id="4" name="Slide Number Placeholder 3"/>
+          <p:cNvSpPr>
+            <a:spLocks noGrp="1"/>
+          </p:cNvSpPr>
+          <p:nvPr>
+            <p:ph type="sldNum" sz="quarter" idx="10"/>
+          </p:nvPr>
+        </p:nvSpPr>
+        <p:spPr/>
+        <p:txBody>
+          <a:bodyPr/>
+          <a:lstStyle/>
+          <a:p>
+            <a:fld id="{4E2DDEEE-28A1-46E7-8C69-F86D1A7BF25E}" type="slidenum">
+              <a:rPr lang="en-US" smtClean="0"/>
+              <a:pPr/>
+              <a:t>22</a:t>
             </a:fld>
             <a:endParaRPr lang="en-US"/>
           </a:p>
@@ -13193,7 +13366,7 @@
       </p:sp>
       <p:pic>
         <p:nvPicPr>
-          <p:cNvPr id="4" name="Content Placeholder 3" descr="Data_Flow_Diagram.jpg"/>
+          <p:cNvPr id="6" name="Content Placeholder 5" descr="dfd_1.png"/>
           <p:cNvPicPr>
             <a:picLocks noGrp="1" noChangeAspect="1"/>
           </p:cNvPicPr>
@@ -13209,11 +13382,106 @@
         </p:blipFill>
         <p:spPr>
           <a:xfrm>
-            <a:off x="1689779" y="1935163"/>
-            <a:ext cx="5764441" cy="4389437"/>
+            <a:off x="152400" y="2438400"/>
+            <a:ext cx="5242248" cy="3382962"/>
           </a:xfrm>
         </p:spPr>
       </p:pic>
+      <p:sp>
+        <p:nvSpPr>
+          <p:cNvPr id="7" name="TextBox 6"/>
+          <p:cNvSpPr txBox="1"/>
+          <p:nvPr/>
+        </p:nvSpPr>
+        <p:spPr>
+          <a:xfrm>
+            <a:off x="5334000" y="1676400"/>
+            <a:ext cx="3657600" cy="2308324"/>
+          </a:xfrm>
+          <a:prstGeom prst="rect">
+            <a:avLst/>
+          </a:prstGeom>
+          <a:noFill/>
+        </p:spPr>
+        <p:txBody>
+          <a:bodyPr wrap="square" rtlCol="0">
+            <a:spAutoFit/>
+          </a:bodyPr>
+          <a:lstStyle/>
+          <a:p>
+            <a:pPr>
+              <a:buFont typeface="Arial" pitchFamily="34" charset="0"/>
+              <a:buChar char="•"/>
+            </a:pPr>
+            <a:r>
+              <a:rPr lang="en-US" dirty="0" smtClean="0"/>
+              <a:t> </a:t>
+            </a:r>
+            <a:r>
+              <a:rPr lang="en-US" dirty="0" smtClean="0"/>
+              <a:t>Indicates the data flow pertaining to</a:t>
+            </a:r>
+          </a:p>
+          <a:p>
+            <a:pPr lvl="1">
+              <a:buFont typeface="Arial" pitchFamily="34" charset="0"/>
+              <a:buChar char="•"/>
+            </a:pPr>
+            <a:r>
+              <a:rPr lang="en-US" dirty="0" smtClean="0"/>
+              <a:t>Retrieving captions</a:t>
+            </a:r>
+          </a:p>
+          <a:p>
+            <a:pPr lvl="1">
+              <a:buFont typeface="Arial" pitchFamily="34" charset="0"/>
+              <a:buChar char="•"/>
+            </a:pPr>
+            <a:r>
+              <a:rPr lang="en-US" dirty="0" smtClean="0"/>
+              <a:t>Retrieving rollback list</a:t>
+            </a:r>
+          </a:p>
+          <a:p>
+            <a:pPr lvl="1">
+              <a:buFont typeface="Arial" pitchFamily="34" charset="0"/>
+              <a:buChar char="•"/>
+            </a:pPr>
+            <a:r>
+              <a:rPr lang="en-US" dirty="0" smtClean="0"/>
+              <a:t>Preview the captioned video</a:t>
+            </a:r>
+          </a:p>
+          <a:p>
+            <a:pPr lvl="1">
+              <a:buFont typeface="Arial" pitchFamily="34" charset="0"/>
+              <a:buChar char="•"/>
+            </a:pPr>
+            <a:r>
+              <a:rPr lang="en-US" dirty="0" smtClean="0"/>
+              <a:t>Writing the Flash Player on    </a:t>
+            </a:r>
+            <a:br>
+              <a:rPr lang="en-US" dirty="0" smtClean="0"/>
+            </a:br>
+            <a:r>
+              <a:rPr lang="en-US" dirty="0" smtClean="0"/>
+              <a:t>  the Browser (Website)</a:t>
+            </a:r>
+          </a:p>
+          <a:p>
+            <a:pPr lvl="1">
+              <a:buFont typeface="Arial" pitchFamily="34" charset="0"/>
+              <a:buChar char="•"/>
+            </a:pPr>
+            <a:r>
+              <a:rPr lang="en-US" dirty="0" smtClean="0"/>
+              <a:t>Setting the Captions</a:t>
+            </a:r>
+            <a:endParaRPr lang="en-US" dirty="0"/>
+          </a:p>
+        </p:txBody>
+      </p:sp>
     </p:spTree>
   </p:cSld>
   <p:clrMapOvr>
@@ -13263,33 +13531,149 @@
           <a:p>
             <a:r>
               <a:rPr lang="en-US" dirty="0" smtClean="0"/>
-              <a:t>SA: Sequence Diagram</a:t>
+              <a:t>SA: DFD</a:t>
             </a:r>
             <a:endParaRPr lang="en-US" dirty="0"/>
           </a:p>
         </p:txBody>
       </p:sp>
+      <p:sp>
+        <p:nvSpPr>
+          <p:cNvPr id="5" name="TextBox 4"/>
+          <p:cNvSpPr txBox="1"/>
+          <p:nvPr/>
+        </p:nvSpPr>
+        <p:spPr>
+          <a:xfrm>
+            <a:off x="4876800" y="1828800"/>
+            <a:ext cx="4038600" cy="2308324"/>
+          </a:xfrm>
+          <a:prstGeom prst="rect">
+            <a:avLst/>
+          </a:prstGeom>
+          <a:noFill/>
+        </p:spPr>
+        <p:txBody>
+          <a:bodyPr wrap="square" rtlCol="0">
+            <a:spAutoFit/>
+          </a:bodyPr>
+          <a:lstStyle/>
+          <a:p>
+            <a:pPr>
+              <a:buFont typeface="Arial" pitchFamily="34" charset="0"/>
+              <a:buChar char="•"/>
+            </a:pPr>
+            <a:r>
+              <a:rPr lang="en-US" dirty="0" smtClean="0"/>
+              <a:t>Indicates the data flow pertaining to</a:t>
+            </a:r>
+          </a:p>
+          <a:p>
+            <a:pPr lvl="1">
+              <a:buFont typeface="Arial" pitchFamily="34" charset="0"/>
+              <a:buChar char="•"/>
+            </a:pPr>
+            <a:r>
+              <a:rPr lang="en-US" dirty="0" smtClean="0"/>
+              <a:t>Acquiring the lock on the caption</a:t>
+            </a:r>
+          </a:p>
+          <a:p>
+            <a:pPr lvl="1">
+              <a:buFont typeface="Arial" pitchFamily="34" charset="0"/>
+              <a:buChar char="•"/>
+            </a:pPr>
+            <a:r>
+              <a:rPr lang="en-US" dirty="0" smtClean="0"/>
+              <a:t>Releasing the lock on the caption</a:t>
+            </a:r>
+          </a:p>
+          <a:p>
+            <a:pPr lvl="1">
+              <a:buFont typeface="Arial" pitchFamily="34" charset="0"/>
+              <a:buChar char="•"/>
+            </a:pPr>
+            <a:r>
+              <a:rPr lang="en-US" dirty="0" smtClean="0"/>
+              <a:t>Resetting a caption to its previous </a:t>
+            </a:r>
+            <a:br>
+              <a:rPr lang="en-US" dirty="0" smtClean="0"/>
+            </a:br>
+            <a:r>
+              <a:rPr lang="en-US" dirty="0" smtClean="0"/>
+              <a:t>  version.</a:t>
+            </a:r>
+          </a:p>
+          <a:p>
+            <a:pPr lvl="1">
+              <a:buFont typeface="Arial" pitchFamily="34" charset="0"/>
+              <a:buChar char="•"/>
+            </a:pPr>
+            <a:r>
+              <a:rPr lang="en-US" dirty="0" smtClean="0"/>
+              <a:t>Retrieving a version of the </a:t>
+            </a:r>
+            <a:br>
+              <a:rPr lang="en-US" dirty="0" smtClean="0"/>
+            </a:br>
+            <a:r>
+              <a:rPr lang="en-US" dirty="0" smtClean="0"/>
+              <a:t>  caption</a:t>
+            </a:r>
+          </a:p>
+          <a:p>
+            <a:pPr lvl="1">
+              <a:buFont typeface="Arial" pitchFamily="34" charset="0"/>
+              <a:buChar char="•"/>
+            </a:pPr>
+            <a:endParaRPr lang="en-US" dirty="0"/>
+          </a:p>
+        </p:txBody>
+      </p:sp>
+      <p:sp>
+        <p:nvSpPr>
+          <p:cNvPr id="6" name="Content Placeholder 5"/>
+          <p:cNvSpPr>
+            <a:spLocks noGrp="1"/>
+          </p:cNvSpPr>
+          <p:nvPr>
+            <p:ph idx="1"/>
+          </p:nvPr>
+        </p:nvSpPr>
+        <p:spPr/>
+        <p:txBody>
+          <a:bodyPr/>
+          <a:lstStyle/>
+          <a:p>
+            <a:endParaRPr lang="en-US" dirty="0"/>
+          </a:p>
+        </p:txBody>
+      </p:sp>
       <p:pic>
         <p:nvPicPr>
-          <p:cNvPr id="4" name="Content Placeholder 3" descr="sequencediagram_1.PNG"/>
+          <p:cNvPr id="1026" name="Picture 2" descr="C:\Documents and Settings\Chaitanya.THEDYOOD.001\Desktop\dfd_2.PNG"/>
           <p:cNvPicPr>
-            <a:picLocks noGrp="1" noChangeAspect="1"/>
+            <a:picLocks noChangeAspect="1" noChangeArrowheads="1"/>
           </p:cNvPicPr>
-          <p:nvPr>
-            <p:ph idx="1"/>
-          </p:nvPr>
+          <p:nvPr/>
         </p:nvPicPr>
         <p:blipFill>
-          <a:blip r:embed="rId3"/>
+          <a:blip r:embed="rId2"/>
+          <a:srcRect/>
           <a:stretch>
             <a:fillRect/>
           </a:stretch>
         </p:blipFill>
-        <p:spPr>
+        <p:spPr bwMode="auto">
           <a:xfrm>
-            <a:off x="1639200" y="1935163"/>
-            <a:ext cx="5865600" cy="4389437"/>
+            <a:off x="609600" y="2667000"/>
+            <a:ext cx="4572000" cy="3321424"/>
           </a:xfrm>
+          <a:prstGeom prst="rect">
+            <a:avLst/>
+          </a:prstGeom>
+          <a:noFill/>
         </p:spPr>
       </p:pic>
     </p:spTree>
@@ -13297,13 +13681,6 @@
   <p:clrMapOvr>
     <a:masterClrMapping/>
   </p:clrMapOvr>
-  <p:timing>
-    <p:tnLst>
-      <p:par>
-        <p:cTn id="1" dur="indefinite" restart="never" nodeType="tmRoot"/>
-      </p:par>
-    </p:tnLst>
-  </p:timing>
 </p:sld>
 </file>
 
@@ -13341,28 +13718,131 @@
           <a:p>
             <a:r>
               <a:rPr lang="en-US" dirty="0" smtClean="0"/>
-              <a:t>Requirements Document</a:t>
+              <a:t>SA: Sequence Diagram</a:t>
             </a:r>
             <a:endParaRPr lang="en-US" dirty="0"/>
           </a:p>
         </p:txBody>
       </p:sp>
-      <p:graphicFrame>
-        <p:nvGraphicFramePr>
-          <p:cNvPr id="4" name="Diagram 3"/>
-          <p:cNvGraphicFramePr/>
+      <p:sp>
+        <p:nvSpPr>
+          <p:cNvPr id="5" name="Content Placeholder 4"/>
+          <p:cNvSpPr>
+            <a:spLocks noGrp="1"/>
+          </p:cNvSpPr>
+          <p:nvPr>
+            <p:ph idx="1"/>
+          </p:nvPr>
+        </p:nvSpPr>
+        <p:spPr/>
+        <p:txBody>
+          <a:bodyPr/>
+          <a:lstStyle/>
+          <a:p>
+            <a:endParaRPr lang="en-US" dirty="0"/>
+          </a:p>
+        </p:txBody>
+      </p:sp>
+      <p:pic>
+        <p:nvPicPr>
+          <p:cNvPr id="2050" name="Picture 2" descr="C:\Documents and Settings\Chaitanya.THEDYOOD.001\Desktop\sequencediagram_1.PNG"/>
+          <p:cNvPicPr>
+            <a:picLocks noChangeAspect="1" noChangeArrowheads="1"/>
+          </p:cNvPicPr>
           <p:nvPr/>
-        </p:nvGraphicFramePr>
-        <p:xfrm>
-          <a:off x="304800" y="1676400"/>
-          <a:ext cx="8305800" cy="5029200"/>
-        </p:xfrm>
-        <a:graphic>
-          <a:graphicData uri="http://schemas.openxmlformats.org/drawingml/2006/diagram">
-            <dgm:relIds xmlns:dgm="http://schemas.openxmlformats.org/drawingml/2006/diagram" xmlns:r="http://schemas.openxmlformats.org/officeDocument/2006/relationships" r:dm="rId3" r:lo="rId4" r:qs="rId5" r:cs="rId6"/>
-          </a:graphicData>
-        </a:graphic>
-      </p:graphicFrame>
+        </p:nvPicPr>
+        <p:blipFill>
+          <a:blip r:embed="rId3"/>
+          <a:srcRect/>
+          <a:stretch>
+            <a:fillRect/>
+          </a:stretch>
+        </p:blipFill>
+        <p:spPr bwMode="auto">
+          <a:xfrm>
+            <a:off x="472441" y="1904999"/>
+            <a:ext cx="5394959" cy="4419602"/>
+          </a:xfrm>
+          <a:prstGeom prst="rect">
+            <a:avLst/>
+          </a:prstGeom>
+          <a:noFill/>
+        </p:spPr>
+      </p:pic>
+      <p:sp>
+        <p:nvSpPr>
+          <p:cNvPr id="7" name="TextBox 6"/>
+          <p:cNvSpPr txBox="1"/>
+          <p:nvPr/>
+        </p:nvSpPr>
+        <p:spPr>
+          <a:xfrm>
+            <a:off x="5943600" y="1981200"/>
+            <a:ext cx="2667000" cy="2585323"/>
+          </a:xfrm>
+          <a:prstGeom prst="rect">
+            <a:avLst/>
+          </a:prstGeom>
+          <a:noFill/>
+        </p:spPr>
+        <p:txBody>
+          <a:bodyPr wrap="square" rtlCol="0">
+            <a:spAutoFit/>
+          </a:bodyPr>
+          <a:lstStyle/>
+          <a:p>
+            <a:pPr>
+              <a:buFont typeface="Arial" pitchFamily="34" charset="0"/>
+              <a:buChar char="•"/>
+            </a:pPr>
+            <a:r>
+              <a:rPr lang="en-US" dirty="0" smtClean="0"/>
+              <a:t> Get captions for a video.</a:t>
+            </a:r>
+          </a:p>
+          <a:p>
+            <a:pPr>
+              <a:buFont typeface="Arial" pitchFamily="34" charset="0"/>
+              <a:buChar char="•"/>
+            </a:pPr>
+            <a:endParaRPr lang="en-US" dirty="0" smtClean="0"/>
+          </a:p>
+          <a:p>
+            <a:pPr>
+              <a:buFont typeface="Arial" pitchFamily="34" charset="0"/>
+              <a:buChar char="•"/>
+            </a:pPr>
+            <a:r>
+              <a:rPr lang="en-US" dirty="0" smtClean="0"/>
+              <a:t> Write the Flash player on the website and play the video.</a:t>
+            </a:r>
+          </a:p>
+          <a:p>
+            <a:pPr>
+              <a:buFont typeface="Arial" pitchFamily="34" charset="0"/>
+              <a:buChar char="•"/>
+            </a:pPr>
+            <a:endParaRPr lang="en-US" dirty="0" smtClean="0"/>
+          </a:p>
+          <a:p>
+            <a:pPr>
+              <a:buFont typeface="Arial" pitchFamily="34" charset="0"/>
+              <a:buChar char="•"/>
+            </a:pPr>
+            <a:r>
+              <a:rPr lang="en-US" dirty="0" smtClean="0"/>
+              <a:t>Save the caption.</a:t>
+            </a:r>
+          </a:p>
+          <a:p>
+            <a:pPr>
+              <a:buFont typeface="Arial" pitchFamily="34" charset="0"/>
+              <a:buChar char="•"/>
+            </a:pPr>
+            <a:endParaRPr lang="en-US" dirty="0"/>
+          </a:p>
+        </p:txBody>
+      </p:sp>
     </p:spTree>
   </p:cSld>
   <p:clrMapOvr>
@@ -13412,28 +13892,133 @@
           <a:p>
             <a:r>
               <a:rPr lang="en-US" dirty="0" smtClean="0"/>
-              <a:t>Requirements Document</a:t>
+              <a:t>SA: Sequence Diagram</a:t>
             </a:r>
             <a:endParaRPr lang="en-US" dirty="0"/>
           </a:p>
         </p:txBody>
       </p:sp>
-      <p:graphicFrame>
-        <p:nvGraphicFramePr>
-          <p:cNvPr id="4" name="Diagram 3"/>
-          <p:cNvGraphicFramePr/>
+      <p:sp>
+        <p:nvSpPr>
+          <p:cNvPr id="5" name="Content Placeholder 4"/>
+          <p:cNvSpPr>
+            <a:spLocks noGrp="1"/>
+          </p:cNvSpPr>
+          <p:nvPr>
+            <p:ph idx="1"/>
+          </p:nvPr>
+        </p:nvSpPr>
+        <p:spPr/>
+        <p:txBody>
+          <a:bodyPr/>
+          <a:lstStyle/>
+          <a:p>
+            <a:endParaRPr lang="en-US" dirty="0"/>
+          </a:p>
+        </p:txBody>
+      </p:sp>
+      <p:pic>
+        <p:nvPicPr>
+          <p:cNvPr id="3074" name="Picture 2" descr="C:\Documents and Settings\Chaitanya.THEDYOOD.001\Desktop\sequencediagram_2.png"/>
+          <p:cNvPicPr>
+            <a:picLocks noChangeAspect="1" noChangeArrowheads="1"/>
+          </p:cNvPicPr>
           <p:nvPr/>
-        </p:nvGraphicFramePr>
-        <p:xfrm>
-          <a:off x="533400" y="2057400"/>
-          <a:ext cx="7924800" cy="4038600"/>
-        </p:xfrm>
-        <a:graphic>
-          <a:graphicData uri="http://schemas.openxmlformats.org/drawingml/2006/diagram">
-            <dgm:relIds xmlns:dgm="http://schemas.openxmlformats.org/drawingml/2006/diagram" xmlns:r="http://schemas.openxmlformats.org/officeDocument/2006/relationships" r:dm="rId3" r:lo="rId4" r:qs="rId5" r:cs="rId6"/>
-          </a:graphicData>
-        </a:graphic>
-      </p:graphicFrame>
+        </p:nvPicPr>
+        <p:blipFill>
+          <a:blip r:embed="rId3"/>
+          <a:srcRect/>
+          <a:stretch>
+            <a:fillRect/>
+          </a:stretch>
+        </p:blipFill>
+        <p:spPr bwMode="auto">
+          <a:xfrm>
+            <a:off x="457200" y="1918065"/>
+            <a:ext cx="4957220" cy="4419598"/>
+          </a:xfrm>
+          <a:prstGeom prst="rect">
+            <a:avLst/>
+          </a:prstGeom>
+          <a:noFill/>
+        </p:spPr>
+      </p:pic>
+      <p:sp>
+        <p:nvSpPr>
+          <p:cNvPr id="6" name="TextBox 5"/>
+          <p:cNvSpPr txBox="1"/>
+          <p:nvPr/>
+        </p:nvSpPr>
+        <p:spPr>
+          <a:xfrm>
+            <a:off x="5486400" y="1981200"/>
+            <a:ext cx="3048000" cy="2031325"/>
+          </a:xfrm>
+          <a:prstGeom prst="rect">
+            <a:avLst/>
+          </a:prstGeom>
+          <a:noFill/>
+        </p:spPr>
+        <p:txBody>
+          <a:bodyPr wrap="square" rtlCol="0">
+            <a:spAutoFit/>
+          </a:bodyPr>
+          <a:lstStyle/>
+          <a:p>
+            <a:pPr>
+              <a:buFont typeface="Arial" pitchFamily="34" charset="0"/>
+              <a:buChar char="•"/>
+            </a:pPr>
+            <a:r>
+              <a:rPr lang="en-US" dirty="0" smtClean="0"/>
+              <a:t> Get Rollback list for a caption.</a:t>
+            </a:r>
+          </a:p>
+          <a:p>
+            <a:pPr>
+              <a:buFont typeface="Arial" pitchFamily="34" charset="0"/>
+              <a:buChar char="•"/>
+            </a:pPr>
+            <a:r>
+              <a:rPr lang="en-US" dirty="0" smtClean="0"/>
+              <a:t> </a:t>
+            </a:r>
+            <a:r>
+              <a:rPr lang="en-US" dirty="0" smtClean="0"/>
+              <a:t>Reset a caption to a previous version (</a:t>
+            </a:r>
+            <a:r>
+              <a:rPr lang="en-US" dirty="0" err="1" smtClean="0"/>
+              <a:t>UseVersion</a:t>
+            </a:r>
+            <a:r>
+              <a:rPr lang="en-US" dirty="0" smtClean="0"/>
+              <a:t>)</a:t>
+            </a:r>
+          </a:p>
+          <a:p>
+            <a:pPr>
+              <a:buFont typeface="Arial" pitchFamily="34" charset="0"/>
+              <a:buChar char="•"/>
+            </a:pPr>
+            <a:r>
+              <a:rPr lang="en-US" dirty="0" smtClean="0"/>
+              <a:t>Acquire Lock on a caption</a:t>
+            </a:r>
+          </a:p>
+          <a:p>
+            <a:pPr>
+              <a:buFont typeface="Arial" pitchFamily="34" charset="0"/>
+              <a:buChar char="•"/>
+            </a:pPr>
+            <a:r>
+              <a:rPr lang="en-US" dirty="0" smtClean="0"/>
+              <a:t>Release Lock on a caption</a:t>
+            </a:r>
+            <a:endParaRPr lang="en-US" dirty="0"/>
+          </a:p>
+        </p:txBody>
+      </p:sp>
     </p:spTree>
   </p:cSld>
   <p:clrMapOvr>
@@ -13476,19 +14061,14 @@
             <p:ph type="title"/>
           </p:nvPr>
         </p:nvSpPr>
-        <p:spPr>
-          <a:xfrm>
-            <a:off x="304800" y="457200"/>
-            <a:ext cx="8229600" cy="1143000"/>
-          </a:xfrm>
-        </p:spPr>
+        <p:spPr/>
         <p:txBody>
           <a:bodyPr/>
           <a:lstStyle/>
           <a:p>
             <a:r>
               <a:rPr lang="en-US" dirty="0" smtClean="0"/>
-              <a:t>User Interface</a:t>
+              <a:t>SA: Sequence Diagram</a:t>
             </a:r>
             <a:endParaRPr lang="en-US" dirty="0"/>
           </a:p>
@@ -13496,27 +14076,81 @@
       </p:sp>
       <p:pic>
         <p:nvPicPr>
-          <p:cNvPr id="4" name="Content Placeholder 3" descr="mockupNoCaptions.jpg"/>
+          <p:cNvPr id="4098" name="Picture 2" descr="C:\Documents and Settings\Chaitanya.THEDYOOD.001\Desktop\sequencediagram.PNG"/>
           <p:cNvPicPr>
-            <a:picLocks noGrp="1" noChangeAspect="1"/>
+            <a:picLocks noChangeAspect="1" noChangeArrowheads="1"/>
           </p:cNvPicPr>
-          <p:nvPr>
-            <p:ph idx="1"/>
-          </p:nvPr>
+          <p:nvPr/>
         </p:nvPicPr>
         <p:blipFill>
           <a:blip r:embed="rId3"/>
+          <a:srcRect/>
           <a:stretch>
             <a:fillRect/>
           </a:stretch>
         </p:blipFill>
+        <p:spPr bwMode="auto">
+          <a:xfrm>
+            <a:off x="457200" y="1909910"/>
+            <a:ext cx="5657850" cy="4414690"/>
+          </a:xfrm>
+          <a:prstGeom prst="rect">
+            <a:avLst/>
+          </a:prstGeom>
+          <a:noFill/>
+        </p:spPr>
+      </p:pic>
+      <p:sp>
+        <p:nvSpPr>
+          <p:cNvPr id="6" name="TextBox 5"/>
+          <p:cNvSpPr txBox="1"/>
+          <p:nvPr/>
+        </p:nvSpPr>
         <p:spPr>
           <a:xfrm>
-            <a:off x="990600" y="1600200"/>
-            <a:ext cx="6781800" cy="5068943"/>
+            <a:off x="6400800" y="1905000"/>
+            <a:ext cx="2514600" cy="1477328"/>
           </a:xfrm>
+          <a:prstGeom prst="rect">
+            <a:avLst/>
+          </a:prstGeom>
+          <a:noFill/>
         </p:spPr>
-      </p:pic>
+        <p:txBody>
+          <a:bodyPr wrap="square" rtlCol="0">
+            <a:spAutoFit/>
+          </a:bodyPr>
+          <a:lstStyle/>
+          <a:p>
+            <a:pPr>
+              <a:buFont typeface="Arial" pitchFamily="34" charset="0"/>
+              <a:buChar char="•"/>
+            </a:pPr>
+            <a:r>
+              <a:rPr lang="en-US" dirty="0" smtClean="0"/>
+              <a:t> Get previous version of  a caption</a:t>
+            </a:r>
+          </a:p>
+          <a:p>
+            <a:pPr>
+              <a:buFont typeface="Arial" pitchFamily="34" charset="0"/>
+              <a:buChar char="•"/>
+            </a:pPr>
+            <a:endParaRPr lang="en-US" dirty="0" smtClean="0"/>
+          </a:p>
+          <a:p>
+            <a:pPr>
+              <a:buFont typeface="Arial" pitchFamily="34" charset="0"/>
+              <a:buChar char="•"/>
+            </a:pPr>
+            <a:r>
+              <a:rPr lang="en-US" dirty="0" smtClean="0"/>
+              <a:t>Preview Video after captioning.</a:t>
+            </a:r>
+            <a:endParaRPr lang="en-US" dirty="0"/>
+          </a:p>
+        </p:txBody>
+      </p:sp>
     </p:spTree>
   </p:cSld>
   <p:clrMapOvr>
@@ -13549,6 +14183,231 @@
           <a:chExt cx="0" cy="0"/>
         </a:xfrm>
       </p:grpSpPr>
+      <p:sp>
+        <p:nvSpPr>
+          <p:cNvPr id="2" name="Title 1"/>
+          <p:cNvSpPr>
+            <a:spLocks noGrp="1"/>
+          </p:cNvSpPr>
+          <p:nvPr>
+            <p:ph type="title"/>
+          </p:nvPr>
+        </p:nvSpPr>
+        <p:spPr/>
+        <p:txBody>
+          <a:bodyPr/>
+          <a:lstStyle/>
+          <a:p>
+            <a:r>
+              <a:rPr lang="en-US" dirty="0" smtClean="0"/>
+              <a:t>Requirements Document</a:t>
+            </a:r>
+            <a:endParaRPr lang="en-US" dirty="0"/>
+          </a:p>
+        </p:txBody>
+      </p:sp>
+      <p:graphicFrame>
+        <p:nvGraphicFramePr>
+          <p:cNvPr id="4" name="Diagram 3"/>
+          <p:cNvGraphicFramePr/>
+          <p:nvPr/>
+        </p:nvGraphicFramePr>
+        <p:xfrm>
+          <a:off x="304800" y="1676400"/>
+          <a:ext cx="8305800" cy="5029200"/>
+        </p:xfrm>
+        <a:graphic>
+          <a:graphicData uri="http://schemas.openxmlformats.org/drawingml/2006/diagram">
+            <dgm:relIds xmlns:dgm="http://schemas.openxmlformats.org/drawingml/2006/diagram" xmlns:r="http://schemas.openxmlformats.org/officeDocument/2006/relationships" r:dm="rId3" r:lo="rId4" r:qs="rId5" r:cs="rId6"/>
+          </a:graphicData>
+        </a:graphic>
+      </p:graphicFrame>
+    </p:spTree>
+  </p:cSld>
+  <p:clrMapOvr>
+    <a:masterClrMapping/>
+  </p:clrMapOvr>
+  <p:timing>
+    <p:tnLst>
+      <p:par>
+        <p:cTn id="1" dur="indefinite" restart="never" nodeType="tmRoot"/>
+      </p:par>
+    </p:tnLst>
+  </p:timing>
+</p:sld>
+</file>
+
+<file path=ppt/slides/slide16.xml><?xml version="1.0" encoding="utf-8"?>
+<p:sld xmlns:a="http://schemas.openxmlformats.org/drawingml/2006/main" xmlns:r="http://schemas.openxmlformats.org/officeDocument/2006/relationships" xmlns:p="http://schemas.openxmlformats.org/presentationml/2006/main">
+  <p:cSld>
+    <p:spTree>
+      <p:nvGrpSpPr>
+        <p:cNvPr id="1" name=""/>
+        <p:cNvGrpSpPr/>
+        <p:nvPr/>
+      </p:nvGrpSpPr>
+      <p:grpSpPr>
+        <a:xfrm>
+          <a:off x="0" y="0"/>
+          <a:ext cx="0" cy="0"/>
+          <a:chOff x="0" y="0"/>
+          <a:chExt cx="0" cy="0"/>
+        </a:xfrm>
+      </p:grpSpPr>
+      <p:sp>
+        <p:nvSpPr>
+          <p:cNvPr id="2" name="Title 1"/>
+          <p:cNvSpPr>
+            <a:spLocks noGrp="1"/>
+          </p:cNvSpPr>
+          <p:nvPr>
+            <p:ph type="title"/>
+          </p:nvPr>
+        </p:nvSpPr>
+        <p:spPr/>
+        <p:txBody>
+          <a:bodyPr/>
+          <a:lstStyle/>
+          <a:p>
+            <a:r>
+              <a:rPr lang="en-US" dirty="0" smtClean="0"/>
+              <a:t>Requirements Document</a:t>
+            </a:r>
+            <a:endParaRPr lang="en-US" dirty="0"/>
+          </a:p>
+        </p:txBody>
+      </p:sp>
+      <p:graphicFrame>
+        <p:nvGraphicFramePr>
+          <p:cNvPr id="4" name="Diagram 3"/>
+          <p:cNvGraphicFramePr/>
+          <p:nvPr/>
+        </p:nvGraphicFramePr>
+        <p:xfrm>
+          <a:off x="533400" y="2057400"/>
+          <a:ext cx="7924800" cy="4038600"/>
+        </p:xfrm>
+        <a:graphic>
+          <a:graphicData uri="http://schemas.openxmlformats.org/drawingml/2006/diagram">
+            <dgm:relIds xmlns:dgm="http://schemas.openxmlformats.org/drawingml/2006/diagram" xmlns:r="http://schemas.openxmlformats.org/officeDocument/2006/relationships" r:dm="rId3" r:lo="rId4" r:qs="rId5" r:cs="rId6"/>
+          </a:graphicData>
+        </a:graphic>
+      </p:graphicFrame>
+    </p:spTree>
+  </p:cSld>
+  <p:clrMapOvr>
+    <a:masterClrMapping/>
+  </p:clrMapOvr>
+  <p:timing>
+    <p:tnLst>
+      <p:par>
+        <p:cTn id="1" dur="indefinite" restart="never" nodeType="tmRoot"/>
+      </p:par>
+    </p:tnLst>
+  </p:timing>
+</p:sld>
+</file>
+
+<file path=ppt/slides/slide17.xml><?xml version="1.0" encoding="utf-8"?>
+<p:sld xmlns:a="http://schemas.openxmlformats.org/drawingml/2006/main" xmlns:r="http://schemas.openxmlformats.org/officeDocument/2006/relationships" xmlns:p="http://schemas.openxmlformats.org/presentationml/2006/main">
+  <p:cSld>
+    <p:spTree>
+      <p:nvGrpSpPr>
+        <p:cNvPr id="1" name=""/>
+        <p:cNvGrpSpPr/>
+        <p:nvPr/>
+      </p:nvGrpSpPr>
+      <p:grpSpPr>
+        <a:xfrm>
+          <a:off x="0" y="0"/>
+          <a:ext cx="0" cy="0"/>
+          <a:chOff x="0" y="0"/>
+          <a:chExt cx="0" cy="0"/>
+        </a:xfrm>
+      </p:grpSpPr>
+      <p:sp>
+        <p:nvSpPr>
+          <p:cNvPr id="2" name="Title 1"/>
+          <p:cNvSpPr>
+            <a:spLocks noGrp="1"/>
+          </p:cNvSpPr>
+          <p:nvPr>
+            <p:ph type="title"/>
+          </p:nvPr>
+        </p:nvSpPr>
+        <p:spPr>
+          <a:xfrm>
+            <a:off x="304800" y="457200"/>
+            <a:ext cx="8229600" cy="1143000"/>
+          </a:xfrm>
+        </p:spPr>
+        <p:txBody>
+          <a:bodyPr/>
+          <a:lstStyle/>
+          <a:p>
+            <a:r>
+              <a:rPr lang="en-US" dirty="0" smtClean="0"/>
+              <a:t>User Interface</a:t>
+            </a:r>
+            <a:endParaRPr lang="en-US" dirty="0"/>
+          </a:p>
+        </p:txBody>
+      </p:sp>
+      <p:pic>
+        <p:nvPicPr>
+          <p:cNvPr id="4" name="Content Placeholder 3" descr="mockupNoCaptions.jpg"/>
+          <p:cNvPicPr>
+            <a:picLocks noGrp="1" noChangeAspect="1"/>
+          </p:cNvPicPr>
+          <p:nvPr>
+            <p:ph idx="1"/>
+          </p:nvPr>
+        </p:nvPicPr>
+        <p:blipFill>
+          <a:blip r:embed="rId3"/>
+          <a:stretch>
+            <a:fillRect/>
+          </a:stretch>
+        </p:blipFill>
+        <p:spPr>
+          <a:xfrm>
+            <a:off x="990600" y="1600200"/>
+            <a:ext cx="6781800" cy="5068943"/>
+          </a:xfrm>
+        </p:spPr>
+      </p:pic>
+    </p:spTree>
+  </p:cSld>
+  <p:clrMapOvr>
+    <a:masterClrMapping/>
+  </p:clrMapOvr>
+  <p:timing>
+    <p:tnLst>
+      <p:par>
+        <p:cTn id="1" dur="indefinite" restart="never" nodeType="tmRoot"/>
+      </p:par>
+    </p:tnLst>
+  </p:timing>
+</p:sld>
+</file>
+
+<file path=ppt/slides/slide18.xml><?xml version="1.0" encoding="utf-8"?>
+<p:sld xmlns:a="http://schemas.openxmlformats.org/drawingml/2006/main" xmlns:r="http://schemas.openxmlformats.org/officeDocument/2006/relationships" xmlns:p="http://schemas.openxmlformats.org/presentationml/2006/main">
+  <p:cSld>
+    <p:spTree>
+      <p:nvGrpSpPr>
+        <p:cNvPr id="1" name=""/>
+        <p:cNvGrpSpPr/>
+        <p:nvPr/>
+      </p:nvGrpSpPr>
+      <p:grpSpPr>
+        <a:xfrm>
+          <a:off x="0" y="0"/>
+          <a:ext cx="0" cy="0"/>
+          <a:chOff x="0" y="0"/>
+          <a:chExt cx="0" cy="0"/>
+        </a:xfrm>
+      </p:grpSpPr>
       <p:pic>
         <p:nvPicPr>
           <p:cNvPr id="4" name="Content Placeholder 3" descr="mockupWithCaptions.jpg"/>
@@ -13580,7 +14439,7 @@
 </p:sld>
 </file>
 
-<file path=ppt/slides/slide16.xml><?xml version="1.0" encoding="utf-8"?>
+<file path=ppt/slides/slide19.xml><?xml version="1.0" encoding="utf-8"?>
 <p:sld xmlns:a="http://schemas.openxmlformats.org/drawingml/2006/main" xmlns:r="http://schemas.openxmlformats.org/officeDocument/2006/relationships" xmlns:p="http://schemas.openxmlformats.org/presentationml/2006/main">
   <p:cSld>
     <p:spTree>
@@ -13628,7 +14487,82 @@
 </p:sld>
 </file>
 
-<file path=ppt/slides/slide17.xml><?xml version="1.0" encoding="utf-8"?>
+<file path=ppt/slides/slide2.xml><?xml version="1.0" encoding="utf-8"?>
+<p:sld xmlns:a="http://schemas.openxmlformats.org/drawingml/2006/main" xmlns:r="http://schemas.openxmlformats.org/officeDocument/2006/relationships" xmlns:p="http://schemas.openxmlformats.org/presentationml/2006/main">
+  <p:cSld>
+    <p:spTree>
+      <p:nvGrpSpPr>
+        <p:cNvPr id="1" name=""/>
+        <p:cNvGrpSpPr/>
+        <p:nvPr/>
+      </p:nvGrpSpPr>
+      <p:grpSpPr>
+        <a:xfrm>
+          <a:off x="0" y="0"/>
+          <a:ext cx="0" cy="0"/>
+          <a:chOff x="0" y="0"/>
+          <a:chExt cx="0" cy="0"/>
+        </a:xfrm>
+      </p:grpSpPr>
+      <p:sp>
+        <p:nvSpPr>
+          <p:cNvPr id="2" name="Title 1"/>
+          <p:cNvSpPr>
+            <a:spLocks noGrp="1"/>
+          </p:cNvSpPr>
+          <p:nvPr>
+            <p:ph type="title"/>
+          </p:nvPr>
+        </p:nvSpPr>
+        <p:spPr/>
+        <p:txBody>
+          <a:bodyPr/>
+          <a:lstStyle/>
+          <a:p>
+            <a:r>
+              <a:rPr lang="en-US" dirty="0" smtClean="0"/>
+              <a:t>Team CC</a:t>
+            </a:r>
+            <a:endParaRPr lang="en-US" dirty="0"/>
+          </a:p>
+        </p:txBody>
+      </p:sp>
+      <p:graphicFrame>
+        <p:nvGraphicFramePr>
+          <p:cNvPr id="4" name="Content Placeholder 3"/>
+          <p:cNvGraphicFramePr>
+            <a:graphicFrameLocks noGrp="1"/>
+          </p:cNvGraphicFramePr>
+          <p:nvPr>
+            <p:ph idx="1"/>
+          </p:nvPr>
+        </p:nvGraphicFramePr>
+        <p:xfrm>
+          <a:off x="457200" y="1935163"/>
+          <a:ext cx="8229600" cy="4389437"/>
+        </p:xfrm>
+        <a:graphic>
+          <a:graphicData uri="http://schemas.openxmlformats.org/drawingml/2006/diagram">
+            <dgm:relIds xmlns:dgm="http://schemas.openxmlformats.org/drawingml/2006/diagram" xmlns:r="http://schemas.openxmlformats.org/officeDocument/2006/relationships" r:dm="rId3" r:lo="rId4" r:qs="rId5" r:cs="rId6"/>
+          </a:graphicData>
+        </a:graphic>
+      </p:graphicFrame>
+    </p:spTree>
+  </p:cSld>
+  <p:clrMapOvr>
+    <a:masterClrMapping/>
+  </p:clrMapOvr>
+  <p:timing>
+    <p:tnLst>
+      <p:par>
+        <p:cTn id="1" dur="indefinite" restart="never" nodeType="tmRoot"/>
+      </p:par>
+    </p:tnLst>
+  </p:timing>
+</p:sld>
+</file>
+
+<file path=ppt/slides/slide20.xml><?xml version="1.0" encoding="utf-8"?>
 <p:sld xmlns:a="http://schemas.openxmlformats.org/drawingml/2006/main" xmlns:r="http://schemas.openxmlformats.org/officeDocument/2006/relationships" xmlns:p="http://schemas.openxmlformats.org/presentationml/2006/main">
   <p:cSld>
     <p:spTree>
@@ -13676,7 +14610,7 @@
 </p:sld>
 </file>
 
-<file path=ppt/slides/slide18.xml><?xml version="1.0" encoding="utf-8"?>
+<file path=ppt/slides/slide21.xml><?xml version="1.0" encoding="utf-8"?>
 <p:sld xmlns:a="http://schemas.openxmlformats.org/drawingml/2006/main" xmlns:r="http://schemas.openxmlformats.org/officeDocument/2006/relationships" xmlns:p="http://schemas.openxmlformats.org/presentationml/2006/main">
   <p:cSld>
     <p:spTree>
@@ -13791,7 +14725,11 @@
             <a:pPr lvl="1"/>
             <a:r>
               <a:rPr lang="en-US" dirty="0" smtClean="0"/>
-              <a:t>FLV player - </a:t>
+              <a:t>Flash </a:t>
+            </a:r>
+            <a:r>
+              <a:rPr lang="en-US" dirty="0" smtClean="0"/>
+              <a:t>player - </a:t>
             </a:r>
             <a:r>
               <a:rPr lang="en-US" i="1" dirty="0" smtClean="0"/>
@@ -13842,7 +14780,7 @@
 </p:sld>
 </file>
 
-<file path=ppt/slides/slide19.xml><?xml version="1.0" encoding="utf-8"?>
+<file path=ppt/slides/slide22.xml><?xml version="1.0" encoding="utf-8"?>
 <p:sld xmlns:a="http://schemas.openxmlformats.org/drawingml/2006/main" xmlns:r="http://schemas.openxmlformats.org/officeDocument/2006/relationships" xmlns:p="http://schemas.openxmlformats.org/presentationml/2006/main">
   <p:cSld>
     <p:spTree>
@@ -13946,81 +14884,6 @@
           </a:sp3d>
         </p:spPr>
       </p:pic>
-    </p:spTree>
-  </p:cSld>
-  <p:clrMapOvr>
-    <a:masterClrMapping/>
-  </p:clrMapOvr>
-  <p:timing>
-    <p:tnLst>
-      <p:par>
-        <p:cTn id="1" dur="indefinite" restart="never" nodeType="tmRoot"/>
-      </p:par>
-    </p:tnLst>
-  </p:timing>
-</p:sld>
-</file>
-
-<file path=ppt/slides/slide2.xml><?xml version="1.0" encoding="utf-8"?>
-<p:sld xmlns:a="http://schemas.openxmlformats.org/drawingml/2006/main" xmlns:r="http://schemas.openxmlformats.org/officeDocument/2006/relationships" xmlns:p="http://schemas.openxmlformats.org/presentationml/2006/main">
-  <p:cSld>
-    <p:spTree>
-      <p:nvGrpSpPr>
-        <p:cNvPr id="1" name=""/>
-        <p:cNvGrpSpPr/>
-        <p:nvPr/>
-      </p:nvGrpSpPr>
-      <p:grpSpPr>
-        <a:xfrm>
-          <a:off x="0" y="0"/>
-          <a:ext cx="0" cy="0"/>
-          <a:chOff x="0" y="0"/>
-          <a:chExt cx="0" cy="0"/>
-        </a:xfrm>
-      </p:grpSpPr>
-      <p:sp>
-        <p:nvSpPr>
-          <p:cNvPr id="2" name="Title 1"/>
-          <p:cNvSpPr>
-            <a:spLocks noGrp="1"/>
-          </p:cNvSpPr>
-          <p:nvPr>
-            <p:ph type="title"/>
-          </p:nvPr>
-        </p:nvSpPr>
-        <p:spPr/>
-        <p:txBody>
-          <a:bodyPr/>
-          <a:lstStyle/>
-          <a:p>
-            <a:r>
-              <a:rPr lang="en-US" dirty="0" smtClean="0"/>
-              <a:t>Team CC</a:t>
-            </a:r>
-            <a:endParaRPr lang="en-US" dirty="0"/>
-          </a:p>
-        </p:txBody>
-      </p:sp>
-      <p:graphicFrame>
-        <p:nvGraphicFramePr>
-          <p:cNvPr id="4" name="Content Placeholder 3"/>
-          <p:cNvGraphicFramePr>
-            <a:graphicFrameLocks noGrp="1"/>
-          </p:cNvGraphicFramePr>
-          <p:nvPr>
-            <p:ph idx="1"/>
-          </p:nvPr>
-        </p:nvGraphicFramePr>
-        <p:xfrm>
-          <a:off x="457200" y="1935163"/>
-          <a:ext cx="8229600" cy="4389437"/>
-        </p:xfrm>
-        <a:graphic>
-          <a:graphicData uri="http://schemas.openxmlformats.org/drawingml/2006/diagram">
-            <dgm:relIds xmlns:dgm="http://schemas.openxmlformats.org/drawingml/2006/diagram" xmlns:r="http://schemas.openxmlformats.org/officeDocument/2006/relationships" r:dm="rId3" r:lo="rId4" r:qs="rId5" r:cs="rId6"/>
-          </a:graphicData>
-        </a:graphic>
-      </p:graphicFrame>
     </p:spTree>
   </p:cSld>
   <p:clrMapOvr>

--- a/CC.pptx
+++ b/CC.pptx
@@ -3239,8 +3239,8 @@
     <dgm:cxn modelId="{38909320-D270-4DD8-985B-2E201743930F}" type="presOf" srcId="{7973E9F7-F023-457A-B616-0300C5072C3A}" destId="{CA1E2BF1-B0AB-4895-B69A-2F7B3B42EF3C}" srcOrd="0" destOrd="2" presId="urn:microsoft.com/office/officeart/2005/8/layout/list1"/>
     <dgm:cxn modelId="{E84BB915-9E93-400B-AFDA-7EF0E3C388C9}" type="presOf" srcId="{8722A5F9-14D6-4CE9-8029-B2CF02479303}" destId="{F3E948EE-4371-45E5-A293-95F38FE809F0}" srcOrd="0" destOrd="0" presId="urn:microsoft.com/office/officeart/2005/8/layout/list1"/>
     <dgm:cxn modelId="{93236B52-AF51-4C00-A48D-BC2FBA481EB9}" srcId="{39BF1797-AF98-49D0-B587-7D2FE95969A2}" destId="{7B0F4F9E-478D-4EED-8F73-DB662091163B}" srcOrd="1" destOrd="0" parTransId="{282F2255-B34A-4BDD-8C14-2E7F7F37DFD6}" sibTransId="{4C206C40-2E5F-4996-AF91-9A4CBFE4CC37}"/>
+    <dgm:cxn modelId="{6C7859C2-6BDC-48A0-B9E2-6CE41255A9C6}" srcId="{39BF1797-AF98-49D0-B587-7D2FE95969A2}" destId="{7973E9F7-F023-457A-B616-0300C5072C3A}" srcOrd="2" destOrd="0" parTransId="{8F4CBCF4-7048-43E0-A6A6-EF48447175EC}" sibTransId="{8860994C-7409-4A9F-BCE1-0BB2C901CC49}"/>
     <dgm:cxn modelId="{D42792C6-22C5-46BF-8793-1D07FFDC02FA}" srcId="{39BF1797-AF98-49D0-B587-7D2FE95969A2}" destId="{0CD7446A-9BA1-4526-85AF-E0857FA2A09E}" srcOrd="6" destOrd="0" parTransId="{92F15A59-929B-4DCF-A5C6-5ACC068639B2}" sibTransId="{F2B69293-7BF2-45B1-82DC-43AFAD1F16F1}"/>
-    <dgm:cxn modelId="{6C7859C2-6BDC-48A0-B9E2-6CE41255A9C6}" srcId="{39BF1797-AF98-49D0-B587-7D2FE95969A2}" destId="{7973E9F7-F023-457A-B616-0300C5072C3A}" srcOrd="2" destOrd="0" parTransId="{8F4CBCF4-7048-43E0-A6A6-EF48447175EC}" sibTransId="{8860994C-7409-4A9F-BCE1-0BB2C901CC49}"/>
     <dgm:cxn modelId="{561E0F04-FD23-4D4E-8730-8813342244D6}" srcId="{39BF1797-AF98-49D0-B587-7D2FE95969A2}" destId="{8FA0ACB3-00FB-4BBA-93DA-4CAAAF27151F}" srcOrd="3" destOrd="0" parTransId="{FCAD73E5-4EEC-45A1-AA92-8EE545C4EA5E}" sibTransId="{65D80577-5C52-46CE-B28F-6891E38918EB}"/>
     <dgm:cxn modelId="{35A8002B-103D-44EB-BB02-07E8356EECF8}" srcId="{39BF1797-AF98-49D0-B587-7D2FE95969A2}" destId="{87BB7EE1-4D29-4CCA-B372-B95AED09D489}" srcOrd="5" destOrd="0" parTransId="{5237AE63-7B85-4892-86EB-A039B1AB1B71}" sibTransId="{51B13E36-5F59-4500-A041-7E6C48A16975}"/>
     <dgm:cxn modelId="{A91ABE52-DAAC-4AFA-9AD1-AB1173AC23A3}" type="presOf" srcId="{39BF1797-AF98-49D0-B587-7D2FE95969A2}" destId="{2F0261AD-2B76-42EE-9B5C-41042C74716E}" srcOrd="0" destOrd="0" presId="urn:microsoft.com/office/officeart/2005/8/layout/list1"/>
@@ -13351,14 +13351,32 @@
             <p:ph type="title"/>
           </p:nvPr>
         </p:nvSpPr>
-        <p:spPr/>
+        <p:spPr>
+          <a:xfrm>
+            <a:off x="457200" y="990600"/>
+            <a:ext cx="8229600" cy="1143000"/>
+          </a:xfrm>
+        </p:spPr>
         <p:txBody>
-          <a:bodyPr/>
+          <a:bodyPr>
+            <a:normAutofit fontScale="90000"/>
+          </a:bodyPr>
           <a:lstStyle/>
           <a:p>
             <a:r>
               <a:rPr lang="en-US" dirty="0" smtClean="0"/>
-              <a:t>SA: DFD</a:t>
+              <a:t>Software Architecture: </a:t>
+            </a:r>
+            <a:br>
+              <a:rPr lang="en-US" dirty="0" smtClean="0"/>
+            </a:br>
+            <a:r>
+              <a:rPr lang="en-US" dirty="0" smtClean="0"/>
+              <a:t> </a:t>
+            </a:r>
+            <a:r>
+              <a:rPr lang="en-US" dirty="0" smtClean="0"/>
+              <a:t>Data Flow Diagram</a:t>
             </a:r>
             <a:endParaRPr lang="en-US" dirty="0"/>
           </a:p>
@@ -13415,11 +13433,7 @@
             </a:pPr>
             <a:r>
               <a:rPr lang="en-US" dirty="0" smtClean="0"/>
-              <a:t> </a:t>
-            </a:r>
-            <a:r>
-              <a:rPr lang="en-US" dirty="0" smtClean="0"/>
-              <a:t>Indicates the data flow pertaining to</a:t>
+              <a:t> Indicates the data flow pertaining to</a:t>
             </a:r>
           </a:p>
           <a:p>
@@ -13524,14 +13538,28 @@
             <p:ph type="title"/>
           </p:nvPr>
         </p:nvSpPr>
-        <p:spPr/>
+        <p:spPr>
+          <a:xfrm>
+            <a:off x="457200" y="990600"/>
+            <a:ext cx="8229600" cy="1143000"/>
+          </a:xfrm>
+        </p:spPr>
         <p:txBody>
-          <a:bodyPr/>
+          <a:bodyPr>
+            <a:normAutofit fontScale="90000"/>
+          </a:bodyPr>
           <a:lstStyle/>
           <a:p>
             <a:r>
               <a:rPr lang="en-US" dirty="0" smtClean="0"/>
-              <a:t>SA: DFD</a:t>
+              <a:t>Software Architecture: </a:t>
+            </a:r>
+            <a:br>
+              <a:rPr lang="en-US" dirty="0" smtClean="0"/>
+            </a:br>
+            <a:r>
+              <a:rPr lang="en-US" dirty="0" smtClean="0"/>
+              <a:t> Data Flow Diagram</a:t>
             </a:r>
             <a:endParaRPr lang="en-US" dirty="0"/>
           </a:p>
@@ -13545,7 +13573,7 @@
         </p:nvSpPr>
         <p:spPr>
           <a:xfrm>
-            <a:off x="4876800" y="1828800"/>
+            <a:off x="5105400" y="2035076"/>
             <a:ext cx="4038600" cy="2308324"/>
           </a:xfrm>
           <a:prstGeom prst="rect">
@@ -13627,25 +13655,6 @@
               <a:buFont typeface="Arial" pitchFamily="34" charset="0"/>
               <a:buChar char="•"/>
             </a:pPr>
-            <a:endParaRPr lang="en-US" dirty="0"/>
-          </a:p>
-        </p:txBody>
-      </p:sp>
-      <p:sp>
-        <p:nvSpPr>
-          <p:cNvPr id="6" name="Content Placeholder 5"/>
-          <p:cNvSpPr>
-            <a:spLocks noGrp="1"/>
-          </p:cNvSpPr>
-          <p:nvPr>
-            <p:ph idx="1"/>
-          </p:nvPr>
-        </p:nvSpPr>
-        <p:spPr/>
-        <p:txBody>
-          <a:bodyPr/>
-          <a:lstStyle/>
-          <a:p>
             <a:endParaRPr lang="en-US" dirty="0"/>
           </a:p>
         </p:txBody>
@@ -13711,14 +13720,36 @@
             <p:ph type="title"/>
           </p:nvPr>
         </p:nvSpPr>
-        <p:spPr/>
+        <p:spPr>
+          <a:xfrm>
+            <a:off x="457200" y="990600"/>
+            <a:ext cx="8229600" cy="1143000"/>
+          </a:xfrm>
+        </p:spPr>
         <p:txBody>
-          <a:bodyPr/>
+          <a:bodyPr>
+            <a:normAutofit fontScale="90000"/>
+          </a:bodyPr>
           <a:lstStyle/>
           <a:p>
             <a:r>
               <a:rPr lang="en-US" dirty="0" smtClean="0"/>
-              <a:t>SA: Sequence Diagram</a:t>
+              <a:t>Software Architecture: </a:t>
+            </a:r>
+            <a:br>
+              <a:rPr lang="en-US" dirty="0" smtClean="0"/>
+            </a:br>
+            <a:r>
+              <a:rPr lang="en-US" dirty="0" smtClean="0"/>
+              <a:t> </a:t>
+            </a:r>
+            <a:r>
+              <a:rPr lang="en-US" dirty="0" smtClean="0"/>
+              <a:t>Sequence </a:t>
+            </a:r>
+            <a:r>
+              <a:rPr lang="en-US" dirty="0" smtClean="0"/>
+              <a:t>Diagram</a:t>
             </a:r>
             <a:endParaRPr lang="en-US" dirty="0"/>
           </a:p>
@@ -13734,7 +13765,12 @@
             <p:ph idx="1"/>
           </p:nvPr>
         </p:nvSpPr>
-        <p:spPr/>
+        <p:spPr>
+          <a:xfrm>
+            <a:off x="457200" y="2240279"/>
+            <a:ext cx="8229600" cy="4389120"/>
+          </a:xfrm>
+        </p:spPr>
         <p:txBody>
           <a:bodyPr/>
           <a:lstStyle/>
@@ -13760,7 +13796,7 @@
         </p:blipFill>
         <p:spPr bwMode="auto">
           <a:xfrm>
-            <a:off x="472441" y="1904999"/>
+            <a:off x="472441" y="2209798"/>
             <a:ext cx="5394959" cy="4419602"/>
           </a:xfrm>
           <a:prstGeom prst="rect">
@@ -13777,7 +13813,7 @@
         </p:nvSpPr>
         <p:spPr>
           <a:xfrm>
-            <a:off x="5943600" y="1981200"/>
+            <a:off x="5943600" y="2291477"/>
             <a:ext cx="2667000" cy="2585323"/>
           </a:xfrm>
           <a:prstGeom prst="rect">
@@ -13885,14 +13921,28 @@
             <p:ph type="title"/>
           </p:nvPr>
         </p:nvSpPr>
-        <p:spPr/>
+        <p:spPr>
+          <a:xfrm>
+            <a:off x="457200" y="990600"/>
+            <a:ext cx="8229600" cy="1143000"/>
+          </a:xfrm>
+        </p:spPr>
         <p:txBody>
-          <a:bodyPr/>
+          <a:bodyPr>
+            <a:normAutofit fontScale="90000"/>
+          </a:bodyPr>
           <a:lstStyle/>
           <a:p>
             <a:r>
               <a:rPr lang="en-US" dirty="0" smtClean="0"/>
-              <a:t>SA: Sequence Diagram</a:t>
+              <a:t>Software Architecture: </a:t>
+            </a:r>
+            <a:br>
+              <a:rPr lang="en-US" dirty="0" smtClean="0"/>
+            </a:br>
+            <a:r>
+              <a:rPr lang="en-US" dirty="0" smtClean="0"/>
+              <a:t> Sequence Diagram</a:t>
             </a:r>
             <a:endParaRPr lang="en-US" dirty="0"/>
           </a:p>
@@ -13908,7 +13958,12 @@
             <p:ph idx="1"/>
           </p:nvPr>
         </p:nvSpPr>
-        <p:spPr/>
+        <p:spPr>
+          <a:xfrm>
+            <a:off x="457200" y="2227217"/>
+            <a:ext cx="8229600" cy="4389120"/>
+          </a:xfrm>
+        </p:spPr>
         <p:txBody>
           <a:bodyPr/>
           <a:lstStyle/>
@@ -13934,7 +13989,7 @@
         </p:blipFill>
         <p:spPr bwMode="auto">
           <a:xfrm>
-            <a:off x="457200" y="1918065"/>
+            <a:off x="457200" y="2209802"/>
             <a:ext cx="4957220" cy="4419598"/>
           </a:xfrm>
           <a:prstGeom prst="rect">
@@ -13951,7 +14006,7 @@
         </p:nvSpPr>
         <p:spPr>
           <a:xfrm>
-            <a:off x="5486400" y="1981200"/>
+            <a:off x="5486400" y="2272937"/>
             <a:ext cx="3048000" cy="2031325"/>
           </a:xfrm>
           <a:prstGeom prst="rect">
@@ -13981,11 +14036,7 @@
             </a:pPr>
             <a:r>
               <a:rPr lang="en-US" dirty="0" smtClean="0"/>
-              <a:t> </a:t>
-            </a:r>
-            <a:r>
-              <a:rPr lang="en-US" dirty="0" smtClean="0"/>
-              <a:t>Reset a caption to a previous version (</a:t>
+              <a:t> Reset a caption to a previous version (</a:t>
             </a:r>
             <a:r>
               <a:rPr lang="en-US" dirty="0" err="1" smtClean="0"/>
@@ -14061,14 +14112,28 @@
             <p:ph type="title"/>
           </p:nvPr>
         </p:nvSpPr>
-        <p:spPr/>
+        <p:spPr>
+          <a:xfrm>
+            <a:off x="457200" y="990600"/>
+            <a:ext cx="8229600" cy="1143000"/>
+          </a:xfrm>
+        </p:spPr>
         <p:txBody>
-          <a:bodyPr/>
+          <a:bodyPr>
+            <a:normAutofit fontScale="90000"/>
+          </a:bodyPr>
           <a:lstStyle/>
           <a:p>
             <a:r>
               <a:rPr lang="en-US" dirty="0" smtClean="0"/>
-              <a:t>SA: Sequence Diagram</a:t>
+              <a:t>Software Architecture: </a:t>
+            </a:r>
+            <a:br>
+              <a:rPr lang="en-US" dirty="0" smtClean="0"/>
+            </a:br>
+            <a:r>
+              <a:rPr lang="en-US" dirty="0" smtClean="0"/>
+              <a:t> Sequence Diagram</a:t>
             </a:r>
             <a:endParaRPr lang="en-US" dirty="0"/>
           </a:p>
@@ -14091,7 +14156,7 @@
         </p:blipFill>
         <p:spPr bwMode="auto">
           <a:xfrm>
-            <a:off x="457200" y="1909910"/>
+            <a:off x="457200" y="2214710"/>
             <a:ext cx="5657850" cy="4414690"/>
           </a:xfrm>
           <a:prstGeom prst="rect">
@@ -14108,7 +14173,7 @@
         </p:nvSpPr>
         <p:spPr>
           <a:xfrm>
-            <a:off x="6400800" y="1905000"/>
+            <a:off x="6400800" y="2209800"/>
             <a:ext cx="2514600" cy="1477328"/>
           </a:xfrm>
           <a:prstGeom prst="rect">
@@ -14725,11 +14790,7 @@
             <a:pPr lvl="1"/>
             <a:r>
               <a:rPr lang="en-US" dirty="0" smtClean="0"/>
-              <a:t>Flash </a:t>
-            </a:r>
-            <a:r>
-              <a:rPr lang="en-US" dirty="0" smtClean="0"/>
-              <a:t>player - </a:t>
+              <a:t>Flash player - </a:t>
             </a:r>
             <a:r>
               <a:rPr lang="en-US" i="1" dirty="0" smtClean="0"/>
@@ -15082,14 +15143,32 @@
             <p:ph type="title"/>
           </p:nvPr>
         </p:nvSpPr>
-        <p:spPr/>
+        <p:spPr>
+          <a:xfrm>
+            <a:off x="457200" y="990600"/>
+            <a:ext cx="8229600" cy="1143000"/>
+          </a:xfrm>
+        </p:spPr>
         <p:txBody>
-          <a:bodyPr/>
+          <a:bodyPr>
+            <a:normAutofit fontScale="90000"/>
+          </a:bodyPr>
           <a:lstStyle/>
           <a:p>
             <a:r>
               <a:rPr lang="en-US" dirty="0" smtClean="0"/>
-              <a:t>SA: Class Diagram</a:t>
+              <a:t>Software Architecture: </a:t>
+            </a:r>
+            <a:br>
+              <a:rPr lang="en-US" dirty="0" smtClean="0"/>
+            </a:br>
+            <a:r>
+              <a:rPr lang="en-US" dirty="0" smtClean="0"/>
+              <a:t> </a:t>
+            </a:r>
+            <a:r>
+              <a:rPr lang="en-US" dirty="0" smtClean="0"/>
+              <a:t>Class Diagram</a:t>
             </a:r>
             <a:endParaRPr lang="en-US" dirty="0"/>
           </a:p>
@@ -15170,14 +15249,28 @@
             <p:ph type="title"/>
           </p:nvPr>
         </p:nvSpPr>
-        <p:spPr/>
+        <p:spPr>
+          <a:xfrm>
+            <a:off x="457200" y="990600"/>
+            <a:ext cx="8229600" cy="1143000"/>
+          </a:xfrm>
+        </p:spPr>
         <p:txBody>
-          <a:bodyPr/>
+          <a:bodyPr>
+            <a:normAutofit fontScale="90000"/>
+          </a:bodyPr>
           <a:lstStyle/>
           <a:p>
             <a:r>
               <a:rPr lang="en-US" dirty="0" smtClean="0"/>
-              <a:t>SA: Class Diagram</a:t>
+              <a:t>Software Architecture: </a:t>
+            </a:r>
+            <a:br>
+              <a:rPr lang="en-US" dirty="0" smtClean="0"/>
+            </a:br>
+            <a:r>
+              <a:rPr lang="en-US" dirty="0" smtClean="0"/>
+              <a:t> Class Diagram</a:t>
             </a:r>
             <a:endParaRPr lang="en-US" dirty="0"/>
           </a:p>
@@ -15258,14 +15351,28 @@
             <p:ph type="title"/>
           </p:nvPr>
         </p:nvSpPr>
-        <p:spPr/>
+        <p:spPr>
+          <a:xfrm>
+            <a:off x="457200" y="990600"/>
+            <a:ext cx="8229600" cy="1143000"/>
+          </a:xfrm>
+        </p:spPr>
         <p:txBody>
-          <a:bodyPr/>
+          <a:bodyPr>
+            <a:normAutofit fontScale="90000"/>
+          </a:bodyPr>
           <a:lstStyle/>
           <a:p>
             <a:r>
               <a:rPr lang="en-US" dirty="0" smtClean="0"/>
-              <a:t>SA: Class Diagram</a:t>
+              <a:t>Software Architecture: </a:t>
+            </a:r>
+            <a:br>
+              <a:rPr lang="en-US" dirty="0" smtClean="0"/>
+            </a:br>
+            <a:r>
+              <a:rPr lang="en-US" dirty="0" smtClean="0"/>
+              <a:t> Class Diagram</a:t>
             </a:r>
             <a:endParaRPr lang="en-US" dirty="0"/>
           </a:p>
@@ -15346,14 +15453,36 @@
             <p:ph type="title"/>
           </p:nvPr>
         </p:nvSpPr>
-        <p:spPr/>
+        <p:spPr>
+          <a:xfrm>
+            <a:off x="457200" y="990600"/>
+            <a:ext cx="8229600" cy="1143000"/>
+          </a:xfrm>
+        </p:spPr>
         <p:txBody>
-          <a:bodyPr/>
+          <a:bodyPr>
+            <a:normAutofit fontScale="90000"/>
+          </a:bodyPr>
           <a:lstStyle/>
           <a:p>
             <a:r>
               <a:rPr lang="en-US" dirty="0" smtClean="0"/>
-              <a:t>SA: Deployment Diagram</a:t>
+              <a:t>Software Architecture: </a:t>
+            </a:r>
+            <a:br>
+              <a:rPr lang="en-US" dirty="0" smtClean="0"/>
+            </a:br>
+            <a:r>
+              <a:rPr lang="en-US" dirty="0" smtClean="0"/>
+              <a:t> </a:t>
+            </a:r>
+            <a:r>
+              <a:rPr lang="en-US" dirty="0" smtClean="0"/>
+              <a:t>Deployment </a:t>
+            </a:r>
+            <a:r>
+              <a:rPr lang="en-US" dirty="0" smtClean="0"/>
+              <a:t>Diagram</a:t>
             </a:r>
             <a:endParaRPr lang="en-US" dirty="0"/>
           </a:p>
@@ -15424,14 +15553,36 @@
             <p:ph type="title"/>
           </p:nvPr>
         </p:nvSpPr>
-        <p:spPr/>
+        <p:spPr>
+          <a:xfrm>
+            <a:off x="457200" y="990600"/>
+            <a:ext cx="8229600" cy="1143000"/>
+          </a:xfrm>
+        </p:spPr>
         <p:txBody>
-          <a:bodyPr/>
+          <a:bodyPr>
+            <a:normAutofit fontScale="90000"/>
+          </a:bodyPr>
           <a:lstStyle/>
           <a:p>
             <a:r>
               <a:rPr lang="en-US" dirty="0" smtClean="0"/>
-              <a:t>SA: Database Diagram</a:t>
+              <a:t>Software Architecture: </a:t>
+            </a:r>
+            <a:br>
+              <a:rPr lang="en-US" dirty="0" smtClean="0"/>
+            </a:br>
+            <a:r>
+              <a:rPr lang="en-US" dirty="0" smtClean="0"/>
+              <a:t> </a:t>
+            </a:r>
+            <a:r>
+              <a:rPr lang="en-US" dirty="0" smtClean="0"/>
+              <a:t>Database </a:t>
+            </a:r>
+            <a:r>
+              <a:rPr lang="en-US" dirty="0" smtClean="0"/>
+              <a:t>Diagram</a:t>
             </a:r>
             <a:endParaRPr lang="en-US" dirty="0"/>
           </a:p>

--- a/CC.pptx
+++ b/CC.pptx
@@ -5,7 +5,7 @@
     <p:sldMasterId id="2147483912" r:id="rId1"/>
   </p:sldMasterIdLst>
   <p:notesMasterIdLst>
-    <p:notesMasterId r:id="rId24"/>
+    <p:notesMasterId r:id="rId26"/>
   </p:notesMasterIdLst>
   <p:sldIdLst>
     <p:sldId id="268" r:id="rId2"/>
@@ -30,6 +30,8 @@
     <p:sldId id="274" r:id="rId21"/>
     <p:sldId id="267" r:id="rId22"/>
     <p:sldId id="271" r:id="rId23"/>
+    <p:sldId id="281" r:id="rId24"/>
+    <p:sldId id="282" r:id="rId25"/>
   </p:sldIdLst>
   <p:sldSz cx="9144000" cy="6858000" type="screen4x3"/>
   <p:notesSz cx="6858000" cy="9144000"/>
@@ -3239,8 +3241,8 @@
     <dgm:cxn modelId="{38909320-D270-4DD8-985B-2E201743930F}" type="presOf" srcId="{7973E9F7-F023-457A-B616-0300C5072C3A}" destId="{CA1E2BF1-B0AB-4895-B69A-2F7B3B42EF3C}" srcOrd="0" destOrd="2" presId="urn:microsoft.com/office/officeart/2005/8/layout/list1"/>
     <dgm:cxn modelId="{E84BB915-9E93-400B-AFDA-7EF0E3C388C9}" type="presOf" srcId="{8722A5F9-14D6-4CE9-8029-B2CF02479303}" destId="{F3E948EE-4371-45E5-A293-95F38FE809F0}" srcOrd="0" destOrd="0" presId="urn:microsoft.com/office/officeart/2005/8/layout/list1"/>
     <dgm:cxn modelId="{93236B52-AF51-4C00-A48D-BC2FBA481EB9}" srcId="{39BF1797-AF98-49D0-B587-7D2FE95969A2}" destId="{7B0F4F9E-478D-4EED-8F73-DB662091163B}" srcOrd="1" destOrd="0" parTransId="{282F2255-B34A-4BDD-8C14-2E7F7F37DFD6}" sibTransId="{4C206C40-2E5F-4996-AF91-9A4CBFE4CC37}"/>
+    <dgm:cxn modelId="{D42792C6-22C5-46BF-8793-1D07FFDC02FA}" srcId="{39BF1797-AF98-49D0-B587-7D2FE95969A2}" destId="{0CD7446A-9BA1-4526-85AF-E0857FA2A09E}" srcOrd="6" destOrd="0" parTransId="{92F15A59-929B-4DCF-A5C6-5ACC068639B2}" sibTransId="{F2B69293-7BF2-45B1-82DC-43AFAD1F16F1}"/>
     <dgm:cxn modelId="{6C7859C2-6BDC-48A0-B9E2-6CE41255A9C6}" srcId="{39BF1797-AF98-49D0-B587-7D2FE95969A2}" destId="{7973E9F7-F023-457A-B616-0300C5072C3A}" srcOrd="2" destOrd="0" parTransId="{8F4CBCF4-7048-43E0-A6A6-EF48447175EC}" sibTransId="{8860994C-7409-4A9F-BCE1-0BB2C901CC49}"/>
-    <dgm:cxn modelId="{D42792C6-22C5-46BF-8793-1D07FFDC02FA}" srcId="{39BF1797-AF98-49D0-B587-7D2FE95969A2}" destId="{0CD7446A-9BA1-4526-85AF-E0857FA2A09E}" srcOrd="6" destOrd="0" parTransId="{92F15A59-929B-4DCF-A5C6-5ACC068639B2}" sibTransId="{F2B69293-7BF2-45B1-82DC-43AFAD1F16F1}"/>
     <dgm:cxn modelId="{561E0F04-FD23-4D4E-8730-8813342244D6}" srcId="{39BF1797-AF98-49D0-B587-7D2FE95969A2}" destId="{8FA0ACB3-00FB-4BBA-93DA-4CAAAF27151F}" srcOrd="3" destOrd="0" parTransId="{FCAD73E5-4EEC-45A1-AA92-8EE545C4EA5E}" sibTransId="{65D80577-5C52-46CE-B28F-6891E38918EB}"/>
     <dgm:cxn modelId="{35A8002B-103D-44EB-BB02-07E8356EECF8}" srcId="{39BF1797-AF98-49D0-B587-7D2FE95969A2}" destId="{87BB7EE1-4D29-4CCA-B372-B95AED09D489}" srcOrd="5" destOrd="0" parTransId="{5237AE63-7B85-4892-86EB-A039B1AB1B71}" sibTransId="{51B13E36-5F59-4500-A041-7E6C48A16975}"/>
     <dgm:cxn modelId="{A91ABE52-DAAC-4AFA-9AD1-AB1173AC23A3}" type="presOf" srcId="{39BF1797-AF98-49D0-B587-7D2FE95969A2}" destId="{2F0261AD-2B76-42EE-9B5C-41042C74716E}" srcOrd="0" destOrd="0" presId="urn:microsoft.com/office/officeart/2005/8/layout/list1"/>
@@ -13372,11 +13374,7 @@
             </a:br>
             <a:r>
               <a:rPr lang="en-US" dirty="0" smtClean="0"/>
-              <a:t> </a:t>
-            </a:r>
-            <a:r>
-              <a:rPr lang="en-US" dirty="0" smtClean="0"/>
-              <a:t>Data Flow Diagram</a:t>
+              <a:t> Data Flow Diagram</a:t>
             </a:r>
             <a:endParaRPr lang="en-US" dirty="0"/>
           </a:p>
@@ -13741,15 +13739,7 @@
             </a:br>
             <a:r>
               <a:rPr lang="en-US" dirty="0" smtClean="0"/>
-              <a:t> </a:t>
-            </a:r>
-            <a:r>
-              <a:rPr lang="en-US" dirty="0" smtClean="0"/>
-              <a:t>Sequence </a:t>
-            </a:r>
-            <a:r>
-              <a:rPr lang="en-US" dirty="0" smtClean="0"/>
-              <a:t>Diagram</a:t>
+              <a:t> Sequence Diagram</a:t>
             </a:r>
             <a:endParaRPr lang="en-US" dirty="0"/>
           </a:p>
@@ -14960,6 +14950,220 @@
 </p:sld>
 </file>
 
+<file path=ppt/slides/slide23.xml><?xml version="1.0" encoding="utf-8"?>
+<p:sld xmlns:a="http://schemas.openxmlformats.org/drawingml/2006/main" xmlns:r="http://schemas.openxmlformats.org/officeDocument/2006/relationships" xmlns:p="http://schemas.openxmlformats.org/presentationml/2006/main">
+  <p:cSld>
+    <p:spTree>
+      <p:nvGrpSpPr>
+        <p:cNvPr id="1" name=""/>
+        <p:cNvGrpSpPr/>
+        <p:nvPr/>
+      </p:nvGrpSpPr>
+      <p:grpSpPr>
+        <a:xfrm>
+          <a:off x="0" y="0"/>
+          <a:ext cx="0" cy="0"/>
+          <a:chOff x="0" y="0"/>
+          <a:chExt cx="0" cy="0"/>
+        </a:xfrm>
+      </p:grpSpPr>
+      <p:sp>
+        <p:nvSpPr>
+          <p:cNvPr id="2" name="Title 1"/>
+          <p:cNvSpPr>
+            <a:spLocks noGrp="1"/>
+          </p:cNvSpPr>
+          <p:nvPr>
+            <p:ph type="title"/>
+          </p:nvPr>
+        </p:nvSpPr>
+        <p:spPr>
+          <a:xfrm>
+            <a:off x="457200" y="2438400"/>
+            <a:ext cx="8229600" cy="1143000"/>
+          </a:xfrm>
+        </p:spPr>
+        <p:txBody>
+          <a:bodyPr/>
+          <a:lstStyle/>
+          <a:p>
+            <a:pPr algn="ctr"/>
+            <a:r>
+              <a:rPr lang="en-US" dirty="0" smtClean="0"/>
+              <a:t>Backup Slides</a:t>
+            </a:r>
+            <a:endParaRPr lang="en-US" dirty="0"/>
+          </a:p>
+        </p:txBody>
+      </p:sp>
+    </p:spTree>
+  </p:cSld>
+  <p:clrMapOvr>
+    <a:masterClrMapping/>
+  </p:clrMapOvr>
+</p:sld>
+</file>
+
+<file path=ppt/slides/slide24.xml><?xml version="1.0" encoding="utf-8"?>
+<p:sld xmlns:a="http://schemas.openxmlformats.org/drawingml/2006/main" xmlns:r="http://schemas.openxmlformats.org/officeDocument/2006/relationships" xmlns:p="http://schemas.openxmlformats.org/presentationml/2006/main">
+  <p:cSld>
+    <p:spTree>
+      <p:nvGrpSpPr>
+        <p:cNvPr id="1" name=""/>
+        <p:cNvGrpSpPr/>
+        <p:nvPr/>
+      </p:nvGrpSpPr>
+      <p:grpSpPr>
+        <a:xfrm>
+          <a:off x="0" y="0"/>
+          <a:ext cx="0" cy="0"/>
+          <a:chOff x="0" y="0"/>
+          <a:chExt cx="0" cy="0"/>
+        </a:xfrm>
+      </p:grpSpPr>
+      <p:sp>
+        <p:nvSpPr>
+          <p:cNvPr id="2" name="Title 1"/>
+          <p:cNvSpPr>
+            <a:spLocks noGrp="1"/>
+          </p:cNvSpPr>
+          <p:nvPr>
+            <p:ph type="title"/>
+          </p:nvPr>
+        </p:nvSpPr>
+        <p:spPr>
+          <a:xfrm>
+            <a:off x="457200" y="381000"/>
+            <a:ext cx="8229600" cy="1143000"/>
+          </a:xfrm>
+        </p:spPr>
+        <p:txBody>
+          <a:bodyPr/>
+          <a:lstStyle/>
+          <a:p>
+            <a:r>
+              <a:rPr lang="en-US" dirty="0" smtClean="0"/>
+              <a:t>Risks</a:t>
+            </a:r>
+            <a:endParaRPr lang="en-US" dirty="0"/>
+          </a:p>
+        </p:txBody>
+      </p:sp>
+      <p:sp>
+        <p:nvSpPr>
+          <p:cNvPr id="3" name="Content Placeholder 2"/>
+          <p:cNvSpPr>
+            <a:spLocks noGrp="1"/>
+          </p:cNvSpPr>
+          <p:nvPr>
+            <p:ph idx="1"/>
+          </p:nvPr>
+        </p:nvSpPr>
+        <p:spPr>
+          <a:xfrm>
+            <a:off x="304800" y="1447800"/>
+            <a:ext cx="8382000" cy="4876800"/>
+          </a:xfrm>
+        </p:spPr>
+        <p:txBody>
+          <a:bodyPr>
+            <a:normAutofit fontScale="92500" lnSpcReduction="20000"/>
+          </a:bodyPr>
+          <a:lstStyle/>
+          <a:p>
+            <a:r>
+              <a:rPr lang="en-US" dirty="0" smtClean="0"/>
+              <a:t>Being able to overlay captions to videos that reside on remote domains. </a:t>
+            </a:r>
+            <a:r>
+              <a:rPr lang="en-US" dirty="0" smtClean="0"/>
+              <a:t> -</a:t>
+            </a:r>
+            <a:r>
+              <a:rPr lang="en-US" i="1" dirty="0" smtClean="0"/>
+              <a:t>Flex seems to be able to do this.</a:t>
+            </a:r>
+          </a:p>
+          <a:p>
+            <a:endParaRPr lang="en-US" i="1" dirty="0" smtClean="0"/>
+          </a:p>
+          <a:p>
+            <a:r>
+              <a:rPr lang="en-US" dirty="0" smtClean="0"/>
+              <a:t>The </a:t>
+            </a:r>
+            <a:r>
+              <a:rPr lang="en-US" dirty="0" smtClean="0"/>
+              <a:t>ability to control Flash videos through a SWF player. </a:t>
+            </a:r>
+            <a:r>
+              <a:rPr lang="en-US" dirty="0" smtClean="0"/>
+              <a:t>–</a:t>
+            </a:r>
+            <a:r>
+              <a:rPr lang="en-US" i="1" dirty="0" smtClean="0"/>
+              <a:t>We now plan to write our own FLV player.</a:t>
+            </a:r>
+          </a:p>
+          <a:p>
+            <a:endParaRPr lang="en-US" i="1" dirty="0" smtClean="0"/>
+          </a:p>
+          <a:p>
+            <a:r>
+              <a:rPr lang="en-US" dirty="0" smtClean="0"/>
+              <a:t>The possibility that a video could have multiple </a:t>
+            </a:r>
+            <a:r>
+              <a:rPr lang="en-US" dirty="0" err="1" smtClean="0"/>
+              <a:t>video_id's</a:t>
+            </a:r>
+            <a:r>
+              <a:rPr lang="en-US" dirty="0" smtClean="0"/>
+              <a:t> associated with it. </a:t>
+            </a:r>
+            <a:r>
+              <a:rPr lang="en-US" dirty="0" smtClean="0"/>
+              <a:t>–</a:t>
+            </a:r>
+            <a:r>
+              <a:rPr lang="en-US" i="1" dirty="0" smtClean="0"/>
+              <a:t>Still being investigated, may not be an issue.  If it is, checksums are a possibility</a:t>
+            </a:r>
+          </a:p>
+          <a:p>
+            <a:endParaRPr lang="en-US" i="1" dirty="0" smtClean="0"/>
+          </a:p>
+          <a:p>
+            <a:r>
+              <a:rPr lang="en-US" dirty="0" smtClean="0"/>
+              <a:t>The possibility that users may store incorrect captions</a:t>
+            </a:r>
+            <a:r>
+              <a:rPr lang="en-US" dirty="0" smtClean="0"/>
+              <a:t>. –</a:t>
+            </a:r>
+            <a:r>
+              <a:rPr lang="en-US" i="1" dirty="0" smtClean="0"/>
+              <a:t>We have decided on an open and free environment and rely on the community for quality control.  Version rollback will also be available.</a:t>
+            </a:r>
+            <a:endParaRPr lang="en-US" i="1" dirty="0" smtClean="0"/>
+          </a:p>
+          <a:p>
+            <a:pPr>
+              <a:buNone/>
+            </a:pPr>
+            <a:endParaRPr lang="en-US" dirty="0"/>
+          </a:p>
+        </p:txBody>
+      </p:sp>
+    </p:spTree>
+  </p:cSld>
+  <p:clrMapOvr>
+    <a:masterClrMapping/>
+  </p:clrMapOvr>
+</p:sld>
+</file>
+
 <file path=ppt/slides/slide3.xml><?xml version="1.0" encoding="utf-8"?>
 <p:sld xmlns:a="http://schemas.openxmlformats.org/drawingml/2006/main" xmlns:r="http://schemas.openxmlformats.org/officeDocument/2006/relationships" xmlns:p="http://schemas.openxmlformats.org/presentationml/2006/main">
   <p:cSld>
@@ -15164,11 +15368,7 @@
             </a:br>
             <a:r>
               <a:rPr lang="en-US" dirty="0" smtClean="0"/>
-              <a:t> </a:t>
-            </a:r>
-            <a:r>
-              <a:rPr lang="en-US" dirty="0" smtClean="0"/>
-              <a:t>Class Diagram</a:t>
+              <a:t> Class Diagram</a:t>
             </a:r>
             <a:endParaRPr lang="en-US" dirty="0"/>
           </a:p>
@@ -15474,15 +15674,7 @@
             </a:br>
             <a:r>
               <a:rPr lang="en-US" dirty="0" smtClean="0"/>
-              <a:t> </a:t>
-            </a:r>
-            <a:r>
-              <a:rPr lang="en-US" dirty="0" smtClean="0"/>
-              <a:t>Deployment </a:t>
-            </a:r>
-            <a:r>
-              <a:rPr lang="en-US" dirty="0" smtClean="0"/>
-              <a:t>Diagram</a:t>
+              <a:t> Deployment Diagram</a:t>
             </a:r>
             <a:endParaRPr lang="en-US" dirty="0"/>
           </a:p>
@@ -15574,15 +15766,7 @@
             </a:br>
             <a:r>
               <a:rPr lang="en-US" dirty="0" smtClean="0"/>
-              <a:t> </a:t>
-            </a:r>
-            <a:r>
-              <a:rPr lang="en-US" dirty="0" smtClean="0"/>
-              <a:t>Database </a:t>
-            </a:r>
-            <a:r>
-              <a:rPr lang="en-US" dirty="0" smtClean="0"/>
-              <a:t>Diagram</a:t>
+              <a:t> Database Diagram</a:t>
             </a:r>
             <a:endParaRPr lang="en-US" dirty="0"/>
           </a:p>

--- a/CC.pptx
+++ b/CC.pptx
@@ -15033,7 +15033,7 @@
         </p:nvSpPr>
         <p:spPr>
           <a:xfrm>
-            <a:off x="457200" y="381000"/>
+            <a:off x="457200" y="304800"/>
             <a:ext cx="8229600" cy="1143000"/>
           </a:xfrm>
         </p:spPr>
@@ -15161,6 +15161,13 @@
   <p:clrMapOvr>
     <a:masterClrMapping/>
   </p:clrMapOvr>
+  <p:timing>
+    <p:tnLst>
+      <p:par>
+        <p:cTn id="1" dur="indefinite" restart="never" nodeType="tmRoot"/>
+      </p:par>
+    </p:tnLst>
+  </p:timing>
 </p:sld>
 </file>
 
